--- a/Microservice_Architecture_Defined.pptx
+++ b/Microservice_Architecture_Defined.pptx
@@ -23,6 +23,7 @@
     <p:sldId id="275" r:id="rId17"/>
     <p:sldId id="276" r:id="rId18"/>
     <p:sldId id="277" r:id="rId19"/>
+    <p:sldId id="278" r:id="rId20"/>
   </p:sldIdLst>
   <p:sldSz cx="12192000" cy="6858000"/>
   <p:notesSz cx="6858000" cy="9144000"/>
@@ -260,7 +261,7 @@
           <a:p>
             <a:fld id="{0FAE7BA4-8015-4D31-869C-5D9277F0243A}" type="datetimeFigureOut">
               <a:rPr lang="en-US" smtClean="0"/>
-              <a:t>1/10/2020</a:t>
+              <a:t>1/13/2020</a:t>
             </a:fld>
             <a:endParaRPr lang="en-US"/>
           </a:p>
@@ -430,7 +431,7 @@
           <a:p>
             <a:fld id="{0FAE7BA4-8015-4D31-869C-5D9277F0243A}" type="datetimeFigureOut">
               <a:rPr lang="en-US" smtClean="0"/>
-              <a:t>1/10/2020</a:t>
+              <a:t>1/13/2020</a:t>
             </a:fld>
             <a:endParaRPr lang="en-US"/>
           </a:p>
@@ -610,7 +611,7 @@
           <a:p>
             <a:fld id="{0FAE7BA4-8015-4D31-869C-5D9277F0243A}" type="datetimeFigureOut">
               <a:rPr lang="en-US" smtClean="0"/>
-              <a:t>1/10/2020</a:t>
+              <a:t>1/13/2020</a:t>
             </a:fld>
             <a:endParaRPr lang="en-US"/>
           </a:p>
@@ -780,7 +781,7 @@
           <a:p>
             <a:fld id="{0FAE7BA4-8015-4D31-869C-5D9277F0243A}" type="datetimeFigureOut">
               <a:rPr lang="en-US" smtClean="0"/>
-              <a:t>1/10/2020</a:t>
+              <a:t>1/13/2020</a:t>
             </a:fld>
             <a:endParaRPr lang="en-US"/>
           </a:p>
@@ -1026,7 +1027,7 @@
           <a:p>
             <a:fld id="{0FAE7BA4-8015-4D31-869C-5D9277F0243A}" type="datetimeFigureOut">
               <a:rPr lang="en-US" smtClean="0"/>
-              <a:t>1/10/2020</a:t>
+              <a:t>1/13/2020</a:t>
             </a:fld>
             <a:endParaRPr lang="en-US"/>
           </a:p>
@@ -1258,7 +1259,7 @@
           <a:p>
             <a:fld id="{0FAE7BA4-8015-4D31-869C-5D9277F0243A}" type="datetimeFigureOut">
               <a:rPr lang="en-US" smtClean="0"/>
-              <a:t>1/10/2020</a:t>
+              <a:t>1/13/2020</a:t>
             </a:fld>
             <a:endParaRPr lang="en-US"/>
           </a:p>
@@ -1625,7 +1626,7 @@
           <a:p>
             <a:fld id="{0FAE7BA4-8015-4D31-869C-5D9277F0243A}" type="datetimeFigureOut">
               <a:rPr lang="en-US" smtClean="0"/>
-              <a:t>1/10/2020</a:t>
+              <a:t>1/13/2020</a:t>
             </a:fld>
             <a:endParaRPr lang="en-US"/>
           </a:p>
@@ -1743,7 +1744,7 @@
           <a:p>
             <a:fld id="{0FAE7BA4-8015-4D31-869C-5D9277F0243A}" type="datetimeFigureOut">
               <a:rPr lang="en-US" smtClean="0"/>
-              <a:t>1/10/2020</a:t>
+              <a:t>1/13/2020</a:t>
             </a:fld>
             <a:endParaRPr lang="en-US"/>
           </a:p>
@@ -1838,7 +1839,7 @@
           <a:p>
             <a:fld id="{0FAE7BA4-8015-4D31-869C-5D9277F0243A}" type="datetimeFigureOut">
               <a:rPr lang="en-US" smtClean="0"/>
-              <a:t>1/10/2020</a:t>
+              <a:t>1/13/2020</a:t>
             </a:fld>
             <a:endParaRPr lang="en-US"/>
           </a:p>
@@ -2115,7 +2116,7 @@
           <a:p>
             <a:fld id="{0FAE7BA4-8015-4D31-869C-5D9277F0243A}" type="datetimeFigureOut">
               <a:rPr lang="en-US" smtClean="0"/>
-              <a:t>1/10/2020</a:t>
+              <a:t>1/13/2020</a:t>
             </a:fld>
             <a:endParaRPr lang="en-US"/>
           </a:p>
@@ -2368,7 +2369,7 @@
           <a:p>
             <a:fld id="{0FAE7BA4-8015-4D31-869C-5D9277F0243A}" type="datetimeFigureOut">
               <a:rPr lang="en-US" smtClean="0"/>
-              <a:t>1/10/2020</a:t>
+              <a:t>1/13/2020</a:t>
             </a:fld>
             <a:endParaRPr lang="en-US"/>
           </a:p>
@@ -2581,7 +2582,7 @@
           <a:p>
             <a:fld id="{0FAE7BA4-8015-4D31-869C-5D9277F0243A}" type="datetimeFigureOut">
               <a:rPr lang="en-US" smtClean="0"/>
-              <a:t>1/10/2020</a:t>
+              <a:t>1/13/2020</a:t>
             </a:fld>
             <a:endParaRPr lang="en-US"/>
           </a:p>
@@ -8540,14 +8541,14 @@
           <p:nvPr>
             <p:extLst>
               <p:ext uri="{D42A27DB-BD31-4B8C-83A1-F6EECF244321}">
-                <p14:modId xmlns:p14="http://schemas.microsoft.com/office/powerpoint/2010/main" val="2357795124"/>
+                <p14:modId xmlns:p14="http://schemas.microsoft.com/office/powerpoint/2010/main" val="765572279"/>
               </p:ext>
             </p:extLst>
           </p:nvPr>
         </p:nvGraphicFramePr>
         <p:xfrm>
           <a:off x="609601" y="1014767"/>
-          <a:ext cx="11000507" cy="5151120"/>
+          <a:ext cx="11000507" cy="4943149"/>
         </p:xfrm>
         <a:graphic>
           <a:graphicData uri="http://schemas.openxmlformats.org/drawingml/2006/table">
@@ -8893,12 +8894,10 @@
                       <a:r>
                         <a:rPr lang="en-US" dirty="0" smtClean="0">
                           <a:solidFill>
-                            <a:schemeClr val="accent2">
-                              <a:lumMod val="75000"/>
-                            </a:schemeClr>
+                            <a:srgbClr val="00B050"/>
                           </a:solidFill>
                         </a:rPr>
-                        <a:t>Not Started</a:t>
+                        <a:t>Done</a:t>
                       </a:r>
                       <a:endParaRPr lang="en-US" dirty="0">
                         <a:solidFill>
@@ -9005,15 +9004,11 @@
                       <a:r>
                         <a:rPr lang="en-US" dirty="0" smtClean="0">
                           <a:solidFill>
-                            <a:schemeClr val="accent2">
-                              <a:lumMod val="75000"/>
-                            </a:schemeClr>
+                            <a:srgbClr val="00B050"/>
                           </a:solidFill>
                         </a:rPr>
-                        <a:t>Not Started</a:t>
+                        <a:t>Done</a:t>
                       </a:r>
-                    </a:p>
-                    <a:p>
                       <a:endParaRPr lang="en-US" dirty="0"/>
                     </a:p>
                   </a:txBody>
@@ -9120,15 +9115,11 @@
                       <a:r>
                         <a:rPr lang="en-US" dirty="0" smtClean="0">
                           <a:solidFill>
-                            <a:schemeClr val="accent2">
-                              <a:lumMod val="75000"/>
-                            </a:schemeClr>
+                            <a:srgbClr val="00B050"/>
                           </a:solidFill>
                         </a:rPr>
-                        <a:t>Not Started</a:t>
+                        <a:t>Done</a:t>
                       </a:r>
-                    </a:p>
-                    <a:p>
                       <a:endParaRPr lang="en-US" dirty="0"/>
                     </a:p>
                   </a:txBody>
@@ -9146,10 +9137,6 @@
                     <a:bodyPr/>
                     <a:lstStyle/>
                     <a:p>
-                      <a:r>
-                        <a:rPr lang="en-US" dirty="0" smtClean="0"/>
-                        <a:t>6</a:t>
-                      </a:r>
                       <a:endParaRPr lang="en-US" dirty="0"/>
                     </a:p>
                   </a:txBody>
@@ -9197,10 +9184,6 @@
                     <a:bodyPr/>
                     <a:lstStyle/>
                     <a:p>
-                      <a:r>
-                        <a:rPr lang="en-US" dirty="0" smtClean="0"/>
-                        <a:t>7</a:t>
-                      </a:r>
                       <a:endParaRPr lang="en-US" dirty="0"/>
                     </a:p>
                   </a:txBody>
@@ -9248,10 +9231,6 @@
                     <a:bodyPr/>
                     <a:lstStyle/>
                     <a:p>
-                      <a:r>
-                        <a:rPr lang="en-US" dirty="0" smtClean="0"/>
-                        <a:t>8</a:t>
-                      </a:r>
                       <a:endParaRPr lang="en-US" dirty="0"/>
                     </a:p>
                   </a:txBody>
@@ -9299,10 +9278,6 @@
                     <a:bodyPr/>
                     <a:lstStyle/>
                     <a:p>
-                      <a:r>
-                        <a:rPr lang="en-US" dirty="0" smtClean="0"/>
-                        <a:t>9</a:t>
-                      </a:r>
                       <a:endParaRPr lang="en-US" dirty="0"/>
                     </a:p>
                   </a:txBody>
@@ -9350,10 +9325,6 @@
                     <a:bodyPr/>
                     <a:lstStyle/>
                     <a:p>
-                      <a:r>
-                        <a:rPr lang="en-US" dirty="0" smtClean="0"/>
-                        <a:t>10</a:t>
-                      </a:r>
                       <a:endParaRPr lang="en-US" dirty="0"/>
                     </a:p>
                   </a:txBody>
@@ -13696,6 +13667,760 @@
     <p:extLst>
       <p:ext uri="{BB962C8B-B14F-4D97-AF65-F5344CB8AC3E}">
         <p14:creationId xmlns:p14="http://schemas.microsoft.com/office/powerpoint/2010/main" val="1072669683"/>
+      </p:ext>
+    </p:extLst>
+  </p:cSld>
+  <p:clrMapOvr>
+    <a:masterClrMapping/>
+  </p:clrMapOvr>
+</p:sld>
+</file>
+
+<file path=ppt/slides/slide19.xml><?xml version="1.0" encoding="utf-8"?>
+<p:sld xmlns:a="http://schemas.openxmlformats.org/drawingml/2006/main" xmlns:r="http://schemas.openxmlformats.org/officeDocument/2006/relationships" xmlns:p="http://schemas.openxmlformats.org/presentationml/2006/main">
+  <p:cSld>
+    <p:spTree>
+      <p:nvGrpSpPr>
+        <p:cNvPr id="1" name=""/>
+        <p:cNvGrpSpPr/>
+        <p:nvPr/>
+      </p:nvGrpSpPr>
+      <p:grpSpPr>
+        <a:xfrm>
+          <a:off x="0" y="0"/>
+          <a:ext cx="0" cy="0"/>
+          <a:chOff x="0" y="0"/>
+          <a:chExt cx="0" cy="0"/>
+        </a:xfrm>
+      </p:grpSpPr>
+      <p:graphicFrame>
+        <p:nvGraphicFramePr>
+          <p:cNvPr id="4" name="Table 3"/>
+          <p:cNvGraphicFramePr>
+            <a:graphicFrameLocks noGrp="1"/>
+          </p:cNvGraphicFramePr>
+          <p:nvPr>
+            <p:extLst>
+              <p:ext uri="{D42A27DB-BD31-4B8C-83A1-F6EECF244321}">
+                <p14:modId xmlns:p14="http://schemas.microsoft.com/office/powerpoint/2010/main" val="1997185674"/>
+              </p:ext>
+            </p:extLst>
+          </p:nvPr>
+        </p:nvGraphicFramePr>
+        <p:xfrm>
+          <a:off x="609601" y="1014767"/>
+          <a:ext cx="11000507" cy="4135429"/>
+        </p:xfrm>
+        <a:graphic>
+          <a:graphicData uri="http://schemas.openxmlformats.org/drawingml/2006/table">
+            <a:tbl>
+              <a:tblPr firstRow="1" bandRow="1">
+                <a:tableStyleId>{5C22544A-7EE6-4342-B048-85BDC9FD1C3A}</a:tableStyleId>
+              </a:tblPr>
+              <a:tblGrid>
+                <a:gridCol w="1148821">
+                  <a:extLst>
+                    <a:ext uri="{9D8B030D-6E8A-4147-A177-3AD203B41FA5}">
+                      <a16:colId xmlns:a16="http://schemas.microsoft.com/office/drawing/2014/main" val="1439054236"/>
+                    </a:ext>
+                  </a:extLst>
+                </a:gridCol>
+                <a:gridCol w="2744305">
+                  <a:extLst>
+                    <a:ext uri="{9D8B030D-6E8A-4147-A177-3AD203B41FA5}">
+                      <a16:colId xmlns:a16="http://schemas.microsoft.com/office/drawing/2014/main" val="1163802896"/>
+                    </a:ext>
+                  </a:extLst>
+                </a:gridCol>
+                <a:gridCol w="4712197">
+                  <a:extLst>
+                    <a:ext uri="{9D8B030D-6E8A-4147-A177-3AD203B41FA5}">
+                      <a16:colId xmlns:a16="http://schemas.microsoft.com/office/drawing/2014/main" val="126811341"/>
+                    </a:ext>
+                  </a:extLst>
+                </a:gridCol>
+                <a:gridCol w="2395184">
+                  <a:extLst>
+                    <a:ext uri="{9D8B030D-6E8A-4147-A177-3AD203B41FA5}">
+                      <a16:colId xmlns:a16="http://schemas.microsoft.com/office/drawing/2014/main" val="3180933922"/>
+                    </a:ext>
+                  </a:extLst>
+                </a:gridCol>
+              </a:tblGrid>
+              <a:tr h="0">
+                <a:tc>
+                  <a:txBody>
+                    <a:bodyPr/>
+                    <a:lstStyle/>
+                    <a:p>
+                      <a:r>
+                        <a:rPr lang="en-US" dirty="0" smtClean="0"/>
+                        <a:t>S/No</a:t>
+                      </a:r>
+                      <a:endParaRPr lang="en-US" dirty="0"/>
+                    </a:p>
+                  </a:txBody>
+                  <a:tcPr/>
+                </a:tc>
+                <a:tc>
+                  <a:txBody>
+                    <a:bodyPr/>
+                    <a:lstStyle/>
+                    <a:p>
+                      <a:r>
+                        <a:rPr lang="en-US" dirty="0" smtClean="0"/>
+                        <a:t>Task</a:t>
+                      </a:r>
+                      <a:endParaRPr lang="en-US" dirty="0"/>
+                    </a:p>
+                  </a:txBody>
+                  <a:tcPr/>
+                </a:tc>
+                <a:tc>
+                  <a:txBody>
+                    <a:bodyPr/>
+                    <a:lstStyle/>
+                    <a:p>
+                      <a:r>
+                        <a:rPr lang="en-US" dirty="0" smtClean="0"/>
+                        <a:t>Detail</a:t>
+                      </a:r>
+                      <a:endParaRPr lang="en-US" dirty="0"/>
+                    </a:p>
+                  </a:txBody>
+                  <a:tcPr/>
+                </a:tc>
+                <a:tc>
+                  <a:txBody>
+                    <a:bodyPr/>
+                    <a:lstStyle/>
+                    <a:p>
+                      <a:r>
+                        <a:rPr lang="en-US" dirty="0" smtClean="0"/>
+                        <a:t>Status</a:t>
+                      </a:r>
+                      <a:endParaRPr lang="en-US" dirty="0"/>
+                    </a:p>
+                  </a:txBody>
+                  <a:tcPr/>
+                </a:tc>
+                <a:extLst>
+                  <a:ext uri="{0D108BD9-81ED-4DB2-BD59-A6C34878D82A}">
+                    <a16:rowId xmlns:a16="http://schemas.microsoft.com/office/drawing/2014/main" val="1850508266"/>
+                  </a:ext>
+                </a:extLst>
+              </a:tr>
+              <a:tr h="370840">
+                <a:tc>
+                  <a:txBody>
+                    <a:bodyPr/>
+                    <a:lstStyle/>
+                    <a:p>
+                      <a:r>
+                        <a:rPr lang="en-US" dirty="0" smtClean="0"/>
+                        <a:t>1</a:t>
+                      </a:r>
+                      <a:endParaRPr lang="en-US" dirty="0"/>
+                    </a:p>
+                  </a:txBody>
+                  <a:tcPr/>
+                </a:tc>
+                <a:tc>
+                  <a:txBody>
+                    <a:bodyPr/>
+                    <a:lstStyle/>
+                    <a:p>
+                      <a:r>
+                        <a:rPr lang="en-US" dirty="0" smtClean="0"/>
+                        <a:t>Distributed Logging</a:t>
+                      </a:r>
+                      <a:endParaRPr lang="en-US" dirty="0"/>
+                    </a:p>
+                  </a:txBody>
+                  <a:tcPr/>
+                </a:tc>
+                <a:tc>
+                  <a:txBody>
+                    <a:bodyPr/>
+                    <a:lstStyle/>
+                    <a:p>
+                      <a:r>
+                        <a:rPr lang="en-US" dirty="0" smtClean="0"/>
+                        <a:t>Using</a:t>
+                      </a:r>
+                      <a:r>
+                        <a:rPr lang="en-US" baseline="0" dirty="0" smtClean="0"/>
+                        <a:t> Sleuth and </a:t>
+                      </a:r>
+                      <a:r>
+                        <a:rPr lang="en-US" baseline="0" dirty="0" err="1" smtClean="0"/>
+                        <a:t>Zipkin</a:t>
+                      </a:r>
+                      <a:endParaRPr lang="en-US" dirty="0"/>
+                    </a:p>
+                  </a:txBody>
+                  <a:tcPr/>
+                </a:tc>
+                <a:tc>
+                  <a:txBody>
+                    <a:bodyPr/>
+                    <a:lstStyle/>
+                    <a:p>
+                      <a:r>
+                        <a:rPr lang="en-US" dirty="0" smtClean="0">
+                          <a:solidFill>
+                            <a:srgbClr val="00B050"/>
+                          </a:solidFill>
+                        </a:rPr>
+                        <a:t>Not</a:t>
+                      </a:r>
+                      <a:r>
+                        <a:rPr lang="en-US" baseline="0" dirty="0" smtClean="0">
+                          <a:solidFill>
+                            <a:srgbClr val="00B050"/>
+                          </a:solidFill>
+                        </a:rPr>
+                        <a:t> started</a:t>
+                      </a:r>
+                      <a:endParaRPr lang="en-US" dirty="0">
+                        <a:solidFill>
+                          <a:srgbClr val="00B050"/>
+                        </a:solidFill>
+                      </a:endParaRPr>
+                    </a:p>
+                  </a:txBody>
+                  <a:tcPr/>
+                </a:tc>
+                <a:extLst>
+                  <a:ext uri="{0D108BD9-81ED-4DB2-BD59-A6C34878D82A}">
+                    <a16:rowId xmlns:a16="http://schemas.microsoft.com/office/drawing/2014/main" val="351736585"/>
+                  </a:ext>
+                </a:extLst>
+              </a:tr>
+              <a:tr h="370840">
+                <a:tc>
+                  <a:txBody>
+                    <a:bodyPr/>
+                    <a:lstStyle/>
+                    <a:p>
+                      <a:endParaRPr lang="en-US" dirty="0"/>
+                    </a:p>
+                  </a:txBody>
+                  <a:tcPr/>
+                </a:tc>
+                <a:tc>
+                  <a:txBody>
+                    <a:bodyPr/>
+                    <a:lstStyle/>
+                    <a:p>
+                      <a:endParaRPr lang="en-US" dirty="0"/>
+                    </a:p>
+                  </a:txBody>
+                  <a:tcPr/>
+                </a:tc>
+                <a:tc>
+                  <a:txBody>
+                    <a:bodyPr/>
+                    <a:lstStyle/>
+                    <a:p>
+                      <a:endParaRPr lang="en-US" dirty="0"/>
+                    </a:p>
+                  </a:txBody>
+                  <a:tcPr/>
+                </a:tc>
+                <a:tc>
+                  <a:txBody>
+                    <a:bodyPr/>
+                    <a:lstStyle/>
+                    <a:p>
+                      <a:endParaRPr lang="en-US" dirty="0">
+                        <a:solidFill>
+                          <a:srgbClr val="00B050"/>
+                        </a:solidFill>
+                      </a:endParaRPr>
+                    </a:p>
+                  </a:txBody>
+                  <a:tcPr/>
+                </a:tc>
+                <a:extLst>
+                  <a:ext uri="{0D108BD9-81ED-4DB2-BD59-A6C34878D82A}">
+                    <a16:rowId xmlns:a16="http://schemas.microsoft.com/office/drawing/2014/main" val="3949161272"/>
+                  </a:ext>
+                </a:extLst>
+              </a:tr>
+              <a:tr h="370840">
+                <a:tc>
+                  <a:txBody>
+                    <a:bodyPr/>
+                    <a:lstStyle/>
+                    <a:p>
+                      <a:endParaRPr lang="en-US" dirty="0"/>
+                    </a:p>
+                  </a:txBody>
+                  <a:tcPr/>
+                </a:tc>
+                <a:tc>
+                  <a:txBody>
+                    <a:bodyPr/>
+                    <a:lstStyle/>
+                    <a:p>
+                      <a:endParaRPr lang="en-US" dirty="0"/>
+                    </a:p>
+                  </a:txBody>
+                  <a:tcPr/>
+                </a:tc>
+                <a:tc>
+                  <a:txBody>
+                    <a:bodyPr/>
+                    <a:lstStyle/>
+                    <a:p>
+                      <a:endParaRPr lang="en-US" dirty="0"/>
+                    </a:p>
+                  </a:txBody>
+                  <a:tcPr/>
+                </a:tc>
+                <a:tc>
+                  <a:txBody>
+                    <a:bodyPr/>
+                    <a:lstStyle/>
+                    <a:p>
+                      <a:endParaRPr lang="en-US" dirty="0">
+                        <a:solidFill>
+                          <a:schemeClr val="accent2">
+                            <a:lumMod val="75000"/>
+                          </a:schemeClr>
+                        </a:solidFill>
+                      </a:endParaRPr>
+                    </a:p>
+                  </a:txBody>
+                  <a:tcPr/>
+                </a:tc>
+                <a:extLst>
+                  <a:ext uri="{0D108BD9-81ED-4DB2-BD59-A6C34878D82A}">
+                    <a16:rowId xmlns:a16="http://schemas.microsoft.com/office/drawing/2014/main" val="3697532717"/>
+                  </a:ext>
+                </a:extLst>
+              </a:tr>
+              <a:tr h="432109">
+                <a:tc>
+                  <a:txBody>
+                    <a:bodyPr/>
+                    <a:lstStyle/>
+                    <a:p>
+                      <a:endParaRPr lang="en-US" dirty="0"/>
+                    </a:p>
+                  </a:txBody>
+                  <a:tcPr/>
+                </a:tc>
+                <a:tc>
+                  <a:txBody>
+                    <a:bodyPr/>
+                    <a:lstStyle/>
+                    <a:p>
+                      <a:endParaRPr lang="en-US" dirty="0"/>
+                    </a:p>
+                  </a:txBody>
+                  <a:tcPr/>
+                </a:tc>
+                <a:tc>
+                  <a:txBody>
+                    <a:bodyPr/>
+                    <a:lstStyle/>
+                    <a:p>
+                      <a:pPr marL="0" marR="0" lvl="0" indent="0" algn="l" defTabSz="914400" rtl="0" eaLnBrk="1" fontAlgn="auto" latinLnBrk="0" hangingPunct="1">
+                        <a:lnSpc>
+                          <a:spcPct val="100000"/>
+                        </a:lnSpc>
+                        <a:spcBef>
+                          <a:spcPts val="0"/>
+                        </a:spcBef>
+                        <a:spcAft>
+                          <a:spcPts val="0"/>
+                        </a:spcAft>
+                        <a:buClrTx/>
+                        <a:buSzTx/>
+                        <a:buFontTx/>
+                        <a:buNone/>
+                        <a:tabLst/>
+                        <a:defRPr/>
+                      </a:pPr>
+                      <a:endParaRPr lang="en-US" dirty="0" smtClean="0"/>
+                    </a:p>
+                  </a:txBody>
+                  <a:tcPr/>
+                </a:tc>
+                <a:tc>
+                  <a:txBody>
+                    <a:bodyPr/>
+                    <a:lstStyle/>
+                    <a:p>
+                      <a:pPr marL="0" marR="0" lvl="0" indent="0" algn="l" defTabSz="914400" rtl="0" eaLnBrk="1" fontAlgn="auto" latinLnBrk="0" hangingPunct="1">
+                        <a:lnSpc>
+                          <a:spcPct val="100000"/>
+                        </a:lnSpc>
+                        <a:spcBef>
+                          <a:spcPts val="0"/>
+                        </a:spcBef>
+                        <a:spcAft>
+                          <a:spcPts val="0"/>
+                        </a:spcAft>
+                        <a:buClrTx/>
+                        <a:buSzTx/>
+                        <a:buFontTx/>
+                        <a:buNone/>
+                        <a:tabLst/>
+                        <a:defRPr/>
+                      </a:pPr>
+                      <a:endParaRPr lang="en-US" dirty="0"/>
+                    </a:p>
+                  </a:txBody>
+                  <a:tcPr/>
+                </a:tc>
+                <a:extLst>
+                  <a:ext uri="{0D108BD9-81ED-4DB2-BD59-A6C34878D82A}">
+                    <a16:rowId xmlns:a16="http://schemas.microsoft.com/office/drawing/2014/main" val="1976858094"/>
+                  </a:ext>
+                </a:extLst>
+              </a:tr>
+              <a:tr h="370840">
+                <a:tc>
+                  <a:txBody>
+                    <a:bodyPr/>
+                    <a:lstStyle/>
+                    <a:p>
+                      <a:endParaRPr lang="en-US" dirty="0"/>
+                    </a:p>
+                  </a:txBody>
+                  <a:tcPr/>
+                </a:tc>
+                <a:tc>
+                  <a:txBody>
+                    <a:bodyPr/>
+                    <a:lstStyle/>
+                    <a:p>
+                      <a:endParaRPr lang="en-US" dirty="0"/>
+                    </a:p>
+                  </a:txBody>
+                  <a:tcPr/>
+                </a:tc>
+                <a:tc>
+                  <a:txBody>
+                    <a:bodyPr/>
+                    <a:lstStyle/>
+                    <a:p>
+                      <a:endParaRPr lang="en-US" dirty="0"/>
+                    </a:p>
+                  </a:txBody>
+                  <a:tcPr/>
+                </a:tc>
+                <a:tc>
+                  <a:txBody>
+                    <a:bodyPr/>
+                    <a:lstStyle/>
+                    <a:p>
+                      <a:pPr marL="0" marR="0" lvl="0" indent="0" algn="l" defTabSz="914400" rtl="0" eaLnBrk="1" fontAlgn="auto" latinLnBrk="0" hangingPunct="1">
+                        <a:lnSpc>
+                          <a:spcPct val="100000"/>
+                        </a:lnSpc>
+                        <a:spcBef>
+                          <a:spcPts val="0"/>
+                        </a:spcBef>
+                        <a:spcAft>
+                          <a:spcPts val="0"/>
+                        </a:spcAft>
+                        <a:buClrTx/>
+                        <a:buSzTx/>
+                        <a:buFontTx/>
+                        <a:buNone/>
+                        <a:tabLst/>
+                        <a:defRPr/>
+                      </a:pPr>
+                      <a:endParaRPr lang="en-US" dirty="0"/>
+                    </a:p>
+                  </a:txBody>
+                  <a:tcPr/>
+                </a:tc>
+                <a:extLst>
+                  <a:ext uri="{0D108BD9-81ED-4DB2-BD59-A6C34878D82A}">
+                    <a16:rowId xmlns:a16="http://schemas.microsoft.com/office/drawing/2014/main" val="298927"/>
+                  </a:ext>
+                </a:extLst>
+              </a:tr>
+              <a:tr h="370840">
+                <a:tc>
+                  <a:txBody>
+                    <a:bodyPr/>
+                    <a:lstStyle/>
+                    <a:p>
+                      <a:endParaRPr lang="en-US" dirty="0"/>
+                    </a:p>
+                  </a:txBody>
+                  <a:tcPr/>
+                </a:tc>
+                <a:tc>
+                  <a:txBody>
+                    <a:bodyPr/>
+                    <a:lstStyle/>
+                    <a:p>
+                      <a:endParaRPr lang="en-US" dirty="0"/>
+                    </a:p>
+                  </a:txBody>
+                  <a:tcPr/>
+                </a:tc>
+                <a:tc>
+                  <a:txBody>
+                    <a:bodyPr/>
+                    <a:lstStyle/>
+                    <a:p>
+                      <a:endParaRPr lang="en-US" dirty="0"/>
+                    </a:p>
+                  </a:txBody>
+                  <a:tcPr/>
+                </a:tc>
+                <a:tc>
+                  <a:txBody>
+                    <a:bodyPr/>
+                    <a:lstStyle/>
+                    <a:p>
+                      <a:endParaRPr lang="en-US" dirty="0"/>
+                    </a:p>
+                  </a:txBody>
+                  <a:tcPr/>
+                </a:tc>
+                <a:extLst>
+                  <a:ext uri="{0D108BD9-81ED-4DB2-BD59-A6C34878D82A}">
+                    <a16:rowId xmlns:a16="http://schemas.microsoft.com/office/drawing/2014/main" val="85335000"/>
+                  </a:ext>
+                </a:extLst>
+              </a:tr>
+              <a:tr h="370840">
+                <a:tc>
+                  <a:txBody>
+                    <a:bodyPr/>
+                    <a:lstStyle/>
+                    <a:p>
+                      <a:endParaRPr lang="en-US" dirty="0"/>
+                    </a:p>
+                  </a:txBody>
+                  <a:tcPr/>
+                </a:tc>
+                <a:tc>
+                  <a:txBody>
+                    <a:bodyPr/>
+                    <a:lstStyle/>
+                    <a:p>
+                      <a:endParaRPr lang="en-US" dirty="0"/>
+                    </a:p>
+                  </a:txBody>
+                  <a:tcPr/>
+                </a:tc>
+                <a:tc>
+                  <a:txBody>
+                    <a:bodyPr/>
+                    <a:lstStyle/>
+                    <a:p>
+                      <a:endParaRPr lang="en-US" dirty="0"/>
+                    </a:p>
+                  </a:txBody>
+                  <a:tcPr/>
+                </a:tc>
+                <a:tc>
+                  <a:txBody>
+                    <a:bodyPr/>
+                    <a:lstStyle/>
+                    <a:p>
+                      <a:endParaRPr lang="en-US" dirty="0"/>
+                    </a:p>
+                  </a:txBody>
+                  <a:tcPr/>
+                </a:tc>
+                <a:extLst>
+                  <a:ext uri="{0D108BD9-81ED-4DB2-BD59-A6C34878D82A}">
+                    <a16:rowId xmlns:a16="http://schemas.microsoft.com/office/drawing/2014/main" val="1998526847"/>
+                  </a:ext>
+                </a:extLst>
+              </a:tr>
+              <a:tr h="370840">
+                <a:tc>
+                  <a:txBody>
+                    <a:bodyPr/>
+                    <a:lstStyle/>
+                    <a:p>
+                      <a:endParaRPr lang="en-US" dirty="0"/>
+                    </a:p>
+                  </a:txBody>
+                  <a:tcPr/>
+                </a:tc>
+                <a:tc>
+                  <a:txBody>
+                    <a:bodyPr/>
+                    <a:lstStyle/>
+                    <a:p>
+                      <a:endParaRPr lang="en-US" dirty="0"/>
+                    </a:p>
+                  </a:txBody>
+                  <a:tcPr/>
+                </a:tc>
+                <a:tc>
+                  <a:txBody>
+                    <a:bodyPr/>
+                    <a:lstStyle/>
+                    <a:p>
+                      <a:endParaRPr lang="en-US" dirty="0"/>
+                    </a:p>
+                  </a:txBody>
+                  <a:tcPr/>
+                </a:tc>
+                <a:tc>
+                  <a:txBody>
+                    <a:bodyPr/>
+                    <a:lstStyle/>
+                    <a:p>
+                      <a:endParaRPr lang="en-US" dirty="0"/>
+                    </a:p>
+                  </a:txBody>
+                  <a:tcPr/>
+                </a:tc>
+                <a:extLst>
+                  <a:ext uri="{0D108BD9-81ED-4DB2-BD59-A6C34878D82A}">
+                    <a16:rowId xmlns:a16="http://schemas.microsoft.com/office/drawing/2014/main" val="2715372246"/>
+                  </a:ext>
+                </a:extLst>
+              </a:tr>
+              <a:tr h="370840">
+                <a:tc>
+                  <a:txBody>
+                    <a:bodyPr/>
+                    <a:lstStyle/>
+                    <a:p>
+                      <a:endParaRPr lang="en-US" dirty="0"/>
+                    </a:p>
+                  </a:txBody>
+                  <a:tcPr/>
+                </a:tc>
+                <a:tc>
+                  <a:txBody>
+                    <a:bodyPr/>
+                    <a:lstStyle/>
+                    <a:p>
+                      <a:endParaRPr lang="en-US" dirty="0"/>
+                    </a:p>
+                  </a:txBody>
+                  <a:tcPr/>
+                </a:tc>
+                <a:tc>
+                  <a:txBody>
+                    <a:bodyPr/>
+                    <a:lstStyle/>
+                    <a:p>
+                      <a:endParaRPr lang="en-US" dirty="0"/>
+                    </a:p>
+                  </a:txBody>
+                  <a:tcPr/>
+                </a:tc>
+                <a:tc>
+                  <a:txBody>
+                    <a:bodyPr/>
+                    <a:lstStyle/>
+                    <a:p>
+                      <a:endParaRPr lang="en-US" dirty="0"/>
+                    </a:p>
+                  </a:txBody>
+                  <a:tcPr/>
+                </a:tc>
+                <a:extLst>
+                  <a:ext uri="{0D108BD9-81ED-4DB2-BD59-A6C34878D82A}">
+                    <a16:rowId xmlns:a16="http://schemas.microsoft.com/office/drawing/2014/main" val="4115366173"/>
+                  </a:ext>
+                </a:extLst>
+              </a:tr>
+              <a:tr h="370840">
+                <a:tc>
+                  <a:txBody>
+                    <a:bodyPr/>
+                    <a:lstStyle/>
+                    <a:p>
+                      <a:endParaRPr lang="en-US" dirty="0"/>
+                    </a:p>
+                  </a:txBody>
+                  <a:tcPr/>
+                </a:tc>
+                <a:tc>
+                  <a:txBody>
+                    <a:bodyPr/>
+                    <a:lstStyle/>
+                    <a:p>
+                      <a:endParaRPr lang="en-US" dirty="0"/>
+                    </a:p>
+                  </a:txBody>
+                  <a:tcPr/>
+                </a:tc>
+                <a:tc>
+                  <a:txBody>
+                    <a:bodyPr/>
+                    <a:lstStyle/>
+                    <a:p>
+                      <a:endParaRPr lang="en-US" dirty="0"/>
+                    </a:p>
+                  </a:txBody>
+                  <a:tcPr/>
+                </a:tc>
+                <a:tc>
+                  <a:txBody>
+                    <a:bodyPr/>
+                    <a:lstStyle/>
+                    <a:p>
+                      <a:endParaRPr lang="en-US" dirty="0"/>
+                    </a:p>
+                  </a:txBody>
+                  <a:tcPr/>
+                </a:tc>
+                <a:extLst>
+                  <a:ext uri="{0D108BD9-81ED-4DB2-BD59-A6C34878D82A}">
+                    <a16:rowId xmlns:a16="http://schemas.microsoft.com/office/drawing/2014/main" val="1683598434"/>
+                  </a:ext>
+                </a:extLst>
+              </a:tr>
+            </a:tbl>
+          </a:graphicData>
+        </a:graphic>
+      </p:graphicFrame>
+      <p:sp>
+        <p:nvSpPr>
+          <p:cNvPr id="5" name="TextBox 4"/>
+          <p:cNvSpPr txBox="1"/>
+          <p:nvPr/>
+        </p:nvSpPr>
+        <p:spPr>
+          <a:xfrm>
+            <a:off x="7162800" y="263236"/>
+            <a:ext cx="4391891" cy="369332"/>
+          </a:xfrm>
+          <a:prstGeom prst="rect">
+            <a:avLst/>
+          </a:prstGeom>
+          <a:solidFill>
+            <a:srgbClr val="FFFF00"/>
+          </a:solidFill>
+        </p:spPr>
+        <p:txBody>
+          <a:bodyPr wrap="square" rtlCol="0">
+            <a:spAutoFit/>
+          </a:bodyPr>
+          <a:lstStyle/>
+          <a:p>
+            <a:r>
+              <a:rPr lang="en-US" dirty="0" smtClean="0"/>
+              <a:t>Next Step : Distributed Logging</a:t>
+            </a:r>
+            <a:endParaRPr lang="en-US" dirty="0"/>
+          </a:p>
+        </p:txBody>
+      </p:sp>
+    </p:spTree>
+    <p:extLst>
+      <p:ext uri="{BB962C8B-B14F-4D97-AF65-F5344CB8AC3E}">
+        <p14:creationId xmlns:p14="http://schemas.microsoft.com/office/powerpoint/2010/main" val="3589297580"/>
       </p:ext>
     </p:extLst>
   </p:cSld>

--- a/Microservice_Architecture_Defined.pptx
+++ b/Microservice_Architecture_Defined.pptx
@@ -24,6 +24,9 @@
     <p:sldId id="276" r:id="rId18"/>
     <p:sldId id="277" r:id="rId19"/>
     <p:sldId id="278" r:id="rId20"/>
+    <p:sldId id="279" r:id="rId21"/>
+    <p:sldId id="280" r:id="rId22"/>
+    <p:sldId id="281" r:id="rId23"/>
   </p:sldIdLst>
   <p:sldSz cx="12192000" cy="6858000"/>
   <p:notesSz cx="6858000" cy="9144000"/>
@@ -261,7 +264,7 @@
           <a:p>
             <a:fld id="{0FAE7BA4-8015-4D31-869C-5D9277F0243A}" type="datetimeFigureOut">
               <a:rPr lang="en-US" smtClean="0"/>
-              <a:t>1/13/2020</a:t>
+              <a:t>1/14/2020</a:t>
             </a:fld>
             <a:endParaRPr lang="en-US"/>
           </a:p>
@@ -431,7 +434,7 @@
           <a:p>
             <a:fld id="{0FAE7BA4-8015-4D31-869C-5D9277F0243A}" type="datetimeFigureOut">
               <a:rPr lang="en-US" smtClean="0"/>
-              <a:t>1/13/2020</a:t>
+              <a:t>1/14/2020</a:t>
             </a:fld>
             <a:endParaRPr lang="en-US"/>
           </a:p>
@@ -611,7 +614,7 @@
           <a:p>
             <a:fld id="{0FAE7BA4-8015-4D31-869C-5D9277F0243A}" type="datetimeFigureOut">
               <a:rPr lang="en-US" smtClean="0"/>
-              <a:t>1/13/2020</a:t>
+              <a:t>1/14/2020</a:t>
             </a:fld>
             <a:endParaRPr lang="en-US"/>
           </a:p>
@@ -781,7 +784,7 @@
           <a:p>
             <a:fld id="{0FAE7BA4-8015-4D31-869C-5D9277F0243A}" type="datetimeFigureOut">
               <a:rPr lang="en-US" smtClean="0"/>
-              <a:t>1/13/2020</a:t>
+              <a:t>1/14/2020</a:t>
             </a:fld>
             <a:endParaRPr lang="en-US"/>
           </a:p>
@@ -1027,7 +1030,7 @@
           <a:p>
             <a:fld id="{0FAE7BA4-8015-4D31-869C-5D9277F0243A}" type="datetimeFigureOut">
               <a:rPr lang="en-US" smtClean="0"/>
-              <a:t>1/13/2020</a:t>
+              <a:t>1/14/2020</a:t>
             </a:fld>
             <a:endParaRPr lang="en-US"/>
           </a:p>
@@ -1259,7 +1262,7 @@
           <a:p>
             <a:fld id="{0FAE7BA4-8015-4D31-869C-5D9277F0243A}" type="datetimeFigureOut">
               <a:rPr lang="en-US" smtClean="0"/>
-              <a:t>1/13/2020</a:t>
+              <a:t>1/14/2020</a:t>
             </a:fld>
             <a:endParaRPr lang="en-US"/>
           </a:p>
@@ -1626,7 +1629,7 @@
           <a:p>
             <a:fld id="{0FAE7BA4-8015-4D31-869C-5D9277F0243A}" type="datetimeFigureOut">
               <a:rPr lang="en-US" smtClean="0"/>
-              <a:t>1/13/2020</a:t>
+              <a:t>1/14/2020</a:t>
             </a:fld>
             <a:endParaRPr lang="en-US"/>
           </a:p>
@@ -1744,7 +1747,7 @@
           <a:p>
             <a:fld id="{0FAE7BA4-8015-4D31-869C-5D9277F0243A}" type="datetimeFigureOut">
               <a:rPr lang="en-US" smtClean="0"/>
-              <a:t>1/13/2020</a:t>
+              <a:t>1/14/2020</a:t>
             </a:fld>
             <a:endParaRPr lang="en-US"/>
           </a:p>
@@ -1839,7 +1842,7 @@
           <a:p>
             <a:fld id="{0FAE7BA4-8015-4D31-869C-5D9277F0243A}" type="datetimeFigureOut">
               <a:rPr lang="en-US" smtClean="0"/>
-              <a:t>1/13/2020</a:t>
+              <a:t>1/14/2020</a:t>
             </a:fld>
             <a:endParaRPr lang="en-US"/>
           </a:p>
@@ -2116,7 +2119,7 @@
           <a:p>
             <a:fld id="{0FAE7BA4-8015-4D31-869C-5D9277F0243A}" type="datetimeFigureOut">
               <a:rPr lang="en-US" smtClean="0"/>
-              <a:t>1/13/2020</a:t>
+              <a:t>1/14/2020</a:t>
             </a:fld>
             <a:endParaRPr lang="en-US"/>
           </a:p>
@@ -2369,7 +2372,7 @@
           <a:p>
             <a:fld id="{0FAE7BA4-8015-4D31-869C-5D9277F0243A}" type="datetimeFigureOut">
               <a:rPr lang="en-US" smtClean="0"/>
-              <a:t>1/13/2020</a:t>
+              <a:t>1/14/2020</a:t>
             </a:fld>
             <a:endParaRPr lang="en-US"/>
           </a:p>
@@ -2582,7 +2585,7 @@
           <a:p>
             <a:fld id="{0FAE7BA4-8015-4D31-869C-5D9277F0243A}" type="datetimeFigureOut">
               <a:rPr lang="en-US" smtClean="0"/>
-              <a:t>1/13/2020</a:t>
+              <a:t>1/14/2020</a:t>
             </a:fld>
             <a:endParaRPr lang="en-US"/>
           </a:p>
@@ -14530,6 +14533,1352 @@
 </p:sld>
 </file>
 
+<file path=ppt/slides/slide20.xml><?xml version="1.0" encoding="utf-8"?>
+<p:sld xmlns:a="http://schemas.openxmlformats.org/drawingml/2006/main" xmlns:r="http://schemas.openxmlformats.org/officeDocument/2006/relationships" xmlns:p="http://schemas.openxmlformats.org/presentationml/2006/main">
+  <p:cSld>
+    <p:spTree>
+      <p:nvGrpSpPr>
+        <p:cNvPr id="1" name=""/>
+        <p:cNvGrpSpPr/>
+        <p:nvPr/>
+      </p:nvGrpSpPr>
+      <p:grpSpPr>
+        <a:xfrm>
+          <a:off x="0" y="0"/>
+          <a:ext cx="0" cy="0"/>
+          <a:chOff x="0" y="0"/>
+          <a:chExt cx="0" cy="0"/>
+        </a:xfrm>
+      </p:grpSpPr>
+      <p:sp>
+        <p:nvSpPr>
+          <p:cNvPr id="4" name="Rectangle 3"/>
+          <p:cNvSpPr/>
+          <p:nvPr/>
+        </p:nvSpPr>
+        <p:spPr>
+          <a:xfrm>
+            <a:off x="2105891" y="1496291"/>
+            <a:ext cx="1510145" cy="1039091"/>
+          </a:xfrm>
+          <a:prstGeom prst="rect">
+            <a:avLst/>
+          </a:prstGeom>
+        </p:spPr>
+        <p:style>
+          <a:lnRef idx="2">
+            <a:schemeClr val="accent1">
+              <a:shade val="50000"/>
+            </a:schemeClr>
+          </a:lnRef>
+          <a:fillRef idx="1">
+            <a:schemeClr val="accent1"/>
+          </a:fillRef>
+          <a:effectRef idx="0">
+            <a:schemeClr val="accent1"/>
+          </a:effectRef>
+          <a:fontRef idx="minor">
+            <a:schemeClr val="lt1"/>
+          </a:fontRef>
+        </p:style>
+        <p:txBody>
+          <a:bodyPr rtlCol="0" anchor="ctr"/>
+          <a:lstStyle/>
+          <a:p>
+            <a:pPr algn="ctr"/>
+            <a:r>
+              <a:rPr lang="en-US" dirty="0" smtClean="0"/>
+              <a:t>Microservice1</a:t>
+            </a:r>
+            <a:endParaRPr lang="en-US" dirty="0"/>
+          </a:p>
+        </p:txBody>
+      </p:sp>
+      <p:sp>
+        <p:nvSpPr>
+          <p:cNvPr id="5" name="Rectangle 4"/>
+          <p:cNvSpPr/>
+          <p:nvPr/>
+        </p:nvSpPr>
+        <p:spPr>
+          <a:xfrm>
+            <a:off x="4599709" y="1496290"/>
+            <a:ext cx="1510145" cy="1039091"/>
+          </a:xfrm>
+          <a:prstGeom prst="rect">
+            <a:avLst/>
+          </a:prstGeom>
+        </p:spPr>
+        <p:style>
+          <a:lnRef idx="2">
+            <a:schemeClr val="accent1">
+              <a:shade val="50000"/>
+            </a:schemeClr>
+          </a:lnRef>
+          <a:fillRef idx="1">
+            <a:schemeClr val="accent1"/>
+          </a:fillRef>
+          <a:effectRef idx="0">
+            <a:schemeClr val="accent1"/>
+          </a:effectRef>
+          <a:fontRef idx="minor">
+            <a:schemeClr val="lt1"/>
+          </a:fontRef>
+        </p:style>
+        <p:txBody>
+          <a:bodyPr rtlCol="0" anchor="ctr"/>
+          <a:lstStyle/>
+          <a:p>
+            <a:pPr algn="ctr"/>
+            <a:r>
+              <a:rPr lang="en-US" dirty="0" smtClean="0"/>
+              <a:t>Microservice2</a:t>
+            </a:r>
+            <a:endParaRPr lang="en-US" dirty="0"/>
+          </a:p>
+        </p:txBody>
+      </p:sp>
+      <p:sp>
+        <p:nvSpPr>
+          <p:cNvPr id="6" name="Rectangle 5"/>
+          <p:cNvSpPr/>
+          <p:nvPr/>
+        </p:nvSpPr>
+        <p:spPr>
+          <a:xfrm>
+            <a:off x="6927273" y="1496289"/>
+            <a:ext cx="1510145" cy="1039091"/>
+          </a:xfrm>
+          <a:prstGeom prst="rect">
+            <a:avLst/>
+          </a:prstGeom>
+        </p:spPr>
+        <p:style>
+          <a:lnRef idx="2">
+            <a:schemeClr val="accent1">
+              <a:shade val="50000"/>
+            </a:schemeClr>
+          </a:lnRef>
+          <a:fillRef idx="1">
+            <a:schemeClr val="accent1"/>
+          </a:fillRef>
+          <a:effectRef idx="0">
+            <a:schemeClr val="accent1"/>
+          </a:effectRef>
+          <a:fontRef idx="minor">
+            <a:schemeClr val="lt1"/>
+          </a:fontRef>
+        </p:style>
+        <p:txBody>
+          <a:bodyPr rtlCol="0" anchor="ctr"/>
+          <a:lstStyle/>
+          <a:p>
+            <a:pPr algn="ctr"/>
+            <a:r>
+              <a:rPr lang="en-US" dirty="0" smtClean="0"/>
+              <a:t>Microservice3</a:t>
+            </a:r>
+            <a:endParaRPr lang="en-US" dirty="0"/>
+          </a:p>
+        </p:txBody>
+      </p:sp>
+      <p:sp>
+        <p:nvSpPr>
+          <p:cNvPr id="7" name="Rectangle 6"/>
+          <p:cNvSpPr/>
+          <p:nvPr/>
+        </p:nvSpPr>
+        <p:spPr>
+          <a:xfrm>
+            <a:off x="9462655" y="1496288"/>
+            <a:ext cx="1510145" cy="1039091"/>
+          </a:xfrm>
+          <a:prstGeom prst="rect">
+            <a:avLst/>
+          </a:prstGeom>
+        </p:spPr>
+        <p:style>
+          <a:lnRef idx="2">
+            <a:schemeClr val="accent1">
+              <a:shade val="50000"/>
+            </a:schemeClr>
+          </a:lnRef>
+          <a:fillRef idx="1">
+            <a:schemeClr val="accent1"/>
+          </a:fillRef>
+          <a:effectRef idx="0">
+            <a:schemeClr val="accent1"/>
+          </a:effectRef>
+          <a:fontRef idx="minor">
+            <a:schemeClr val="lt1"/>
+          </a:fontRef>
+        </p:style>
+        <p:txBody>
+          <a:bodyPr rtlCol="0" anchor="ctr"/>
+          <a:lstStyle/>
+          <a:p>
+            <a:pPr algn="ctr"/>
+            <a:r>
+              <a:rPr lang="en-US" dirty="0" smtClean="0"/>
+              <a:t>Microservice4</a:t>
+            </a:r>
+            <a:endParaRPr lang="en-US" dirty="0"/>
+          </a:p>
+        </p:txBody>
+      </p:sp>
+      <p:sp>
+        <p:nvSpPr>
+          <p:cNvPr id="8" name="Oval 7"/>
+          <p:cNvSpPr/>
+          <p:nvPr/>
+        </p:nvSpPr>
+        <p:spPr>
+          <a:xfrm>
+            <a:off x="595746" y="1870364"/>
+            <a:ext cx="581891" cy="665015"/>
+          </a:xfrm>
+          <a:prstGeom prst="ellipse">
+            <a:avLst/>
+          </a:prstGeom>
+        </p:spPr>
+        <p:style>
+          <a:lnRef idx="2">
+            <a:schemeClr val="accent1">
+              <a:shade val="50000"/>
+            </a:schemeClr>
+          </a:lnRef>
+          <a:fillRef idx="1">
+            <a:schemeClr val="accent1"/>
+          </a:fillRef>
+          <a:effectRef idx="0">
+            <a:schemeClr val="accent1"/>
+          </a:effectRef>
+          <a:fontRef idx="minor">
+            <a:schemeClr val="lt1"/>
+          </a:fontRef>
+        </p:style>
+        <p:txBody>
+          <a:bodyPr rtlCol="0" anchor="ctr"/>
+          <a:lstStyle/>
+          <a:p>
+            <a:pPr algn="ctr"/>
+            <a:endParaRPr lang="en-US"/>
+          </a:p>
+        </p:txBody>
+      </p:sp>
+      <p:cxnSp>
+        <p:nvCxnSpPr>
+          <p:cNvPr id="10" name="Straight Arrow Connector 9"/>
+          <p:cNvCxnSpPr>
+            <a:endCxn id="4" idx="1"/>
+          </p:cNvCxnSpPr>
+          <p:nvPr/>
+        </p:nvCxnSpPr>
+        <p:spPr>
+          <a:xfrm>
+            <a:off x="1246909" y="2015832"/>
+            <a:ext cx="858982" cy="5"/>
+          </a:xfrm>
+          <a:prstGeom prst="straightConnector1">
+            <a:avLst/>
+          </a:prstGeom>
+          <a:ln>
+            <a:tailEnd type="triangle"/>
+          </a:ln>
+        </p:spPr>
+        <p:style>
+          <a:lnRef idx="1">
+            <a:schemeClr val="accent1"/>
+          </a:lnRef>
+          <a:fillRef idx="0">
+            <a:schemeClr val="accent1"/>
+          </a:fillRef>
+          <a:effectRef idx="0">
+            <a:schemeClr val="accent1"/>
+          </a:effectRef>
+          <a:fontRef idx="minor">
+            <a:schemeClr val="tx1"/>
+          </a:fontRef>
+        </p:style>
+      </p:cxnSp>
+      <p:cxnSp>
+        <p:nvCxnSpPr>
+          <p:cNvPr id="12" name="Straight Arrow Connector 11"/>
+          <p:cNvCxnSpPr>
+            <a:stCxn id="4" idx="3"/>
+          </p:cNvCxnSpPr>
+          <p:nvPr/>
+        </p:nvCxnSpPr>
+        <p:spPr>
+          <a:xfrm flipV="1">
+            <a:off x="3616036" y="2015832"/>
+            <a:ext cx="983673" cy="5"/>
+          </a:xfrm>
+          <a:prstGeom prst="straightConnector1">
+            <a:avLst/>
+          </a:prstGeom>
+          <a:ln>
+            <a:tailEnd type="triangle"/>
+          </a:ln>
+        </p:spPr>
+        <p:style>
+          <a:lnRef idx="1">
+            <a:schemeClr val="accent1"/>
+          </a:lnRef>
+          <a:fillRef idx="0">
+            <a:schemeClr val="accent1"/>
+          </a:fillRef>
+          <a:effectRef idx="0">
+            <a:schemeClr val="accent1"/>
+          </a:effectRef>
+          <a:fontRef idx="minor">
+            <a:schemeClr val="tx1"/>
+          </a:fontRef>
+        </p:style>
+      </p:cxnSp>
+      <p:cxnSp>
+        <p:nvCxnSpPr>
+          <p:cNvPr id="14" name="Straight Arrow Connector 13"/>
+          <p:cNvCxnSpPr>
+            <a:stCxn id="5" idx="3"/>
+            <a:endCxn id="6" idx="1"/>
+          </p:cNvCxnSpPr>
+          <p:nvPr/>
+        </p:nvCxnSpPr>
+        <p:spPr>
+          <a:xfrm flipV="1">
+            <a:off x="6109854" y="2015835"/>
+            <a:ext cx="817419" cy="1"/>
+          </a:xfrm>
+          <a:prstGeom prst="straightConnector1">
+            <a:avLst/>
+          </a:prstGeom>
+          <a:ln>
+            <a:tailEnd type="triangle"/>
+          </a:ln>
+        </p:spPr>
+        <p:style>
+          <a:lnRef idx="1">
+            <a:schemeClr val="accent1"/>
+          </a:lnRef>
+          <a:fillRef idx="0">
+            <a:schemeClr val="accent1"/>
+          </a:fillRef>
+          <a:effectRef idx="0">
+            <a:schemeClr val="accent1"/>
+          </a:effectRef>
+          <a:fontRef idx="minor">
+            <a:schemeClr val="tx1"/>
+          </a:fontRef>
+        </p:style>
+      </p:cxnSp>
+      <p:cxnSp>
+        <p:nvCxnSpPr>
+          <p:cNvPr id="17" name="Straight Arrow Connector 16"/>
+          <p:cNvCxnSpPr>
+            <a:stCxn id="6" idx="3"/>
+            <a:endCxn id="7" idx="1"/>
+          </p:cNvCxnSpPr>
+          <p:nvPr/>
+        </p:nvCxnSpPr>
+        <p:spPr>
+          <a:xfrm flipV="1">
+            <a:off x="8437418" y="2015834"/>
+            <a:ext cx="1025237" cy="1"/>
+          </a:xfrm>
+          <a:prstGeom prst="straightConnector1">
+            <a:avLst/>
+          </a:prstGeom>
+          <a:ln>
+            <a:tailEnd type="triangle"/>
+          </a:ln>
+        </p:spPr>
+        <p:style>
+          <a:lnRef idx="1">
+            <a:schemeClr val="accent1"/>
+          </a:lnRef>
+          <a:fillRef idx="0">
+            <a:schemeClr val="accent1"/>
+          </a:fillRef>
+          <a:effectRef idx="0">
+            <a:schemeClr val="accent1"/>
+          </a:effectRef>
+          <a:fontRef idx="minor">
+            <a:schemeClr val="tx1"/>
+          </a:fontRef>
+        </p:style>
+      </p:cxnSp>
+      <p:cxnSp>
+        <p:nvCxnSpPr>
+          <p:cNvPr id="19" name="Straight Arrow Connector 18"/>
+          <p:cNvCxnSpPr/>
+          <p:nvPr/>
+        </p:nvCxnSpPr>
+        <p:spPr>
+          <a:xfrm flipH="1">
+            <a:off x="8437418" y="2313705"/>
+            <a:ext cx="1025237" cy="0"/>
+          </a:xfrm>
+          <a:prstGeom prst="straightConnector1">
+            <a:avLst/>
+          </a:prstGeom>
+          <a:ln>
+            <a:tailEnd type="triangle"/>
+          </a:ln>
+        </p:spPr>
+        <p:style>
+          <a:lnRef idx="1">
+            <a:schemeClr val="accent1"/>
+          </a:lnRef>
+          <a:fillRef idx="0">
+            <a:schemeClr val="accent1"/>
+          </a:fillRef>
+          <a:effectRef idx="0">
+            <a:schemeClr val="accent1"/>
+          </a:effectRef>
+          <a:fontRef idx="minor">
+            <a:schemeClr val="tx1"/>
+          </a:fontRef>
+        </p:style>
+      </p:cxnSp>
+      <p:cxnSp>
+        <p:nvCxnSpPr>
+          <p:cNvPr id="21" name="Straight Arrow Connector 20"/>
+          <p:cNvCxnSpPr/>
+          <p:nvPr/>
+        </p:nvCxnSpPr>
+        <p:spPr>
+          <a:xfrm flipH="1">
+            <a:off x="6109854" y="2313705"/>
+            <a:ext cx="817419" cy="0"/>
+          </a:xfrm>
+          <a:prstGeom prst="straightConnector1">
+            <a:avLst/>
+          </a:prstGeom>
+          <a:ln>
+            <a:tailEnd type="triangle"/>
+          </a:ln>
+        </p:spPr>
+        <p:style>
+          <a:lnRef idx="1">
+            <a:schemeClr val="accent1"/>
+          </a:lnRef>
+          <a:fillRef idx="0">
+            <a:schemeClr val="accent1"/>
+          </a:fillRef>
+          <a:effectRef idx="0">
+            <a:schemeClr val="accent1"/>
+          </a:effectRef>
+          <a:fontRef idx="minor">
+            <a:schemeClr val="tx1"/>
+          </a:fontRef>
+        </p:style>
+      </p:cxnSp>
+      <p:cxnSp>
+        <p:nvCxnSpPr>
+          <p:cNvPr id="23" name="Straight Arrow Connector 22"/>
+          <p:cNvCxnSpPr/>
+          <p:nvPr/>
+        </p:nvCxnSpPr>
+        <p:spPr>
+          <a:xfrm flipH="1">
+            <a:off x="3616036" y="2313705"/>
+            <a:ext cx="983673" cy="0"/>
+          </a:xfrm>
+          <a:prstGeom prst="straightConnector1">
+            <a:avLst/>
+          </a:prstGeom>
+          <a:ln>
+            <a:tailEnd type="triangle"/>
+          </a:ln>
+        </p:spPr>
+        <p:style>
+          <a:lnRef idx="1">
+            <a:schemeClr val="accent1"/>
+          </a:lnRef>
+          <a:fillRef idx="0">
+            <a:schemeClr val="accent1"/>
+          </a:fillRef>
+          <a:effectRef idx="0">
+            <a:schemeClr val="accent1"/>
+          </a:effectRef>
+          <a:fontRef idx="minor">
+            <a:schemeClr val="tx1"/>
+          </a:fontRef>
+        </p:style>
+      </p:cxnSp>
+      <p:cxnSp>
+        <p:nvCxnSpPr>
+          <p:cNvPr id="25" name="Straight Arrow Connector 24"/>
+          <p:cNvCxnSpPr/>
+          <p:nvPr/>
+        </p:nvCxnSpPr>
+        <p:spPr>
+          <a:xfrm flipH="1">
+            <a:off x="1246909" y="2313705"/>
+            <a:ext cx="858982" cy="0"/>
+          </a:xfrm>
+          <a:prstGeom prst="straightConnector1">
+            <a:avLst/>
+          </a:prstGeom>
+          <a:ln>
+            <a:tailEnd type="triangle"/>
+          </a:ln>
+        </p:spPr>
+        <p:style>
+          <a:lnRef idx="1">
+            <a:schemeClr val="accent1"/>
+          </a:lnRef>
+          <a:fillRef idx="0">
+            <a:schemeClr val="accent1"/>
+          </a:fillRef>
+          <a:effectRef idx="0">
+            <a:schemeClr val="accent1"/>
+          </a:effectRef>
+          <a:fontRef idx="minor">
+            <a:schemeClr val="tx1"/>
+          </a:fontRef>
+        </p:style>
+      </p:cxnSp>
+      <p:sp>
+        <p:nvSpPr>
+          <p:cNvPr id="26" name="Flowchart: Magnetic Disk 25"/>
+          <p:cNvSpPr/>
+          <p:nvPr/>
+        </p:nvSpPr>
+        <p:spPr>
+          <a:xfrm>
+            <a:off x="4191000" y="3851563"/>
+            <a:ext cx="4488873" cy="969819"/>
+          </a:xfrm>
+          <a:prstGeom prst="flowChartMagneticDisk">
+            <a:avLst/>
+          </a:prstGeom>
+        </p:spPr>
+        <p:style>
+          <a:lnRef idx="2">
+            <a:schemeClr val="accent1">
+              <a:shade val="50000"/>
+            </a:schemeClr>
+          </a:lnRef>
+          <a:fillRef idx="1">
+            <a:schemeClr val="accent1"/>
+          </a:fillRef>
+          <a:effectRef idx="0">
+            <a:schemeClr val="accent1"/>
+          </a:effectRef>
+          <a:fontRef idx="minor">
+            <a:schemeClr val="lt1"/>
+          </a:fontRef>
+        </p:style>
+        <p:txBody>
+          <a:bodyPr rtlCol="0" anchor="ctr"/>
+          <a:lstStyle/>
+          <a:p>
+            <a:pPr algn="ctr"/>
+            <a:r>
+              <a:rPr lang="en-US" dirty="0" err="1" smtClean="0"/>
+              <a:t>Zipkin</a:t>
+            </a:r>
+            <a:endParaRPr lang="en-US" dirty="0"/>
+          </a:p>
+        </p:txBody>
+      </p:sp>
+      <p:cxnSp>
+        <p:nvCxnSpPr>
+          <p:cNvPr id="28" name="Straight Arrow Connector 27"/>
+          <p:cNvCxnSpPr/>
+          <p:nvPr/>
+        </p:nvCxnSpPr>
+        <p:spPr>
+          <a:xfrm>
+            <a:off x="3048000" y="2535379"/>
+            <a:ext cx="2410691" cy="1316184"/>
+          </a:xfrm>
+          <a:prstGeom prst="straightConnector1">
+            <a:avLst/>
+          </a:prstGeom>
+          <a:ln>
+            <a:tailEnd type="triangle"/>
+          </a:ln>
+        </p:spPr>
+        <p:style>
+          <a:lnRef idx="1">
+            <a:schemeClr val="accent1"/>
+          </a:lnRef>
+          <a:fillRef idx="0">
+            <a:schemeClr val="accent1"/>
+          </a:fillRef>
+          <a:effectRef idx="0">
+            <a:schemeClr val="accent1"/>
+          </a:effectRef>
+          <a:fontRef idx="minor">
+            <a:schemeClr val="tx1"/>
+          </a:fontRef>
+        </p:style>
+      </p:cxnSp>
+      <p:cxnSp>
+        <p:nvCxnSpPr>
+          <p:cNvPr id="30" name="Straight Arrow Connector 29"/>
+          <p:cNvCxnSpPr>
+            <a:stCxn id="5" idx="2"/>
+          </p:cNvCxnSpPr>
+          <p:nvPr/>
+        </p:nvCxnSpPr>
+        <p:spPr>
+          <a:xfrm>
+            <a:off x="5354782" y="2535381"/>
+            <a:ext cx="533400" cy="1316182"/>
+          </a:xfrm>
+          <a:prstGeom prst="straightConnector1">
+            <a:avLst/>
+          </a:prstGeom>
+          <a:ln>
+            <a:tailEnd type="triangle"/>
+          </a:ln>
+        </p:spPr>
+        <p:style>
+          <a:lnRef idx="1">
+            <a:schemeClr val="accent1"/>
+          </a:lnRef>
+          <a:fillRef idx="0">
+            <a:schemeClr val="accent1"/>
+          </a:fillRef>
+          <a:effectRef idx="0">
+            <a:schemeClr val="accent1"/>
+          </a:effectRef>
+          <a:fontRef idx="minor">
+            <a:schemeClr val="tx1"/>
+          </a:fontRef>
+        </p:style>
+      </p:cxnSp>
+      <p:cxnSp>
+        <p:nvCxnSpPr>
+          <p:cNvPr id="32" name="Straight Arrow Connector 31"/>
+          <p:cNvCxnSpPr/>
+          <p:nvPr/>
+        </p:nvCxnSpPr>
+        <p:spPr>
+          <a:xfrm flipH="1">
+            <a:off x="6518563" y="2535379"/>
+            <a:ext cx="1018310" cy="1316184"/>
+          </a:xfrm>
+          <a:prstGeom prst="straightConnector1">
+            <a:avLst/>
+          </a:prstGeom>
+          <a:ln>
+            <a:tailEnd type="triangle"/>
+          </a:ln>
+        </p:spPr>
+        <p:style>
+          <a:lnRef idx="1">
+            <a:schemeClr val="accent1"/>
+          </a:lnRef>
+          <a:fillRef idx="0">
+            <a:schemeClr val="accent1"/>
+          </a:fillRef>
+          <a:effectRef idx="0">
+            <a:schemeClr val="accent1"/>
+          </a:effectRef>
+          <a:fontRef idx="minor">
+            <a:schemeClr val="tx1"/>
+          </a:fontRef>
+        </p:style>
+      </p:cxnSp>
+      <p:cxnSp>
+        <p:nvCxnSpPr>
+          <p:cNvPr id="34" name="Straight Arrow Connector 33"/>
+          <p:cNvCxnSpPr/>
+          <p:nvPr/>
+        </p:nvCxnSpPr>
+        <p:spPr>
+          <a:xfrm flipH="1">
+            <a:off x="7166263" y="2611575"/>
+            <a:ext cx="2933701" cy="1239988"/>
+          </a:xfrm>
+          <a:prstGeom prst="straightConnector1">
+            <a:avLst/>
+          </a:prstGeom>
+          <a:ln>
+            <a:tailEnd type="triangle"/>
+          </a:ln>
+        </p:spPr>
+        <p:style>
+          <a:lnRef idx="1">
+            <a:schemeClr val="accent1"/>
+          </a:lnRef>
+          <a:fillRef idx="0">
+            <a:schemeClr val="accent1"/>
+          </a:fillRef>
+          <a:effectRef idx="0">
+            <a:schemeClr val="accent1"/>
+          </a:effectRef>
+          <a:fontRef idx="minor">
+            <a:schemeClr val="tx1"/>
+          </a:fontRef>
+        </p:style>
+      </p:cxnSp>
+      <p:sp>
+        <p:nvSpPr>
+          <p:cNvPr id="35" name="TextBox 34"/>
+          <p:cNvSpPr txBox="1"/>
+          <p:nvPr/>
+        </p:nvSpPr>
+        <p:spPr>
+          <a:xfrm>
+            <a:off x="3144982" y="2605460"/>
+            <a:ext cx="1108363" cy="261610"/>
+          </a:xfrm>
+          <a:prstGeom prst="rect">
+            <a:avLst/>
+          </a:prstGeom>
+          <a:noFill/>
+        </p:spPr>
+        <p:txBody>
+          <a:bodyPr wrap="square" rtlCol="0">
+            <a:spAutoFit/>
+          </a:bodyPr>
+          <a:lstStyle/>
+          <a:p>
+            <a:r>
+              <a:rPr lang="en-US" sz="1100" dirty="0" smtClean="0"/>
+              <a:t>Logs</a:t>
+            </a:r>
+            <a:endParaRPr lang="en-US" sz="1100" dirty="0"/>
+          </a:p>
+        </p:txBody>
+      </p:sp>
+      <p:sp>
+        <p:nvSpPr>
+          <p:cNvPr id="36" name="TextBox 35"/>
+          <p:cNvSpPr txBox="1"/>
+          <p:nvPr/>
+        </p:nvSpPr>
+        <p:spPr>
+          <a:xfrm>
+            <a:off x="5230091" y="2648653"/>
+            <a:ext cx="1108363" cy="261610"/>
+          </a:xfrm>
+          <a:prstGeom prst="rect">
+            <a:avLst/>
+          </a:prstGeom>
+          <a:noFill/>
+        </p:spPr>
+        <p:txBody>
+          <a:bodyPr wrap="square" rtlCol="0">
+            <a:spAutoFit/>
+          </a:bodyPr>
+          <a:lstStyle/>
+          <a:p>
+            <a:r>
+              <a:rPr lang="en-US" sz="1100" dirty="0" smtClean="0"/>
+              <a:t>Logs</a:t>
+            </a:r>
+            <a:endParaRPr lang="en-US" sz="1100" dirty="0"/>
+          </a:p>
+        </p:txBody>
+      </p:sp>
+      <p:sp>
+        <p:nvSpPr>
+          <p:cNvPr id="37" name="TextBox 36"/>
+          <p:cNvSpPr txBox="1"/>
+          <p:nvPr/>
+        </p:nvSpPr>
+        <p:spPr>
+          <a:xfrm>
+            <a:off x="7128163" y="2648653"/>
+            <a:ext cx="1108363" cy="261610"/>
+          </a:xfrm>
+          <a:prstGeom prst="rect">
+            <a:avLst/>
+          </a:prstGeom>
+          <a:noFill/>
+        </p:spPr>
+        <p:txBody>
+          <a:bodyPr wrap="square" rtlCol="0">
+            <a:spAutoFit/>
+          </a:bodyPr>
+          <a:lstStyle/>
+          <a:p>
+            <a:r>
+              <a:rPr lang="en-US" sz="1100" dirty="0" smtClean="0"/>
+              <a:t>Logs</a:t>
+            </a:r>
+            <a:endParaRPr lang="en-US" sz="1100" dirty="0"/>
+          </a:p>
+        </p:txBody>
+      </p:sp>
+      <p:sp>
+        <p:nvSpPr>
+          <p:cNvPr id="38" name="TextBox 37"/>
+          <p:cNvSpPr txBox="1"/>
+          <p:nvPr/>
+        </p:nvSpPr>
+        <p:spPr>
+          <a:xfrm>
+            <a:off x="9462655" y="2648653"/>
+            <a:ext cx="1108363" cy="261610"/>
+          </a:xfrm>
+          <a:prstGeom prst="rect">
+            <a:avLst/>
+          </a:prstGeom>
+          <a:noFill/>
+        </p:spPr>
+        <p:txBody>
+          <a:bodyPr wrap="square" rtlCol="0">
+            <a:spAutoFit/>
+          </a:bodyPr>
+          <a:lstStyle/>
+          <a:p>
+            <a:r>
+              <a:rPr lang="en-US" sz="1100" dirty="0" smtClean="0"/>
+              <a:t>Logs</a:t>
+            </a:r>
+            <a:endParaRPr lang="en-US" sz="1100" dirty="0"/>
+          </a:p>
+        </p:txBody>
+      </p:sp>
+      <p:sp>
+        <p:nvSpPr>
+          <p:cNvPr id="39" name="Rectangle 38"/>
+          <p:cNvSpPr/>
+          <p:nvPr/>
+        </p:nvSpPr>
+        <p:spPr>
+          <a:xfrm>
+            <a:off x="2604655" y="2202871"/>
+            <a:ext cx="1011381" cy="332508"/>
+          </a:xfrm>
+          <a:prstGeom prst="rect">
+            <a:avLst/>
+          </a:prstGeom>
+          <a:solidFill>
+            <a:srgbClr val="FFC000"/>
+          </a:solidFill>
+        </p:spPr>
+        <p:style>
+          <a:lnRef idx="2">
+            <a:schemeClr val="accent1">
+              <a:shade val="50000"/>
+            </a:schemeClr>
+          </a:lnRef>
+          <a:fillRef idx="1">
+            <a:schemeClr val="accent1"/>
+          </a:fillRef>
+          <a:effectRef idx="0">
+            <a:schemeClr val="accent1"/>
+          </a:effectRef>
+          <a:fontRef idx="minor">
+            <a:schemeClr val="lt1"/>
+          </a:fontRef>
+        </p:style>
+        <p:txBody>
+          <a:bodyPr rtlCol="0" anchor="ctr"/>
+          <a:lstStyle/>
+          <a:p>
+            <a:pPr algn="ctr"/>
+            <a:endParaRPr lang="en-US"/>
+          </a:p>
+        </p:txBody>
+      </p:sp>
+      <p:sp>
+        <p:nvSpPr>
+          <p:cNvPr id="40" name="TextBox 39"/>
+          <p:cNvSpPr txBox="1"/>
+          <p:nvPr/>
+        </p:nvSpPr>
+        <p:spPr>
+          <a:xfrm>
+            <a:off x="2822864" y="2236484"/>
+            <a:ext cx="1108363" cy="261610"/>
+          </a:xfrm>
+          <a:prstGeom prst="rect">
+            <a:avLst/>
+          </a:prstGeom>
+          <a:noFill/>
+        </p:spPr>
+        <p:txBody>
+          <a:bodyPr wrap="square" rtlCol="0">
+            <a:spAutoFit/>
+          </a:bodyPr>
+          <a:lstStyle/>
+          <a:p>
+            <a:r>
+              <a:rPr lang="en-US" sz="1100" dirty="0" smtClean="0"/>
+              <a:t>Sleuth</a:t>
+            </a:r>
+            <a:endParaRPr lang="en-US" sz="1100" dirty="0"/>
+          </a:p>
+        </p:txBody>
+      </p:sp>
+      <p:sp>
+        <p:nvSpPr>
+          <p:cNvPr id="41" name="Rectangle 40"/>
+          <p:cNvSpPr/>
+          <p:nvPr/>
+        </p:nvSpPr>
+        <p:spPr>
+          <a:xfrm>
+            <a:off x="5098475" y="2202867"/>
+            <a:ext cx="1011381" cy="332508"/>
+          </a:xfrm>
+          <a:prstGeom prst="rect">
+            <a:avLst/>
+          </a:prstGeom>
+          <a:solidFill>
+            <a:srgbClr val="FFC000"/>
+          </a:solidFill>
+        </p:spPr>
+        <p:style>
+          <a:lnRef idx="2">
+            <a:schemeClr val="accent1">
+              <a:shade val="50000"/>
+            </a:schemeClr>
+          </a:lnRef>
+          <a:fillRef idx="1">
+            <a:schemeClr val="accent1"/>
+          </a:fillRef>
+          <a:effectRef idx="0">
+            <a:schemeClr val="accent1"/>
+          </a:effectRef>
+          <a:fontRef idx="minor">
+            <a:schemeClr val="lt1"/>
+          </a:fontRef>
+        </p:style>
+        <p:txBody>
+          <a:bodyPr rtlCol="0" anchor="ctr"/>
+          <a:lstStyle/>
+          <a:p>
+            <a:pPr algn="ctr"/>
+            <a:endParaRPr lang="en-US"/>
+          </a:p>
+        </p:txBody>
+      </p:sp>
+      <p:sp>
+        <p:nvSpPr>
+          <p:cNvPr id="42" name="TextBox 41"/>
+          <p:cNvSpPr txBox="1"/>
+          <p:nvPr/>
+        </p:nvSpPr>
+        <p:spPr>
+          <a:xfrm>
+            <a:off x="5316684" y="2236480"/>
+            <a:ext cx="1108363" cy="261610"/>
+          </a:xfrm>
+          <a:prstGeom prst="rect">
+            <a:avLst/>
+          </a:prstGeom>
+          <a:noFill/>
+        </p:spPr>
+        <p:txBody>
+          <a:bodyPr wrap="square" rtlCol="0">
+            <a:spAutoFit/>
+          </a:bodyPr>
+          <a:lstStyle/>
+          <a:p>
+            <a:r>
+              <a:rPr lang="en-US" sz="1100" dirty="0" smtClean="0"/>
+              <a:t>Sleuth</a:t>
+            </a:r>
+            <a:endParaRPr lang="en-US" sz="1100" dirty="0"/>
+          </a:p>
+        </p:txBody>
+      </p:sp>
+      <p:sp>
+        <p:nvSpPr>
+          <p:cNvPr id="43" name="Rectangle 42"/>
+          <p:cNvSpPr/>
+          <p:nvPr/>
+        </p:nvSpPr>
+        <p:spPr>
+          <a:xfrm>
+            <a:off x="7426036" y="2202868"/>
+            <a:ext cx="1011381" cy="332508"/>
+          </a:xfrm>
+          <a:prstGeom prst="rect">
+            <a:avLst/>
+          </a:prstGeom>
+          <a:solidFill>
+            <a:srgbClr val="FFC000"/>
+          </a:solidFill>
+        </p:spPr>
+        <p:style>
+          <a:lnRef idx="2">
+            <a:schemeClr val="accent1">
+              <a:shade val="50000"/>
+            </a:schemeClr>
+          </a:lnRef>
+          <a:fillRef idx="1">
+            <a:schemeClr val="accent1"/>
+          </a:fillRef>
+          <a:effectRef idx="0">
+            <a:schemeClr val="accent1"/>
+          </a:effectRef>
+          <a:fontRef idx="minor">
+            <a:schemeClr val="lt1"/>
+          </a:fontRef>
+        </p:style>
+        <p:txBody>
+          <a:bodyPr rtlCol="0" anchor="ctr"/>
+          <a:lstStyle/>
+          <a:p>
+            <a:pPr algn="ctr"/>
+            <a:endParaRPr lang="en-US"/>
+          </a:p>
+        </p:txBody>
+      </p:sp>
+      <p:sp>
+        <p:nvSpPr>
+          <p:cNvPr id="44" name="TextBox 43"/>
+          <p:cNvSpPr txBox="1"/>
+          <p:nvPr/>
+        </p:nvSpPr>
+        <p:spPr>
+          <a:xfrm>
+            <a:off x="7644245" y="2236481"/>
+            <a:ext cx="1108363" cy="261610"/>
+          </a:xfrm>
+          <a:prstGeom prst="rect">
+            <a:avLst/>
+          </a:prstGeom>
+          <a:noFill/>
+        </p:spPr>
+        <p:txBody>
+          <a:bodyPr wrap="square" rtlCol="0">
+            <a:spAutoFit/>
+          </a:bodyPr>
+          <a:lstStyle/>
+          <a:p>
+            <a:r>
+              <a:rPr lang="en-US" sz="1100" dirty="0" smtClean="0"/>
+              <a:t>Sleuth</a:t>
+            </a:r>
+            <a:endParaRPr lang="en-US" sz="1100" dirty="0"/>
+          </a:p>
+        </p:txBody>
+      </p:sp>
+      <p:sp>
+        <p:nvSpPr>
+          <p:cNvPr id="45" name="Rectangle 44"/>
+          <p:cNvSpPr/>
+          <p:nvPr/>
+        </p:nvSpPr>
+        <p:spPr>
+          <a:xfrm>
+            <a:off x="9961411" y="2202869"/>
+            <a:ext cx="1011381" cy="332508"/>
+          </a:xfrm>
+          <a:prstGeom prst="rect">
+            <a:avLst/>
+          </a:prstGeom>
+          <a:solidFill>
+            <a:srgbClr val="FFC000"/>
+          </a:solidFill>
+        </p:spPr>
+        <p:style>
+          <a:lnRef idx="2">
+            <a:schemeClr val="accent1">
+              <a:shade val="50000"/>
+            </a:schemeClr>
+          </a:lnRef>
+          <a:fillRef idx="1">
+            <a:schemeClr val="accent1"/>
+          </a:fillRef>
+          <a:effectRef idx="0">
+            <a:schemeClr val="accent1"/>
+          </a:effectRef>
+          <a:fontRef idx="minor">
+            <a:schemeClr val="lt1"/>
+          </a:fontRef>
+        </p:style>
+        <p:txBody>
+          <a:bodyPr rtlCol="0" anchor="ctr"/>
+          <a:lstStyle/>
+          <a:p>
+            <a:pPr algn="ctr"/>
+            <a:endParaRPr lang="en-US"/>
+          </a:p>
+        </p:txBody>
+      </p:sp>
+      <p:sp>
+        <p:nvSpPr>
+          <p:cNvPr id="46" name="TextBox 45"/>
+          <p:cNvSpPr txBox="1"/>
+          <p:nvPr/>
+        </p:nvSpPr>
+        <p:spPr>
+          <a:xfrm>
+            <a:off x="10179620" y="2236482"/>
+            <a:ext cx="1108363" cy="261610"/>
+          </a:xfrm>
+          <a:prstGeom prst="rect">
+            <a:avLst/>
+          </a:prstGeom>
+          <a:noFill/>
+        </p:spPr>
+        <p:txBody>
+          <a:bodyPr wrap="square" rtlCol="0">
+            <a:spAutoFit/>
+          </a:bodyPr>
+          <a:lstStyle/>
+          <a:p>
+            <a:r>
+              <a:rPr lang="en-US" sz="1100" dirty="0" smtClean="0"/>
+              <a:t>Sleuth</a:t>
+            </a:r>
+            <a:endParaRPr lang="en-US" sz="1100" dirty="0"/>
+          </a:p>
+        </p:txBody>
+      </p:sp>
+      <p:sp>
+        <p:nvSpPr>
+          <p:cNvPr id="48" name="Rectangle 47"/>
+          <p:cNvSpPr/>
+          <p:nvPr/>
+        </p:nvSpPr>
+        <p:spPr>
+          <a:xfrm>
+            <a:off x="4733052" y="5389420"/>
+            <a:ext cx="3099951" cy="914400"/>
+          </a:xfrm>
+          <a:prstGeom prst="rect">
+            <a:avLst/>
+          </a:prstGeom>
+        </p:spPr>
+        <p:style>
+          <a:lnRef idx="2">
+            <a:schemeClr val="accent1">
+              <a:shade val="50000"/>
+            </a:schemeClr>
+          </a:lnRef>
+          <a:fillRef idx="1">
+            <a:schemeClr val="accent1"/>
+          </a:fillRef>
+          <a:effectRef idx="0">
+            <a:schemeClr val="accent1"/>
+          </a:effectRef>
+          <a:fontRef idx="minor">
+            <a:schemeClr val="lt1"/>
+          </a:fontRef>
+        </p:style>
+        <p:txBody>
+          <a:bodyPr rtlCol="0" anchor="ctr"/>
+          <a:lstStyle/>
+          <a:p>
+            <a:pPr algn="ctr"/>
+            <a:r>
+              <a:rPr lang="en-US" dirty="0" err="1" smtClean="0"/>
+              <a:t>Zipkin</a:t>
+            </a:r>
+            <a:r>
+              <a:rPr lang="en-US" dirty="0" smtClean="0"/>
+              <a:t> Log Analyzer</a:t>
+            </a:r>
+            <a:endParaRPr lang="en-US" dirty="0"/>
+          </a:p>
+        </p:txBody>
+      </p:sp>
+      <p:sp>
+        <p:nvSpPr>
+          <p:cNvPr id="49" name="TextBox 48"/>
+          <p:cNvSpPr txBox="1"/>
+          <p:nvPr/>
+        </p:nvSpPr>
+        <p:spPr>
+          <a:xfrm>
+            <a:off x="720436" y="401782"/>
+            <a:ext cx="4509655" cy="369332"/>
+          </a:xfrm>
+          <a:prstGeom prst="rect">
+            <a:avLst/>
+          </a:prstGeom>
+          <a:solidFill>
+            <a:schemeClr val="accent4"/>
+          </a:solidFill>
+        </p:spPr>
+        <p:txBody>
+          <a:bodyPr wrap="square" rtlCol="0">
+            <a:spAutoFit/>
+          </a:bodyPr>
+          <a:lstStyle/>
+          <a:p>
+            <a:r>
+              <a:rPr lang="en-US" dirty="0" smtClean="0"/>
+              <a:t>Distributed Logging Using Sleuth/</a:t>
+            </a:r>
+            <a:r>
+              <a:rPr lang="en-US" dirty="0" err="1" smtClean="0"/>
+              <a:t>Zipkin</a:t>
+            </a:r>
+            <a:endParaRPr lang="en-US" dirty="0"/>
+          </a:p>
+        </p:txBody>
+      </p:sp>
+      <p:cxnSp>
+        <p:nvCxnSpPr>
+          <p:cNvPr id="51" name="Straight Arrow Connector 50"/>
+          <p:cNvCxnSpPr>
+            <a:endCxn id="48" idx="0"/>
+          </p:cNvCxnSpPr>
+          <p:nvPr/>
+        </p:nvCxnSpPr>
+        <p:spPr>
+          <a:xfrm flipH="1">
+            <a:off x="6283028" y="4821382"/>
+            <a:ext cx="6939" cy="568038"/>
+          </a:xfrm>
+          <a:prstGeom prst="straightConnector1">
+            <a:avLst/>
+          </a:prstGeom>
+          <a:ln>
+            <a:headEnd type="triangle"/>
+            <a:tailEnd type="triangle"/>
+          </a:ln>
+        </p:spPr>
+        <p:style>
+          <a:lnRef idx="1">
+            <a:schemeClr val="accent1"/>
+          </a:lnRef>
+          <a:fillRef idx="0">
+            <a:schemeClr val="accent1"/>
+          </a:fillRef>
+          <a:effectRef idx="0">
+            <a:schemeClr val="accent1"/>
+          </a:effectRef>
+          <a:fontRef idx="minor">
+            <a:schemeClr val="tx1"/>
+          </a:fontRef>
+        </p:style>
+      </p:cxnSp>
+    </p:spTree>
+    <p:extLst>
+      <p:ext uri="{BB962C8B-B14F-4D97-AF65-F5344CB8AC3E}">
+        <p14:creationId xmlns:p14="http://schemas.microsoft.com/office/powerpoint/2010/main" val="1403929187"/>
+      </p:ext>
+    </p:extLst>
+  </p:cSld>
+  <p:clrMapOvr>
+    <a:masterClrMapping/>
+  </p:clrMapOvr>
+</p:sld>
+</file>
+
+<file path=ppt/slides/slide21.xml><?xml version="1.0" encoding="utf-8"?>
+<p:sld xmlns:a="http://schemas.openxmlformats.org/drawingml/2006/main" xmlns:r="http://schemas.openxmlformats.org/officeDocument/2006/relationships" xmlns:p="http://schemas.openxmlformats.org/presentationml/2006/main">
+  <p:cSld>
+    <p:spTree>
+      <p:nvGrpSpPr>
+        <p:cNvPr id="1" name=""/>
+        <p:cNvGrpSpPr/>
+        <p:nvPr/>
+      </p:nvGrpSpPr>
+      <p:grpSpPr>
+        <a:xfrm>
+          <a:off x="0" y="0"/>
+          <a:ext cx="0" cy="0"/>
+          <a:chOff x="0" y="0"/>
+          <a:chExt cx="0" cy="0"/>
+        </a:xfrm>
+      </p:grpSpPr>
+      <p:pic>
+        <p:nvPicPr>
+          <p:cNvPr id="4" name="Picture 3"/>
+          <p:cNvPicPr>
+            <a:picLocks noChangeAspect="1"/>
+          </p:cNvPicPr>
+          <p:nvPr/>
+        </p:nvPicPr>
+        <p:blipFill>
+          <a:blip r:embed="rId2"/>
+          <a:stretch>
+            <a:fillRect/>
+          </a:stretch>
+        </p:blipFill>
+        <p:spPr>
+          <a:xfrm>
+            <a:off x="1163782" y="921327"/>
+            <a:ext cx="10086109" cy="5410200"/>
+          </a:xfrm>
+          <a:prstGeom prst="rect">
+            <a:avLst/>
+          </a:prstGeom>
+        </p:spPr>
+      </p:pic>
+      <p:sp>
+        <p:nvSpPr>
+          <p:cNvPr id="5" name="TextBox 4"/>
+          <p:cNvSpPr txBox="1"/>
+          <p:nvPr/>
+        </p:nvSpPr>
+        <p:spPr>
+          <a:xfrm>
+            <a:off x="720436" y="401782"/>
+            <a:ext cx="4509655" cy="369332"/>
+          </a:xfrm>
+          <a:prstGeom prst="rect">
+            <a:avLst/>
+          </a:prstGeom>
+          <a:solidFill>
+            <a:schemeClr val="accent4"/>
+          </a:solidFill>
+        </p:spPr>
+        <p:txBody>
+          <a:bodyPr wrap="square" rtlCol="0">
+            <a:spAutoFit/>
+          </a:bodyPr>
+          <a:lstStyle/>
+          <a:p>
+            <a:r>
+              <a:rPr lang="en-US" dirty="0" smtClean="0"/>
+              <a:t>Sleuth Log Message Configuration</a:t>
+            </a:r>
+            <a:endParaRPr lang="en-US" dirty="0"/>
+          </a:p>
+        </p:txBody>
+      </p:sp>
+    </p:spTree>
+    <p:extLst>
+      <p:ext uri="{BB962C8B-B14F-4D97-AF65-F5344CB8AC3E}">
+        <p14:creationId xmlns:p14="http://schemas.microsoft.com/office/powerpoint/2010/main" val="1012784905"/>
+      </p:ext>
+    </p:extLst>
+  </p:cSld>
+  <p:clrMapOvr>
+    <a:masterClrMapping/>
+  </p:clrMapOvr>
+</p:sld>
+</file>
+
+<file path=ppt/slides/slide22.xml><?xml version="1.0" encoding="utf-8"?>
+<p:sld xmlns:a="http://schemas.openxmlformats.org/drawingml/2006/main" xmlns:r="http://schemas.openxmlformats.org/officeDocument/2006/relationships" xmlns:p="http://schemas.openxmlformats.org/presentationml/2006/main">
+  <p:cSld>
+    <p:spTree>
+      <p:nvGrpSpPr>
+        <p:cNvPr id="1" name=""/>
+        <p:cNvGrpSpPr/>
+        <p:nvPr/>
+      </p:nvGrpSpPr>
+      <p:grpSpPr>
+        <a:xfrm>
+          <a:off x="0" y="0"/>
+          <a:ext cx="0" cy="0"/>
+          <a:chOff x="0" y="0"/>
+          <a:chExt cx="0" cy="0"/>
+        </a:xfrm>
+      </p:grpSpPr>
+    </p:spTree>
+    <p:extLst>
+      <p:ext uri="{BB962C8B-B14F-4D97-AF65-F5344CB8AC3E}">
+        <p14:creationId xmlns:p14="http://schemas.microsoft.com/office/powerpoint/2010/main" val="2881948201"/>
+      </p:ext>
+    </p:extLst>
+  </p:cSld>
+  <p:clrMapOvr>
+    <a:masterClrMapping/>
+  </p:clrMapOvr>
+</p:sld>
+</file>
+
 <file path=ppt/slides/slide3.xml><?xml version="1.0" encoding="utf-8"?>
 <p:sld xmlns:a="http://schemas.openxmlformats.org/drawingml/2006/main" xmlns:r="http://schemas.openxmlformats.org/officeDocument/2006/relationships" xmlns:p="http://schemas.openxmlformats.org/presentationml/2006/main">
   <p:cSld>

--- a/Microservice_Architecture_Defined.pptx
+++ b/Microservice_Architecture_Defined.pptx
@@ -6728,14 +6728,14 @@
           <p:nvPr>
             <p:extLst>
               <p:ext uri="{D42A27DB-BD31-4B8C-83A1-F6EECF244321}">
-                <p14:modId xmlns:p14="http://schemas.microsoft.com/office/powerpoint/2010/main" val="3861703337"/>
+                <p14:modId xmlns:p14="http://schemas.microsoft.com/office/powerpoint/2010/main" val="3826972095"/>
               </p:ext>
             </p:extLst>
           </p:nvPr>
         </p:nvGraphicFramePr>
         <p:xfrm>
           <a:off x="609601" y="2192404"/>
-          <a:ext cx="11000507" cy="4343400"/>
+          <a:ext cx="11000507" cy="2860040"/>
         </p:xfrm>
         <a:graphic>
           <a:graphicData uri="http://schemas.openxmlformats.org/drawingml/2006/table">
@@ -7000,144 +7000,6 @@
                     <a:p>
                       <a:r>
                         <a:rPr lang="en-US" dirty="0" smtClean="0"/>
-                        <a:t>3</a:t>
-                      </a:r>
-                      <a:endParaRPr lang="en-US" dirty="0"/>
-                    </a:p>
-                  </a:txBody>
-                  <a:tcPr/>
-                </a:tc>
-                <a:tc>
-                  <a:txBody>
-                    <a:bodyPr/>
-                    <a:lstStyle/>
-                    <a:p>
-                      <a:r>
-                        <a:rPr lang="en-US" dirty="0" smtClean="0"/>
-                        <a:t>Creation of </a:t>
-                      </a:r>
-                      <a:r>
-                        <a:rPr lang="en-US" dirty="0" err="1" smtClean="0"/>
-                        <a:t>Zull</a:t>
-                      </a:r>
-                      <a:r>
-                        <a:rPr lang="en-US" dirty="0" smtClean="0"/>
-                        <a:t> Server , Routing, Testing</a:t>
-                      </a:r>
-                      <a:endParaRPr lang="en-US" dirty="0"/>
-                    </a:p>
-                  </a:txBody>
-                  <a:tcPr/>
-                </a:tc>
-                <a:tc>
-                  <a:txBody>
-                    <a:bodyPr/>
-                    <a:lstStyle/>
-                    <a:p>
-                      <a:r>
-                        <a:rPr lang="en-US" dirty="0" smtClean="0"/>
-                        <a:t>2</a:t>
-                      </a:r>
-                      <a:endParaRPr lang="en-US" dirty="0"/>
-                    </a:p>
-                  </a:txBody>
-                  <a:tcPr/>
-                </a:tc>
-                <a:tc>
-                  <a:txBody>
-                    <a:bodyPr/>
-                    <a:lstStyle/>
-                    <a:p>
-                      <a:r>
-                        <a:rPr lang="en-US" dirty="0" smtClean="0">
-                          <a:solidFill>
-                            <a:srgbClr val="FF0000"/>
-                          </a:solidFill>
-                        </a:rPr>
-                        <a:t>Problem</a:t>
-                      </a:r>
-                      <a:endParaRPr lang="en-US" dirty="0">
-                        <a:solidFill>
-                          <a:srgbClr val="FF0000"/>
-                        </a:solidFill>
-                      </a:endParaRPr>
-                    </a:p>
-                  </a:txBody>
-                  <a:tcPr/>
-                </a:tc>
-                <a:extLst>
-                  <a:ext uri="{0D108BD9-81ED-4DB2-BD59-A6C34878D82A}">
-                    <a16:rowId xmlns:a16="http://schemas.microsoft.com/office/drawing/2014/main" val="3697532717"/>
-                  </a:ext>
-                </a:extLst>
-              </a:tr>
-              <a:tr h="370840">
-                <a:tc>
-                  <a:txBody>
-                    <a:bodyPr/>
-                    <a:lstStyle/>
-                    <a:p>
-                      <a:r>
-                        <a:rPr lang="en-US" dirty="0" smtClean="0"/>
-                        <a:t>4</a:t>
-                      </a:r>
-                      <a:endParaRPr lang="en-US" dirty="0"/>
-                    </a:p>
-                  </a:txBody>
-                  <a:tcPr/>
-                </a:tc>
-                <a:tc>
-                  <a:txBody>
-                    <a:bodyPr/>
-                    <a:lstStyle/>
-                    <a:p>
-                      <a:r>
-                        <a:rPr lang="en-US" dirty="0" smtClean="0"/>
-                        <a:t>Combining all</a:t>
-                      </a:r>
-                      <a:endParaRPr lang="en-US" dirty="0"/>
-                    </a:p>
-                  </a:txBody>
-                  <a:tcPr/>
-                </a:tc>
-                <a:tc>
-                  <a:txBody>
-                    <a:bodyPr/>
-                    <a:lstStyle/>
-                    <a:p>
-                      <a:r>
-                        <a:rPr lang="en-US" dirty="0" smtClean="0"/>
-                        <a:t>1</a:t>
-                      </a:r>
-                      <a:endParaRPr lang="en-US" dirty="0"/>
-                    </a:p>
-                  </a:txBody>
-                  <a:tcPr/>
-                </a:tc>
-                <a:tc>
-                  <a:txBody>
-                    <a:bodyPr/>
-                    <a:lstStyle/>
-                    <a:p>
-                      <a:endParaRPr lang="en-US" dirty="0"/>
-                    </a:p>
-                  </a:txBody>
-                  <a:tcPr/>
-                </a:tc>
-                <a:extLst>
-                  <a:ext uri="{0D108BD9-81ED-4DB2-BD59-A6C34878D82A}">
-                    <a16:rowId xmlns:a16="http://schemas.microsoft.com/office/drawing/2014/main" val="1976858094"/>
-                  </a:ext>
-                </a:extLst>
-              </a:tr>
-              <a:tr h="370840">
-                <a:tc>
-                  <a:txBody>
-                    <a:bodyPr/>
-                    <a:lstStyle/>
-                    <a:p>
-                      <a:r>
-                        <a:rPr lang="en-US" dirty="0" smtClean="0"/>
                         <a:t>5</a:t>
                       </a:r>
                       <a:endParaRPr lang="en-US" dirty="0"/>
@@ -7190,33 +7052,19 @@
                     <a:bodyPr/>
                     <a:lstStyle/>
                     <a:p>
-                      <a:pPr marL="0" marR="0" lvl="0" indent="0" algn="l" defTabSz="914400" rtl="0" eaLnBrk="1" fontAlgn="auto" latinLnBrk="0" hangingPunct="1">
-                        <a:lnSpc>
-                          <a:spcPct val="100000"/>
-                        </a:lnSpc>
-                        <a:spcBef>
-                          <a:spcPts val="0"/>
-                        </a:spcBef>
-                        <a:spcAft>
-                          <a:spcPts val="0"/>
-                        </a:spcAft>
-                        <a:buClrTx/>
-                        <a:buSzTx/>
-                        <a:buFontTx/>
-                        <a:buNone/>
-                        <a:tabLst/>
-                        <a:defRPr/>
-                      </a:pPr>
                       <a:r>
                         <a:rPr lang="en-US" dirty="0" smtClean="0">
                           <a:solidFill>
-                            <a:schemeClr val="accent2">
-                              <a:lumMod val="75000"/>
-                            </a:schemeClr>
+                            <a:srgbClr val="FF0000"/>
                           </a:solidFill>
                         </a:rPr>
-                        <a:t>Not Started</a:t>
+                        <a:t>Will be done later</a:t>
                       </a:r>
+                      <a:endParaRPr lang="en-US" dirty="0">
+                        <a:solidFill>
+                          <a:srgbClr val="FF0000"/>
+                        </a:solidFill>
+                      </a:endParaRPr>
                     </a:p>
                   </a:txBody>
                   <a:tcPr/>
@@ -7279,27 +7127,19 @@
                     <a:bodyPr/>
                     <a:lstStyle/>
                     <a:p>
-                      <a:pPr marL="0" marR="0" lvl="0" indent="0" algn="l" defTabSz="914400" rtl="0" eaLnBrk="1" fontAlgn="auto" latinLnBrk="0" hangingPunct="1">
-                        <a:lnSpc>
-                          <a:spcPct val="100000"/>
-                        </a:lnSpc>
-                        <a:spcBef>
-                          <a:spcPts val="0"/>
-                        </a:spcBef>
-                        <a:spcAft>
-                          <a:spcPts val="0"/>
-                        </a:spcAft>
-                        <a:buClrTx/>
-                        <a:buSzTx/>
-                        <a:buFontTx/>
-                        <a:buNone/>
-                        <a:tabLst/>
-                        <a:defRPr/>
-                      </a:pPr>
                       <a:r>
-                        <a:rPr lang="en-US" dirty="0" smtClean="0"/>
-                        <a:t>Not Started</a:t>
+                        <a:rPr lang="en-US" dirty="0" smtClean="0">
+                          <a:solidFill>
+                            <a:srgbClr val="FF0000"/>
+                          </a:solidFill>
+                        </a:rPr>
+                        <a:t>Will be done later</a:t>
                       </a:r>
+                      <a:endParaRPr lang="en-US" dirty="0">
+                        <a:solidFill>
+                          <a:srgbClr val="FF0000"/>
+                        </a:solidFill>
+                      </a:endParaRPr>
                     </a:p>
                   </a:txBody>
                   <a:tcPr/>
@@ -7332,7 +7172,15 @@
                     <a:p>
                       <a:r>
                         <a:rPr lang="en-US" dirty="0" smtClean="0"/>
-                        <a:t>Putting filter to incorporate security</a:t>
+                        <a:t>Putting filter to incorporate </a:t>
+                      </a:r>
+                      <a:r>
+                        <a:rPr lang="en-US" dirty="0" smtClean="0"/>
+                        <a:t>security ( JWT</a:t>
+                      </a:r>
+                      <a:r>
+                        <a:rPr lang="en-US" baseline="0" dirty="0" smtClean="0"/>
+                        <a:t> )</a:t>
                       </a:r>
                       <a:endParaRPr lang="en-US" dirty="0"/>
                     </a:p>
@@ -7378,91 +7226,6 @@
                 <a:extLst>
                   <a:ext uri="{0D108BD9-81ED-4DB2-BD59-A6C34878D82A}">
                     <a16:rowId xmlns:a16="http://schemas.microsoft.com/office/drawing/2014/main" val="1998526847"/>
-                  </a:ext>
-                </a:extLst>
-              </a:tr>
-              <a:tr h="370840">
-                <a:tc>
-                  <a:txBody>
-                    <a:bodyPr/>
-                    <a:lstStyle/>
-                    <a:p>
-                      <a:r>
-                        <a:rPr lang="en-US" dirty="0" smtClean="0"/>
-                        <a:t>8</a:t>
-                      </a:r>
-                      <a:endParaRPr lang="en-US" dirty="0"/>
-                    </a:p>
-                  </a:txBody>
-                  <a:tcPr/>
-                </a:tc>
-                <a:tc>
-                  <a:txBody>
-                    <a:bodyPr/>
-                    <a:lstStyle/>
-                    <a:p>
-                      <a:r>
-                        <a:rPr lang="en-US" dirty="0" smtClean="0"/>
-                        <a:t>End to end test</a:t>
-                      </a:r>
-                      <a:endParaRPr lang="en-US" dirty="0"/>
-                    </a:p>
-                  </a:txBody>
-                  <a:tcPr/>
-                </a:tc>
-                <a:tc>
-                  <a:txBody>
-                    <a:bodyPr/>
-                    <a:lstStyle/>
-                    <a:p>
-                      <a:r>
-                        <a:rPr lang="en-US" dirty="0" smtClean="0"/>
-                        <a:t>1</a:t>
-                      </a:r>
-                      <a:endParaRPr lang="en-US" dirty="0"/>
-                    </a:p>
-                  </a:txBody>
-                  <a:tcPr/>
-                </a:tc>
-                <a:tc>
-                  <a:txBody>
-                    <a:bodyPr/>
-                    <a:lstStyle/>
-                    <a:p>
-                      <a:pPr marL="0" marR="0" lvl="0" indent="0" algn="l" defTabSz="914400" rtl="0" eaLnBrk="1" fontAlgn="auto" latinLnBrk="0" hangingPunct="1">
-                        <a:lnSpc>
-                          <a:spcPct val="100000"/>
-                        </a:lnSpc>
-                        <a:spcBef>
-                          <a:spcPts val="0"/>
-                        </a:spcBef>
-                        <a:spcAft>
-                          <a:spcPts val="0"/>
-                        </a:spcAft>
-                        <a:buClrTx/>
-                        <a:buSzTx/>
-                        <a:buFontTx/>
-                        <a:buNone/>
-                        <a:tabLst/>
-                        <a:defRPr/>
-                      </a:pPr>
-                      <a:r>
-                        <a:rPr lang="en-US" dirty="0" smtClean="0">
-                          <a:solidFill>
-                            <a:schemeClr val="accent2">
-                              <a:lumMod val="75000"/>
-                            </a:schemeClr>
-                          </a:solidFill>
-                        </a:rPr>
-                        <a:t>Not Started</a:t>
-                      </a:r>
-                    </a:p>
-                  </a:txBody>
-                  <a:tcPr/>
-                </a:tc>
-                <a:extLst>
-                  <a:ext uri="{0D108BD9-81ED-4DB2-BD59-A6C34878D82A}">
-                    <a16:rowId xmlns:a16="http://schemas.microsoft.com/office/drawing/2014/main" val="2715372246"/>
                   </a:ext>
                 </a:extLst>
               </a:tr>
@@ -7537,91 +7300,6 @@
                   </a:ext>
                 </a:extLst>
               </a:tr>
-              <a:tr h="370840">
-                <a:tc>
-                  <a:txBody>
-                    <a:bodyPr/>
-                    <a:lstStyle/>
-                    <a:p>
-                      <a:r>
-                        <a:rPr lang="en-US" dirty="0" smtClean="0"/>
-                        <a:t>10</a:t>
-                      </a:r>
-                      <a:endParaRPr lang="en-US" dirty="0"/>
-                    </a:p>
-                  </a:txBody>
-                  <a:tcPr/>
-                </a:tc>
-                <a:tc>
-                  <a:txBody>
-                    <a:bodyPr/>
-                    <a:lstStyle/>
-                    <a:p>
-                      <a:r>
-                        <a:rPr lang="en-US" dirty="0" smtClean="0"/>
-                        <a:t>Test</a:t>
-                      </a:r>
-                      <a:endParaRPr lang="en-US" dirty="0"/>
-                    </a:p>
-                  </a:txBody>
-                  <a:tcPr/>
-                </a:tc>
-                <a:tc>
-                  <a:txBody>
-                    <a:bodyPr/>
-                    <a:lstStyle/>
-                    <a:p>
-                      <a:r>
-                        <a:rPr lang="en-US" dirty="0" smtClean="0"/>
-                        <a:t>1</a:t>
-                      </a:r>
-                      <a:endParaRPr lang="en-US" dirty="0"/>
-                    </a:p>
-                  </a:txBody>
-                  <a:tcPr/>
-                </a:tc>
-                <a:tc>
-                  <a:txBody>
-                    <a:bodyPr/>
-                    <a:lstStyle/>
-                    <a:p>
-                      <a:pPr marL="0" marR="0" lvl="0" indent="0" algn="l" defTabSz="914400" rtl="0" eaLnBrk="1" fontAlgn="auto" latinLnBrk="0" hangingPunct="1">
-                        <a:lnSpc>
-                          <a:spcPct val="100000"/>
-                        </a:lnSpc>
-                        <a:spcBef>
-                          <a:spcPts val="0"/>
-                        </a:spcBef>
-                        <a:spcAft>
-                          <a:spcPts val="0"/>
-                        </a:spcAft>
-                        <a:buClrTx/>
-                        <a:buSzTx/>
-                        <a:buFontTx/>
-                        <a:buNone/>
-                        <a:tabLst/>
-                        <a:defRPr/>
-                      </a:pPr>
-                      <a:r>
-                        <a:rPr lang="en-US" dirty="0" smtClean="0">
-                          <a:solidFill>
-                            <a:schemeClr val="accent2">
-                              <a:lumMod val="75000"/>
-                            </a:schemeClr>
-                          </a:solidFill>
-                        </a:rPr>
-                        <a:t>Not Started</a:t>
-                      </a:r>
-                    </a:p>
-                  </a:txBody>
-                  <a:tcPr/>
-                </a:tc>
-                <a:extLst>
-                  <a:ext uri="{0D108BD9-81ED-4DB2-BD59-A6C34878D82A}">
-                    <a16:rowId xmlns:a16="http://schemas.microsoft.com/office/drawing/2014/main" val="1683598434"/>
-                  </a:ext>
-                </a:extLst>
-              </a:tr>
             </a:tbl>
           </a:graphicData>
         </a:graphic>
@@ -7711,7 +7389,11 @@
           <a:p>
             <a:r>
               <a:rPr lang="en-US" dirty="0" smtClean="0"/>
-              <a:t>Hands on – Part 1</a:t>
+              <a:t>Learning Plan– </a:t>
+            </a:r>
+            <a:r>
+              <a:rPr lang="en-US" dirty="0" smtClean="0"/>
+              <a:t>Part 1</a:t>
             </a:r>
             <a:endParaRPr lang="en-US" dirty="0"/>
           </a:p>
@@ -9399,7 +9081,7 @@
           <a:p>
             <a:r>
               <a:rPr lang="en-US" dirty="0" smtClean="0"/>
-              <a:t>Further Plan</a:t>
+              <a:t>Learning Plan – Part 2</a:t>
             </a:r>
             <a:endParaRPr lang="en-US" dirty="0"/>
           </a:p>
@@ -13705,14 +13387,14 @@
           <p:nvPr>
             <p:extLst>
               <p:ext uri="{D42A27DB-BD31-4B8C-83A1-F6EECF244321}">
-                <p14:modId xmlns:p14="http://schemas.microsoft.com/office/powerpoint/2010/main" val="1997185674"/>
+                <p14:modId xmlns:p14="http://schemas.microsoft.com/office/powerpoint/2010/main" val="90025087"/>
               </p:ext>
             </p:extLst>
           </p:nvPr>
         </p:nvGraphicFramePr>
         <p:xfrm>
           <a:off x="609601" y="1014767"/>
-          <a:ext cx="11000507" cy="4135429"/>
+          <a:ext cx="11000507" cy="6537960"/>
         </p:xfrm>
         <a:graphic>
           <a:graphicData uri="http://schemas.openxmlformats.org/drawingml/2006/table">
@@ -13848,16 +13530,8 @@
                     <a:lstStyle/>
                     <a:p>
                       <a:r>
-                        <a:rPr lang="en-US" dirty="0" smtClean="0"/>
-                        <a:t>Using</a:t>
-                      </a:r>
-                      <a:r>
                         <a:rPr lang="en-US" baseline="0" dirty="0" smtClean="0"/>
-                        <a:t> Sleuth and </a:t>
-                      </a:r>
-                      <a:r>
-                        <a:rPr lang="en-US" baseline="0" dirty="0" err="1" smtClean="0"/>
-                        <a:t>Zipkin</a:t>
+                        <a:t>Sleuth</a:t>
                       </a:r>
                       <a:endParaRPr lang="en-US" dirty="0"/>
                     </a:p>
@@ -13875,15 +13549,7 @@
                             <a:srgbClr val="00B050"/>
                           </a:solidFill>
                         </a:rPr>
-                        <a:t>Not</a:t>
-                      </a:r>
-                      <a:r>
-                        <a:rPr lang="en-US" baseline="0" dirty="0" smtClean="0">
-                          <a:solidFill>
-                            <a:srgbClr val="00B050"/>
-                          </a:solidFill>
-                        </a:rPr>
-                        <a:t> started</a:t>
+                        <a:t>Done</a:t>
                       </a:r>
                       <a:endParaRPr lang="en-US" dirty="0">
                         <a:solidFill>
@@ -13906,6 +13572,10 @@
                     <a:bodyPr/>
                     <a:lstStyle/>
                     <a:p>
+                      <a:r>
+                        <a:rPr lang="en-US" dirty="0" smtClean="0"/>
+                        <a:t>2</a:t>
+                      </a:r>
                       <a:endParaRPr lang="en-US" dirty="0"/>
                     </a:p>
                   </a:txBody>
@@ -13916,6 +13586,14 @@
                     <a:bodyPr/>
                     <a:lstStyle/>
                     <a:p>
+                      <a:r>
+                        <a:rPr lang="en-US" dirty="0" smtClean="0"/>
+                        <a:t>Centralized</a:t>
+                      </a:r>
+                      <a:r>
+                        <a:rPr lang="en-US" baseline="0" dirty="0" smtClean="0"/>
+                        <a:t> Log Monitoring</a:t>
+                      </a:r>
                       <a:endParaRPr lang="en-US" dirty="0"/>
                     </a:p>
                   </a:txBody>
@@ -13926,6 +13604,27 @@
                     <a:bodyPr/>
                     <a:lstStyle/>
                     <a:p>
+                      <a:pPr marL="0" marR="0" lvl="0" indent="0" algn="l" defTabSz="914400" rtl="0" eaLnBrk="1" fontAlgn="auto" latinLnBrk="0" hangingPunct="1">
+                        <a:lnSpc>
+                          <a:spcPct val="100000"/>
+                        </a:lnSpc>
+                        <a:spcBef>
+                          <a:spcPts val="0"/>
+                        </a:spcBef>
+                        <a:spcAft>
+                          <a:spcPts val="0"/>
+                        </a:spcAft>
+                        <a:buClrTx/>
+                        <a:buSzTx/>
+                        <a:buFontTx/>
+                        <a:buNone/>
+                        <a:tabLst/>
+                        <a:defRPr/>
+                      </a:pPr>
+                      <a:r>
+                        <a:rPr lang="en-US" baseline="0" dirty="0" err="1" smtClean="0"/>
+                        <a:t>Zipkin</a:t>
+                      </a:r>
                       <a:endParaRPr lang="en-US" dirty="0"/>
                     </a:p>
                   </a:txBody>
@@ -13936,6 +13635,160 @@
                     <a:bodyPr/>
                     <a:lstStyle/>
                     <a:p>
+                      <a:pPr marL="0" marR="0" lvl="0" indent="0" algn="l" defTabSz="914400" rtl="0" eaLnBrk="1" fontAlgn="auto" latinLnBrk="0" hangingPunct="1">
+                        <a:lnSpc>
+                          <a:spcPct val="100000"/>
+                        </a:lnSpc>
+                        <a:spcBef>
+                          <a:spcPts val="0"/>
+                        </a:spcBef>
+                        <a:spcAft>
+                          <a:spcPts val="0"/>
+                        </a:spcAft>
+                        <a:buClrTx/>
+                        <a:buSzTx/>
+                        <a:buFontTx/>
+                        <a:buNone/>
+                        <a:tabLst/>
+                        <a:defRPr/>
+                      </a:pPr>
+                      <a:r>
+                        <a:rPr lang="en-US" dirty="0" smtClean="0">
+                          <a:solidFill>
+                            <a:srgbClr val="FF0000"/>
+                          </a:solidFill>
+                        </a:rPr>
+                        <a:t>Not</a:t>
+                      </a:r>
+                      <a:r>
+                        <a:rPr lang="en-US" baseline="0" dirty="0" smtClean="0">
+                          <a:solidFill>
+                            <a:srgbClr val="FF0000"/>
+                          </a:solidFill>
+                        </a:rPr>
+                        <a:t> started</a:t>
+                      </a:r>
+                      <a:endParaRPr lang="en-US" dirty="0">
+                        <a:solidFill>
+                          <a:srgbClr val="FF0000"/>
+                        </a:solidFill>
+                      </a:endParaRPr>
+                    </a:p>
+                  </a:txBody>
+                  <a:tcPr/>
+                </a:tc>
+                <a:extLst>
+                  <a:ext uri="{0D108BD9-81ED-4DB2-BD59-A6C34878D82A}">
+                    <a16:rowId xmlns:a16="http://schemas.microsoft.com/office/drawing/2014/main" val="3910411629"/>
+                  </a:ext>
+                </a:extLst>
+              </a:tr>
+              <a:tr h="370840">
+                <a:tc>
+                  <a:txBody>
+                    <a:bodyPr/>
+                    <a:lstStyle/>
+                    <a:p>
+                      <a:r>
+                        <a:rPr lang="en-US" dirty="0" smtClean="0"/>
+                        <a:t>3</a:t>
+                      </a:r>
+                      <a:endParaRPr lang="en-US" dirty="0"/>
+                    </a:p>
+                  </a:txBody>
+                  <a:tcPr/>
+                </a:tc>
+                <a:tc>
+                  <a:txBody>
+                    <a:bodyPr/>
+                    <a:lstStyle/>
+                    <a:p>
+                      <a:pPr marL="0" marR="0" lvl="0" indent="0" algn="l" defTabSz="914400" rtl="0" eaLnBrk="1" fontAlgn="auto" latinLnBrk="0" hangingPunct="1">
+                        <a:lnSpc>
+                          <a:spcPct val="100000"/>
+                        </a:lnSpc>
+                        <a:spcBef>
+                          <a:spcPts val="0"/>
+                        </a:spcBef>
+                        <a:spcAft>
+                          <a:spcPts val="0"/>
+                        </a:spcAft>
+                        <a:buClrTx/>
+                        <a:buSzTx/>
+                        <a:buFontTx/>
+                        <a:buNone/>
+                        <a:tabLst/>
+                        <a:defRPr/>
+                      </a:pPr>
+                      <a:r>
+                        <a:rPr lang="en-US" dirty="0" smtClean="0"/>
+                        <a:t>Non</a:t>
+                      </a:r>
+                      <a:r>
+                        <a:rPr lang="en-US" baseline="0" dirty="0" smtClean="0"/>
+                        <a:t> NIO based API Gateway ( </a:t>
+                      </a:r>
+                      <a:r>
+                        <a:rPr lang="en-US" baseline="0" dirty="0" err="1" smtClean="0"/>
+                        <a:t>Zull</a:t>
+                      </a:r>
+                      <a:r>
+                        <a:rPr lang="en-US" baseline="0" dirty="0" smtClean="0"/>
+                        <a:t> )</a:t>
+                      </a:r>
+                      <a:endParaRPr lang="en-US" dirty="0"/>
+                    </a:p>
+                  </a:txBody>
+                  <a:tcPr/>
+                </a:tc>
+                <a:tc>
+                  <a:txBody>
+                    <a:bodyPr/>
+                    <a:lstStyle/>
+                    <a:p>
+                      <a:r>
+                        <a:rPr lang="en-US" dirty="0" err="1" smtClean="0"/>
+                        <a:t>Zull</a:t>
+                      </a:r>
+                      <a:r>
+                        <a:rPr lang="en-US" baseline="0" dirty="0" smtClean="0"/>
+                        <a:t> setup and integration with Eureka </a:t>
+                      </a:r>
+                      <a:endParaRPr lang="en-US" dirty="0"/>
+                    </a:p>
+                  </a:txBody>
+                  <a:tcPr/>
+                </a:tc>
+                <a:tc>
+                  <a:txBody>
+                    <a:bodyPr/>
+                    <a:lstStyle/>
+                    <a:p>
+                      <a:pPr marL="0" marR="0" lvl="0" indent="0" algn="l" defTabSz="914400" rtl="0" eaLnBrk="1" fontAlgn="auto" latinLnBrk="0" hangingPunct="1">
+                        <a:lnSpc>
+                          <a:spcPct val="100000"/>
+                        </a:lnSpc>
+                        <a:spcBef>
+                          <a:spcPts val="0"/>
+                        </a:spcBef>
+                        <a:spcAft>
+                          <a:spcPts val="0"/>
+                        </a:spcAft>
+                        <a:buClrTx/>
+                        <a:buSzTx/>
+                        <a:buFontTx/>
+                        <a:buNone/>
+                        <a:tabLst/>
+                        <a:defRPr/>
+                      </a:pPr>
+                      <a:r>
+                        <a:rPr lang="en-US" dirty="0" smtClean="0">
+                          <a:solidFill>
+                            <a:srgbClr val="00B050"/>
+                          </a:solidFill>
+                        </a:rPr>
+                        <a:t>Done</a:t>
+                      </a:r>
                       <a:endParaRPr lang="en-US" dirty="0">
                         <a:solidFill>
                           <a:srgbClr val="00B050"/>
@@ -13957,6 +13810,136 @@
                     <a:bodyPr/>
                     <a:lstStyle/>
                     <a:p>
+                      <a:r>
+                        <a:rPr lang="en-US" dirty="0" smtClean="0"/>
+                        <a:t>4</a:t>
+                      </a:r>
+                      <a:endParaRPr lang="en-US" dirty="0"/>
+                    </a:p>
+                  </a:txBody>
+                  <a:tcPr/>
+                </a:tc>
+                <a:tc>
+                  <a:txBody>
+                    <a:bodyPr/>
+                    <a:lstStyle/>
+                    <a:p>
+                      <a:r>
+                        <a:rPr lang="en-US" dirty="0" smtClean="0"/>
+                        <a:t>Centralizing</a:t>
+                      </a:r>
+                      <a:r>
+                        <a:rPr lang="en-US" baseline="0" dirty="0" smtClean="0"/>
+                        <a:t> </a:t>
+                      </a:r>
+                      <a:r>
+                        <a:rPr lang="en-US" baseline="0" dirty="0" err="1" smtClean="0"/>
+                        <a:t>Microservice</a:t>
+                      </a:r>
+                      <a:r>
+                        <a:rPr lang="en-US" baseline="0" dirty="0" smtClean="0"/>
+                        <a:t> security in API Gateway ( Single point of Security )</a:t>
+                      </a:r>
+                      <a:endParaRPr lang="en-US" dirty="0"/>
+                    </a:p>
+                  </a:txBody>
+                  <a:tcPr/>
+                </a:tc>
+                <a:tc>
+                  <a:txBody>
+                    <a:bodyPr/>
+                    <a:lstStyle/>
+                    <a:p>
+                      <a:r>
+                        <a:rPr lang="en-US" dirty="0" smtClean="0"/>
+                        <a:t>Decoupling</a:t>
+                      </a:r>
+                      <a:r>
+                        <a:rPr lang="en-US" baseline="0" dirty="0" smtClean="0"/>
+                        <a:t> security code from individual micro services and bringing that to API Gateway.</a:t>
+                      </a:r>
+                      <a:endParaRPr lang="en-US" dirty="0"/>
+                    </a:p>
+                  </a:txBody>
+                  <a:tcPr/>
+                </a:tc>
+                <a:tc>
+                  <a:txBody>
+                    <a:bodyPr/>
+                    <a:lstStyle/>
+                    <a:p>
+                      <a:pPr marL="0" marR="0" lvl="0" indent="0" algn="l" defTabSz="914400" rtl="0" eaLnBrk="1" fontAlgn="auto" latinLnBrk="0" hangingPunct="1">
+                        <a:lnSpc>
+                          <a:spcPct val="100000"/>
+                        </a:lnSpc>
+                        <a:spcBef>
+                          <a:spcPts val="0"/>
+                        </a:spcBef>
+                        <a:spcAft>
+                          <a:spcPts val="0"/>
+                        </a:spcAft>
+                        <a:buClrTx/>
+                        <a:buSzTx/>
+                        <a:buFontTx/>
+                        <a:buNone/>
+                        <a:tabLst/>
+                        <a:defRPr/>
+                      </a:pPr>
+                      <a:r>
+                        <a:rPr lang="en-US" dirty="0" smtClean="0">
+                          <a:solidFill>
+                            <a:srgbClr val="00B050"/>
+                          </a:solidFill>
+                        </a:rPr>
+                        <a:t>Done</a:t>
+                      </a:r>
+                    </a:p>
+                    <a:p>
+                      <a:endParaRPr lang="en-US" dirty="0">
+                        <a:solidFill>
+                          <a:schemeClr val="accent2">
+                            <a:lumMod val="75000"/>
+                          </a:schemeClr>
+                        </a:solidFill>
+                      </a:endParaRPr>
+                    </a:p>
+                  </a:txBody>
+                  <a:tcPr/>
+                </a:tc>
+                <a:extLst>
+                  <a:ext uri="{0D108BD9-81ED-4DB2-BD59-A6C34878D82A}">
+                    <a16:rowId xmlns:a16="http://schemas.microsoft.com/office/drawing/2014/main" val="3697532717"/>
+                  </a:ext>
+                </a:extLst>
+              </a:tr>
+              <a:tr h="370840">
+                <a:tc>
+                  <a:txBody>
+                    <a:bodyPr/>
+                    <a:lstStyle/>
+                    <a:p>
+                      <a:r>
+                        <a:rPr lang="en-US" dirty="0" smtClean="0"/>
+                        <a:t>5</a:t>
+                      </a:r>
+                      <a:endParaRPr lang="en-US" dirty="0"/>
+                    </a:p>
+                  </a:txBody>
+                  <a:tcPr/>
+                </a:tc>
+                <a:tc>
+                  <a:txBody>
+                    <a:bodyPr/>
+                    <a:lstStyle/>
+                    <a:p>
+                      <a:r>
+                        <a:rPr lang="en-US" dirty="0" smtClean="0"/>
+                        <a:t>Centralized</a:t>
+                      </a:r>
+                      <a:r>
+                        <a:rPr lang="en-US" baseline="0" dirty="0" smtClean="0"/>
+                        <a:t> Authorization</a:t>
+                      </a:r>
                       <a:endParaRPr lang="en-US" dirty="0"/>
                     </a:p>
                   </a:txBody>
@@ -13977,15 +13960,45 @@
                     <a:bodyPr/>
                     <a:lstStyle/>
                     <a:p>
-                      <a:endParaRPr lang="en-US" dirty="0"/>
+                      <a:pPr marL="0" marR="0" lvl="0" indent="0" algn="l" defTabSz="914400" rtl="0" eaLnBrk="1" fontAlgn="auto" latinLnBrk="0" hangingPunct="1">
+                        <a:lnSpc>
+                          <a:spcPct val="100000"/>
+                        </a:lnSpc>
+                        <a:spcBef>
+                          <a:spcPts val="0"/>
+                        </a:spcBef>
+                        <a:spcAft>
+                          <a:spcPts val="0"/>
+                        </a:spcAft>
+                        <a:buClrTx/>
+                        <a:buSzTx/>
+                        <a:buFontTx/>
+                        <a:buNone/>
+                        <a:tabLst/>
+                        <a:defRPr/>
+                      </a:pPr>
+                      <a:r>
+                        <a:rPr lang="en-US" dirty="0" smtClean="0">
+                          <a:solidFill>
+                            <a:srgbClr val="FF0000"/>
+                          </a:solidFill>
+                        </a:rPr>
+                        <a:t>Not</a:t>
+                      </a:r>
+                      <a:r>
+                        <a:rPr lang="en-US" baseline="0" dirty="0" smtClean="0">
+                          <a:solidFill>
+                            <a:srgbClr val="FF0000"/>
+                          </a:solidFill>
+                        </a:rPr>
+                        <a:t> started</a:t>
+                      </a:r>
+                      <a:endParaRPr lang="en-US" dirty="0" smtClean="0">
+                        <a:solidFill>
+                          <a:srgbClr val="FF0000"/>
+                        </a:solidFill>
+                      </a:endParaRPr>
                     </a:p>
-                  </a:txBody>
-                  <a:tcPr/>
-                </a:tc>
-                <a:tc>
-                  <a:txBody>
-                    <a:bodyPr/>
-                    <a:lstStyle/>
                     <a:p>
                       <a:endParaRPr lang="en-US" dirty="0">
                         <a:solidFill>
@@ -14000,11 +14013,11 @@
                 </a:tc>
                 <a:extLst>
                   <a:ext uri="{0D108BD9-81ED-4DB2-BD59-A6C34878D82A}">
-                    <a16:rowId xmlns:a16="http://schemas.microsoft.com/office/drawing/2014/main" val="3697532717"/>
+                    <a16:rowId xmlns:a16="http://schemas.microsoft.com/office/drawing/2014/main" val="2107741225"/>
                   </a:ext>
                 </a:extLst>
               </a:tr>
-              <a:tr h="432109">
+              <a:tr h="370840">
                 <a:tc>
                   <a:txBody>
                     <a:bodyPr/>
@@ -14020,6 +14033,106 @@
                     <a:bodyPr/>
                     <a:lstStyle/>
                     <a:p>
+                      <a:r>
+                        <a:rPr lang="en-US" dirty="0" smtClean="0"/>
+                        <a:t>Centralized Circuit Breaker</a:t>
+                      </a:r>
+                      <a:endParaRPr lang="en-US" dirty="0"/>
+                    </a:p>
+                  </a:txBody>
+                  <a:tcPr/>
+                </a:tc>
+                <a:tc>
+                  <a:txBody>
+                    <a:bodyPr/>
+                    <a:lstStyle/>
+                    <a:p>
+                      <a:r>
+                        <a:rPr lang="en-US" dirty="0" err="1" smtClean="0"/>
+                        <a:t>Zull+Hystrix</a:t>
+                      </a:r>
+                      <a:endParaRPr lang="en-US" dirty="0"/>
+                    </a:p>
+                  </a:txBody>
+                  <a:tcPr/>
+                </a:tc>
+                <a:tc>
+                  <a:txBody>
+                    <a:bodyPr/>
+                    <a:lstStyle/>
+                    <a:p>
+                      <a:pPr marL="0" marR="0" lvl="0" indent="0" algn="l" defTabSz="914400" rtl="0" eaLnBrk="1" fontAlgn="auto" latinLnBrk="0" hangingPunct="1">
+                        <a:lnSpc>
+                          <a:spcPct val="100000"/>
+                        </a:lnSpc>
+                        <a:spcBef>
+                          <a:spcPts val="0"/>
+                        </a:spcBef>
+                        <a:spcAft>
+                          <a:spcPts val="0"/>
+                        </a:spcAft>
+                        <a:buClrTx/>
+                        <a:buSzTx/>
+                        <a:buFontTx/>
+                        <a:buNone/>
+                        <a:tabLst/>
+                        <a:defRPr/>
+                      </a:pPr>
+                      <a:r>
+                        <a:rPr lang="en-US" dirty="0" smtClean="0">
+                          <a:solidFill>
+                            <a:srgbClr val="FF0000"/>
+                          </a:solidFill>
+                        </a:rPr>
+                        <a:t>Not</a:t>
+                      </a:r>
+                      <a:r>
+                        <a:rPr lang="en-US" baseline="0" dirty="0" smtClean="0">
+                          <a:solidFill>
+                            <a:srgbClr val="FF0000"/>
+                          </a:solidFill>
+                        </a:rPr>
+                        <a:t> started</a:t>
+                      </a:r>
+                      <a:endParaRPr lang="en-US" dirty="0" smtClean="0">
+                        <a:solidFill>
+                          <a:srgbClr val="FF0000"/>
+                        </a:solidFill>
+                      </a:endParaRPr>
+                    </a:p>
+                  </a:txBody>
+                  <a:tcPr/>
+                </a:tc>
+                <a:extLst>
+                  <a:ext uri="{0D108BD9-81ED-4DB2-BD59-A6C34878D82A}">
+                    <a16:rowId xmlns:a16="http://schemas.microsoft.com/office/drawing/2014/main" val="2298198675"/>
+                  </a:ext>
+                </a:extLst>
+              </a:tr>
+              <a:tr h="432109">
+                <a:tc>
+                  <a:txBody>
+                    <a:bodyPr/>
+                    <a:lstStyle/>
+                    <a:p>
+                      <a:r>
+                        <a:rPr lang="en-US" dirty="0" smtClean="0"/>
+                        <a:t>6</a:t>
+                      </a:r>
+                      <a:endParaRPr lang="en-US" dirty="0"/>
+                    </a:p>
+                  </a:txBody>
+                  <a:tcPr/>
+                </a:tc>
+                <a:tc>
+                  <a:txBody>
+                    <a:bodyPr/>
+                    <a:lstStyle/>
+                    <a:p>
+                      <a:r>
+                        <a:rPr lang="en-US" dirty="0" smtClean="0"/>
+                        <a:t>Spring Cloud / NIO based API Gateway</a:t>
+                      </a:r>
                       <a:endParaRPr lang="en-US" dirty="0"/>
                     </a:p>
                   </a:txBody>
@@ -14414,7 +14527,7 @@
           <a:p>
             <a:r>
               <a:rPr lang="en-US" dirty="0" smtClean="0"/>
-              <a:t>Next Step : Distributed Logging</a:t>
+              <a:t>Learning Plan – Part 3</a:t>
             </a:r>
             <a:endParaRPr lang="en-US" dirty="0"/>
           </a:p>
@@ -15866,6 +15979,2691 @@
           <a:chExt cx="0" cy="0"/>
         </a:xfrm>
       </p:grpSpPr>
+      <p:sp>
+        <p:nvSpPr>
+          <p:cNvPr id="4" name="Rectangle 3"/>
+          <p:cNvSpPr/>
+          <p:nvPr/>
+        </p:nvSpPr>
+        <p:spPr>
+          <a:xfrm>
+            <a:off x="2251364" y="692340"/>
+            <a:ext cx="1537855" cy="804341"/>
+          </a:xfrm>
+          <a:prstGeom prst="rect">
+            <a:avLst/>
+          </a:prstGeom>
+        </p:spPr>
+        <p:style>
+          <a:lnRef idx="2">
+            <a:schemeClr val="accent1">
+              <a:shade val="50000"/>
+            </a:schemeClr>
+          </a:lnRef>
+          <a:fillRef idx="1">
+            <a:schemeClr val="accent1"/>
+          </a:fillRef>
+          <a:effectRef idx="0">
+            <a:schemeClr val="accent1"/>
+          </a:effectRef>
+          <a:fontRef idx="minor">
+            <a:schemeClr val="lt1"/>
+          </a:fontRef>
+        </p:style>
+        <p:txBody>
+          <a:bodyPr rtlCol="0" anchor="ctr"/>
+          <a:lstStyle/>
+          <a:p>
+            <a:pPr algn="ctr"/>
+            <a:r>
+              <a:rPr lang="en-US" dirty="0" smtClean="0"/>
+              <a:t>EUREKA SERVER</a:t>
+            </a:r>
+            <a:endParaRPr lang="en-US" dirty="0"/>
+          </a:p>
+        </p:txBody>
+      </p:sp>
+      <p:sp>
+        <p:nvSpPr>
+          <p:cNvPr id="5" name="Rectangle 4"/>
+          <p:cNvSpPr/>
+          <p:nvPr/>
+        </p:nvSpPr>
+        <p:spPr>
+          <a:xfrm>
+            <a:off x="2195946" y="2999121"/>
+            <a:ext cx="1537855" cy="804341"/>
+          </a:xfrm>
+          <a:prstGeom prst="rect">
+            <a:avLst/>
+          </a:prstGeom>
+        </p:spPr>
+        <p:style>
+          <a:lnRef idx="2">
+            <a:schemeClr val="accent1">
+              <a:shade val="50000"/>
+            </a:schemeClr>
+          </a:lnRef>
+          <a:fillRef idx="1">
+            <a:schemeClr val="accent1"/>
+          </a:fillRef>
+          <a:effectRef idx="0">
+            <a:schemeClr val="accent1"/>
+          </a:effectRef>
+          <a:fontRef idx="minor">
+            <a:schemeClr val="lt1"/>
+          </a:fontRef>
+        </p:style>
+        <p:txBody>
+          <a:bodyPr rtlCol="0" anchor="ctr"/>
+          <a:lstStyle/>
+          <a:p>
+            <a:pPr algn="ctr"/>
+            <a:r>
+              <a:rPr lang="en-US" dirty="0" smtClean="0"/>
+              <a:t>ZULL  SERVER</a:t>
+            </a:r>
+            <a:endParaRPr lang="en-US" dirty="0"/>
+          </a:p>
+        </p:txBody>
+      </p:sp>
+      <p:sp>
+        <p:nvSpPr>
+          <p:cNvPr id="6" name="Rectangle 5"/>
+          <p:cNvSpPr/>
+          <p:nvPr/>
+        </p:nvSpPr>
+        <p:spPr>
+          <a:xfrm>
+            <a:off x="6906490" y="1281158"/>
+            <a:ext cx="1683328" cy="804341"/>
+          </a:xfrm>
+          <a:prstGeom prst="rect">
+            <a:avLst/>
+          </a:prstGeom>
+        </p:spPr>
+        <p:style>
+          <a:lnRef idx="2">
+            <a:schemeClr val="accent1">
+              <a:shade val="50000"/>
+            </a:schemeClr>
+          </a:lnRef>
+          <a:fillRef idx="1">
+            <a:schemeClr val="accent1"/>
+          </a:fillRef>
+          <a:effectRef idx="0">
+            <a:schemeClr val="accent1"/>
+          </a:effectRef>
+          <a:fontRef idx="minor">
+            <a:schemeClr val="lt1"/>
+          </a:fontRef>
+        </p:style>
+        <p:txBody>
+          <a:bodyPr rtlCol="0" anchor="ctr"/>
+          <a:lstStyle/>
+          <a:p>
+            <a:pPr algn="ctr"/>
+            <a:r>
+              <a:rPr lang="en-US" dirty="0"/>
+              <a:t>View User Service</a:t>
+            </a:r>
+            <a:endParaRPr lang="en-US" dirty="0"/>
+          </a:p>
+        </p:txBody>
+      </p:sp>
+      <p:sp>
+        <p:nvSpPr>
+          <p:cNvPr id="7" name="Rectangle 6"/>
+          <p:cNvSpPr/>
+          <p:nvPr/>
+        </p:nvSpPr>
+        <p:spPr>
+          <a:xfrm>
+            <a:off x="6851075" y="2944808"/>
+            <a:ext cx="1683328" cy="804341"/>
+          </a:xfrm>
+          <a:prstGeom prst="rect">
+            <a:avLst/>
+          </a:prstGeom>
+        </p:spPr>
+        <p:style>
+          <a:lnRef idx="2">
+            <a:schemeClr val="accent1">
+              <a:shade val="50000"/>
+            </a:schemeClr>
+          </a:lnRef>
+          <a:fillRef idx="1">
+            <a:schemeClr val="accent1"/>
+          </a:fillRef>
+          <a:effectRef idx="0">
+            <a:schemeClr val="accent1"/>
+          </a:effectRef>
+          <a:fontRef idx="minor">
+            <a:schemeClr val="lt1"/>
+          </a:fontRef>
+        </p:style>
+        <p:txBody>
+          <a:bodyPr rtlCol="0" anchor="ctr"/>
+          <a:lstStyle/>
+          <a:p>
+            <a:pPr algn="ctr"/>
+            <a:r>
+              <a:rPr lang="en-US" dirty="0" smtClean="0"/>
+              <a:t>Create Service</a:t>
+            </a:r>
+            <a:endParaRPr lang="en-US" dirty="0"/>
+          </a:p>
+        </p:txBody>
+      </p:sp>
+      <p:sp>
+        <p:nvSpPr>
+          <p:cNvPr id="8" name="Rectangle 7"/>
+          <p:cNvSpPr/>
+          <p:nvPr/>
+        </p:nvSpPr>
+        <p:spPr>
+          <a:xfrm>
+            <a:off x="5119254" y="5077846"/>
+            <a:ext cx="1683328" cy="804341"/>
+          </a:xfrm>
+          <a:prstGeom prst="rect">
+            <a:avLst/>
+          </a:prstGeom>
+        </p:spPr>
+        <p:style>
+          <a:lnRef idx="2">
+            <a:schemeClr val="accent1">
+              <a:shade val="50000"/>
+            </a:schemeClr>
+          </a:lnRef>
+          <a:fillRef idx="1">
+            <a:schemeClr val="accent1"/>
+          </a:fillRef>
+          <a:effectRef idx="0">
+            <a:schemeClr val="accent1"/>
+          </a:effectRef>
+          <a:fontRef idx="minor">
+            <a:schemeClr val="lt1"/>
+          </a:fontRef>
+        </p:style>
+        <p:txBody>
+          <a:bodyPr rtlCol="0" anchor="ctr"/>
+          <a:lstStyle/>
+          <a:p>
+            <a:pPr algn="ctr"/>
+            <a:r>
+              <a:rPr lang="en-US" dirty="0" smtClean="0"/>
+              <a:t>Update Service</a:t>
+            </a:r>
+            <a:endParaRPr lang="en-US" dirty="0"/>
+          </a:p>
+        </p:txBody>
+      </p:sp>
+      <p:sp>
+        <p:nvSpPr>
+          <p:cNvPr id="9" name="TextBox 8"/>
+          <p:cNvSpPr txBox="1"/>
+          <p:nvPr/>
+        </p:nvSpPr>
+        <p:spPr>
+          <a:xfrm>
+            <a:off x="2195946" y="4007083"/>
+            <a:ext cx="1655619" cy="252259"/>
+          </a:xfrm>
+          <a:prstGeom prst="rect">
+            <a:avLst/>
+          </a:prstGeom>
+          <a:noFill/>
+        </p:spPr>
+        <p:txBody>
+          <a:bodyPr wrap="square" rtlCol="0">
+            <a:spAutoFit/>
+          </a:bodyPr>
+          <a:lstStyle/>
+          <a:p>
+            <a:r>
+              <a:rPr lang="en-US" dirty="0" smtClean="0"/>
+              <a:t>EUREKA CLIENT</a:t>
+            </a:r>
+            <a:endParaRPr lang="en-US" dirty="0"/>
+          </a:p>
+        </p:txBody>
+      </p:sp>
+      <p:sp>
+        <p:nvSpPr>
+          <p:cNvPr id="10" name="TextBox 9"/>
+          <p:cNvSpPr txBox="1"/>
+          <p:nvPr/>
+        </p:nvSpPr>
+        <p:spPr>
+          <a:xfrm>
+            <a:off x="6934199" y="2330683"/>
+            <a:ext cx="1655619" cy="252259"/>
+          </a:xfrm>
+          <a:prstGeom prst="rect">
+            <a:avLst/>
+          </a:prstGeom>
+          <a:noFill/>
+        </p:spPr>
+        <p:txBody>
+          <a:bodyPr wrap="square" rtlCol="0">
+            <a:spAutoFit/>
+          </a:bodyPr>
+          <a:lstStyle/>
+          <a:p>
+            <a:r>
+              <a:rPr lang="en-US" dirty="0" smtClean="0"/>
+              <a:t>EUREKA CLIENT</a:t>
+            </a:r>
+            <a:endParaRPr lang="en-US" dirty="0"/>
+          </a:p>
+        </p:txBody>
+      </p:sp>
+      <p:sp>
+        <p:nvSpPr>
+          <p:cNvPr id="11" name="TextBox 10"/>
+          <p:cNvSpPr txBox="1"/>
+          <p:nvPr/>
+        </p:nvSpPr>
+        <p:spPr>
+          <a:xfrm>
+            <a:off x="6920344" y="4007083"/>
+            <a:ext cx="1655619" cy="252259"/>
+          </a:xfrm>
+          <a:prstGeom prst="rect">
+            <a:avLst/>
+          </a:prstGeom>
+          <a:noFill/>
+        </p:spPr>
+        <p:txBody>
+          <a:bodyPr wrap="square" rtlCol="0">
+            <a:spAutoFit/>
+          </a:bodyPr>
+          <a:lstStyle/>
+          <a:p>
+            <a:r>
+              <a:rPr lang="en-US" dirty="0" smtClean="0"/>
+              <a:t>EUREKA CLIENT</a:t>
+            </a:r>
+            <a:endParaRPr lang="en-US" dirty="0"/>
+          </a:p>
+        </p:txBody>
+      </p:sp>
+      <p:sp>
+        <p:nvSpPr>
+          <p:cNvPr id="13" name="TextBox 12"/>
+          <p:cNvSpPr txBox="1"/>
+          <p:nvPr/>
+        </p:nvSpPr>
+        <p:spPr>
+          <a:xfrm>
+            <a:off x="2195946" y="2460115"/>
+            <a:ext cx="1655619" cy="252259"/>
+          </a:xfrm>
+          <a:prstGeom prst="rect">
+            <a:avLst/>
+          </a:prstGeom>
+          <a:noFill/>
+        </p:spPr>
+        <p:txBody>
+          <a:bodyPr wrap="square" rtlCol="0">
+            <a:spAutoFit/>
+          </a:bodyPr>
+          <a:lstStyle/>
+          <a:p>
+            <a:r>
+              <a:rPr lang="en-US" dirty="0" smtClean="0"/>
+              <a:t>API GATEWAY</a:t>
+            </a:r>
+            <a:endParaRPr lang="en-US" dirty="0"/>
+          </a:p>
+        </p:txBody>
+      </p:sp>
+      <p:sp>
+        <p:nvSpPr>
+          <p:cNvPr id="14" name="TextBox 13"/>
+          <p:cNvSpPr txBox="1"/>
+          <p:nvPr/>
+        </p:nvSpPr>
+        <p:spPr>
+          <a:xfrm>
+            <a:off x="2195946" y="4376415"/>
+            <a:ext cx="1655619" cy="252259"/>
+          </a:xfrm>
+          <a:prstGeom prst="rect">
+            <a:avLst/>
+          </a:prstGeom>
+          <a:noFill/>
+        </p:spPr>
+        <p:txBody>
+          <a:bodyPr wrap="square" rtlCol="0">
+            <a:spAutoFit/>
+          </a:bodyPr>
+          <a:lstStyle/>
+          <a:p>
+            <a:r>
+              <a:rPr lang="en-US" dirty="0" smtClean="0"/>
+              <a:t>ROUTING</a:t>
+            </a:r>
+            <a:endParaRPr lang="en-US" dirty="0"/>
+          </a:p>
+        </p:txBody>
+      </p:sp>
+      <p:sp>
+        <p:nvSpPr>
+          <p:cNvPr id="15" name="TextBox 14"/>
+          <p:cNvSpPr txBox="1"/>
+          <p:nvPr/>
+        </p:nvSpPr>
+        <p:spPr>
+          <a:xfrm>
+            <a:off x="2195946" y="4745747"/>
+            <a:ext cx="1655619" cy="252259"/>
+          </a:xfrm>
+          <a:prstGeom prst="rect">
+            <a:avLst/>
+          </a:prstGeom>
+          <a:noFill/>
+        </p:spPr>
+        <p:txBody>
+          <a:bodyPr wrap="square" rtlCol="0">
+            <a:spAutoFit/>
+          </a:bodyPr>
+          <a:lstStyle/>
+          <a:p>
+            <a:r>
+              <a:rPr lang="en-US" dirty="0" smtClean="0"/>
+              <a:t>ENTRY POINT</a:t>
+            </a:r>
+            <a:endParaRPr lang="en-US" dirty="0"/>
+          </a:p>
+        </p:txBody>
+      </p:sp>
+      <p:sp>
+        <p:nvSpPr>
+          <p:cNvPr id="16" name="TextBox 15"/>
+          <p:cNvSpPr txBox="1"/>
+          <p:nvPr/>
+        </p:nvSpPr>
+        <p:spPr>
+          <a:xfrm>
+            <a:off x="2251364" y="1769575"/>
+            <a:ext cx="2029691" cy="252259"/>
+          </a:xfrm>
+          <a:prstGeom prst="rect">
+            <a:avLst/>
+          </a:prstGeom>
+          <a:noFill/>
+        </p:spPr>
+        <p:txBody>
+          <a:bodyPr wrap="square" rtlCol="0">
+            <a:spAutoFit/>
+          </a:bodyPr>
+          <a:lstStyle/>
+          <a:p>
+            <a:r>
+              <a:rPr lang="en-US" dirty="0" smtClean="0"/>
+              <a:t>SERVICE REGISTRY</a:t>
+            </a:r>
+            <a:endParaRPr lang="en-US" dirty="0"/>
+          </a:p>
+        </p:txBody>
+      </p:sp>
+      <p:sp>
+        <p:nvSpPr>
+          <p:cNvPr id="17" name="TextBox 16"/>
+          <p:cNvSpPr txBox="1"/>
+          <p:nvPr/>
+        </p:nvSpPr>
+        <p:spPr>
+          <a:xfrm>
+            <a:off x="2251363" y="2009660"/>
+            <a:ext cx="2611582" cy="252259"/>
+          </a:xfrm>
+          <a:prstGeom prst="rect">
+            <a:avLst/>
+          </a:prstGeom>
+          <a:noFill/>
+        </p:spPr>
+        <p:txBody>
+          <a:bodyPr wrap="square" rtlCol="0">
+            <a:spAutoFit/>
+          </a:bodyPr>
+          <a:lstStyle/>
+          <a:p>
+            <a:r>
+              <a:rPr lang="en-US" dirty="0" smtClean="0"/>
+              <a:t>SERVICE DISCOVERY</a:t>
+            </a:r>
+            <a:endParaRPr lang="en-US" dirty="0"/>
+          </a:p>
+        </p:txBody>
+      </p:sp>
+      <p:sp>
+        <p:nvSpPr>
+          <p:cNvPr id="20" name="TextBox 19"/>
+          <p:cNvSpPr txBox="1"/>
+          <p:nvPr/>
+        </p:nvSpPr>
+        <p:spPr>
+          <a:xfrm>
+            <a:off x="2251363" y="224792"/>
+            <a:ext cx="1600202" cy="252259"/>
+          </a:xfrm>
+          <a:prstGeom prst="rect">
+            <a:avLst/>
+          </a:prstGeom>
+          <a:noFill/>
+        </p:spPr>
+        <p:txBody>
+          <a:bodyPr wrap="square" rtlCol="0">
+            <a:spAutoFit/>
+          </a:bodyPr>
+          <a:lstStyle/>
+          <a:p>
+            <a:r>
+              <a:rPr lang="en-US" dirty="0" smtClean="0"/>
+              <a:t>PORT : 8090</a:t>
+            </a:r>
+            <a:endParaRPr lang="en-US" dirty="0"/>
+          </a:p>
+        </p:txBody>
+      </p:sp>
+      <p:sp>
+        <p:nvSpPr>
+          <p:cNvPr id="21" name="TextBox 20"/>
+          <p:cNvSpPr txBox="1"/>
+          <p:nvPr/>
+        </p:nvSpPr>
+        <p:spPr>
+          <a:xfrm>
+            <a:off x="2220190" y="5080625"/>
+            <a:ext cx="1600202" cy="252259"/>
+          </a:xfrm>
+          <a:prstGeom prst="rect">
+            <a:avLst/>
+          </a:prstGeom>
+          <a:noFill/>
+        </p:spPr>
+        <p:txBody>
+          <a:bodyPr wrap="square" rtlCol="0">
+            <a:spAutoFit/>
+          </a:bodyPr>
+          <a:lstStyle/>
+          <a:p>
+            <a:r>
+              <a:rPr lang="en-US" dirty="0" smtClean="0"/>
+              <a:t>PORT : 8080</a:t>
+            </a:r>
+            <a:endParaRPr lang="en-US" dirty="0"/>
+          </a:p>
+        </p:txBody>
+      </p:sp>
+      <p:sp>
+        <p:nvSpPr>
+          <p:cNvPr id="22" name="TextBox 21"/>
+          <p:cNvSpPr txBox="1"/>
+          <p:nvPr/>
+        </p:nvSpPr>
+        <p:spPr>
+          <a:xfrm>
+            <a:off x="6961907" y="795015"/>
+            <a:ext cx="1600202" cy="252259"/>
+          </a:xfrm>
+          <a:prstGeom prst="rect">
+            <a:avLst/>
+          </a:prstGeom>
+          <a:noFill/>
+        </p:spPr>
+        <p:txBody>
+          <a:bodyPr wrap="square" rtlCol="0">
+            <a:spAutoFit/>
+          </a:bodyPr>
+          <a:lstStyle/>
+          <a:p>
+            <a:r>
+              <a:rPr lang="en-US" dirty="0" smtClean="0"/>
+              <a:t>PORT : 8081</a:t>
+            </a:r>
+            <a:endParaRPr lang="en-US" dirty="0"/>
+          </a:p>
+        </p:txBody>
+      </p:sp>
+      <p:sp>
+        <p:nvSpPr>
+          <p:cNvPr id="23" name="TextBox 22"/>
+          <p:cNvSpPr txBox="1"/>
+          <p:nvPr/>
+        </p:nvSpPr>
+        <p:spPr>
+          <a:xfrm>
+            <a:off x="7024254" y="2561286"/>
+            <a:ext cx="1600202" cy="252259"/>
+          </a:xfrm>
+          <a:prstGeom prst="rect">
+            <a:avLst/>
+          </a:prstGeom>
+          <a:noFill/>
+        </p:spPr>
+        <p:txBody>
+          <a:bodyPr wrap="square" rtlCol="0">
+            <a:spAutoFit/>
+          </a:bodyPr>
+          <a:lstStyle/>
+          <a:p>
+            <a:r>
+              <a:rPr lang="en-US" dirty="0" smtClean="0"/>
+              <a:t>PORT : 8082</a:t>
+            </a:r>
+            <a:endParaRPr lang="en-US" dirty="0"/>
+          </a:p>
+        </p:txBody>
+      </p:sp>
+      <p:sp>
+        <p:nvSpPr>
+          <p:cNvPr id="24" name="TextBox 23"/>
+          <p:cNvSpPr txBox="1"/>
+          <p:nvPr/>
+        </p:nvSpPr>
+        <p:spPr>
+          <a:xfrm>
+            <a:off x="7024254" y="4305233"/>
+            <a:ext cx="1600202" cy="646331"/>
+          </a:xfrm>
+          <a:prstGeom prst="rect">
+            <a:avLst/>
+          </a:prstGeom>
+          <a:noFill/>
+        </p:spPr>
+        <p:txBody>
+          <a:bodyPr wrap="square" rtlCol="0">
+            <a:spAutoFit/>
+          </a:bodyPr>
+          <a:lstStyle/>
+          <a:p>
+            <a:r>
+              <a:rPr lang="en-US" dirty="0" smtClean="0"/>
+              <a:t>PORT : </a:t>
+            </a:r>
+            <a:r>
+              <a:rPr lang="en-US" dirty="0" smtClean="0"/>
+              <a:t>8087/8088</a:t>
+            </a:r>
+            <a:endParaRPr lang="en-US" dirty="0"/>
+          </a:p>
+        </p:txBody>
+      </p:sp>
+      <p:sp>
+        <p:nvSpPr>
+          <p:cNvPr id="29" name="TextBox 28"/>
+          <p:cNvSpPr txBox="1"/>
+          <p:nvPr/>
+        </p:nvSpPr>
+        <p:spPr>
+          <a:xfrm>
+            <a:off x="6906491" y="6386846"/>
+            <a:ext cx="4786746" cy="178683"/>
+          </a:xfrm>
+          <a:prstGeom prst="rect">
+            <a:avLst/>
+          </a:prstGeom>
+          <a:noFill/>
+        </p:spPr>
+        <p:txBody>
+          <a:bodyPr wrap="square" rtlCol="0">
+            <a:spAutoFit/>
+          </a:bodyPr>
+          <a:lstStyle/>
+          <a:p>
+            <a:pPr algn="r"/>
+            <a:r>
+              <a:rPr lang="en-US" sz="1100" dirty="0" err="1" smtClean="0">
+                <a:solidFill>
+                  <a:srgbClr val="FF0000"/>
+                </a:solidFill>
+              </a:rPr>
+              <a:t>Microservice</a:t>
+            </a:r>
+            <a:r>
+              <a:rPr lang="en-US" sz="1100" dirty="0" smtClean="0">
+                <a:solidFill>
+                  <a:srgbClr val="FF0000"/>
+                </a:solidFill>
+              </a:rPr>
+              <a:t> 4 is a highly demanded service</a:t>
+            </a:r>
+            <a:endParaRPr lang="en-US" sz="1100" dirty="0">
+              <a:solidFill>
+                <a:srgbClr val="FF0000"/>
+              </a:solidFill>
+            </a:endParaRPr>
+          </a:p>
+        </p:txBody>
+      </p:sp>
+      <p:pic>
+        <p:nvPicPr>
+          <p:cNvPr id="30" name="Picture 29"/>
+          <p:cNvPicPr>
+            <a:picLocks noChangeAspect="1"/>
+          </p:cNvPicPr>
+          <p:nvPr/>
+        </p:nvPicPr>
+        <p:blipFill>
+          <a:blip r:embed="rId2" cstate="print">
+            <a:extLst>
+              <a:ext uri="{28A0092B-C50C-407E-A947-70E740481C1C}">
+                <a14:useLocalDpi xmlns:a14="http://schemas.microsoft.com/office/drawing/2010/main" val="0"/>
+              </a:ext>
+            </a:extLst>
+          </a:blip>
+          <a:stretch>
+            <a:fillRect/>
+          </a:stretch>
+        </p:blipFill>
+        <p:spPr>
+          <a:xfrm>
+            <a:off x="472130" y="3305027"/>
+            <a:ext cx="392706" cy="410015"/>
+          </a:xfrm>
+          <a:prstGeom prst="rect">
+            <a:avLst/>
+          </a:prstGeom>
+        </p:spPr>
+      </p:pic>
+      <p:cxnSp>
+        <p:nvCxnSpPr>
+          <p:cNvPr id="31" name="Straight Arrow Connector 30"/>
+          <p:cNvCxnSpPr>
+            <a:stCxn id="30" idx="3"/>
+          </p:cNvCxnSpPr>
+          <p:nvPr/>
+        </p:nvCxnSpPr>
+        <p:spPr>
+          <a:xfrm>
+            <a:off x="864836" y="3510035"/>
+            <a:ext cx="1185637" cy="0"/>
+          </a:xfrm>
+          <a:prstGeom prst="straightConnector1">
+            <a:avLst/>
+          </a:prstGeom>
+          <a:ln w="57150">
+            <a:tailEnd type="triangle"/>
+          </a:ln>
+        </p:spPr>
+        <p:style>
+          <a:lnRef idx="1">
+            <a:schemeClr val="accent1"/>
+          </a:lnRef>
+          <a:fillRef idx="0">
+            <a:schemeClr val="accent1"/>
+          </a:fillRef>
+          <a:effectRef idx="0">
+            <a:schemeClr val="accent1"/>
+          </a:effectRef>
+          <a:fontRef idx="minor">
+            <a:schemeClr val="tx1"/>
+          </a:fontRef>
+        </p:style>
+      </p:cxnSp>
+      <p:sp>
+        <p:nvSpPr>
+          <p:cNvPr id="32" name="TextBox 31"/>
+          <p:cNvSpPr txBox="1"/>
+          <p:nvPr/>
+        </p:nvSpPr>
+        <p:spPr>
+          <a:xfrm>
+            <a:off x="4068621" y="307753"/>
+            <a:ext cx="1302327" cy="173428"/>
+          </a:xfrm>
+          <a:prstGeom prst="rect">
+            <a:avLst/>
+          </a:prstGeom>
+          <a:noFill/>
+        </p:spPr>
+        <p:txBody>
+          <a:bodyPr wrap="square" rtlCol="0">
+            <a:spAutoFit/>
+          </a:bodyPr>
+          <a:lstStyle/>
+          <a:p>
+            <a:r>
+              <a:rPr lang="en-US" sz="1050" dirty="0" smtClean="0"/>
+              <a:t>7 Service registered</a:t>
+            </a:r>
+            <a:endParaRPr lang="en-US" sz="1050" dirty="0"/>
+          </a:p>
+        </p:txBody>
+      </p:sp>
+      <p:sp>
+        <p:nvSpPr>
+          <p:cNvPr id="33" name="Oval 32"/>
+          <p:cNvSpPr/>
+          <p:nvPr/>
+        </p:nvSpPr>
+        <p:spPr>
+          <a:xfrm>
+            <a:off x="7980216" y="1741714"/>
+            <a:ext cx="467589" cy="375929"/>
+          </a:xfrm>
+          <a:prstGeom prst="ellipse">
+            <a:avLst/>
+          </a:prstGeom>
+          <a:solidFill>
+            <a:schemeClr val="accent1">
+              <a:lumMod val="50000"/>
+            </a:schemeClr>
+          </a:solidFill>
+          <a:ln>
+            <a:solidFill>
+              <a:schemeClr val="tx1"/>
+            </a:solidFill>
+          </a:ln>
+        </p:spPr>
+        <p:style>
+          <a:lnRef idx="2">
+            <a:schemeClr val="accent1">
+              <a:shade val="50000"/>
+            </a:schemeClr>
+          </a:lnRef>
+          <a:fillRef idx="1">
+            <a:schemeClr val="accent1"/>
+          </a:fillRef>
+          <a:effectRef idx="0">
+            <a:schemeClr val="accent1"/>
+          </a:effectRef>
+          <a:fontRef idx="minor">
+            <a:schemeClr val="lt1"/>
+          </a:fontRef>
+        </p:style>
+        <p:txBody>
+          <a:bodyPr rtlCol="0" anchor="ctr"/>
+          <a:lstStyle/>
+          <a:p>
+            <a:pPr algn="ctr"/>
+            <a:endParaRPr lang="en-US"/>
+          </a:p>
+        </p:txBody>
+      </p:sp>
+      <p:sp>
+        <p:nvSpPr>
+          <p:cNvPr id="34" name="TextBox 33"/>
+          <p:cNvSpPr txBox="1"/>
+          <p:nvPr/>
+        </p:nvSpPr>
+        <p:spPr>
+          <a:xfrm>
+            <a:off x="7671954" y="1869931"/>
+            <a:ext cx="1302327" cy="173428"/>
+          </a:xfrm>
+          <a:prstGeom prst="rect">
+            <a:avLst/>
+          </a:prstGeom>
+          <a:noFill/>
+        </p:spPr>
+        <p:txBody>
+          <a:bodyPr wrap="square" rtlCol="0">
+            <a:spAutoFit/>
+          </a:bodyPr>
+          <a:lstStyle/>
+          <a:p>
+            <a:r>
+              <a:rPr lang="en-US" sz="1050" dirty="0" smtClean="0">
+                <a:solidFill>
+                  <a:schemeClr val="bg1"/>
+                </a:solidFill>
+              </a:rPr>
+              <a:t>Load Balancing</a:t>
+            </a:r>
+            <a:endParaRPr lang="en-US" sz="1050" dirty="0">
+              <a:solidFill>
+                <a:schemeClr val="bg1"/>
+              </a:solidFill>
+            </a:endParaRPr>
+          </a:p>
+        </p:txBody>
+      </p:sp>
+      <p:cxnSp>
+        <p:nvCxnSpPr>
+          <p:cNvPr id="37" name="Straight Arrow Connector 36"/>
+          <p:cNvCxnSpPr/>
+          <p:nvPr/>
+        </p:nvCxnSpPr>
+        <p:spPr>
+          <a:xfrm flipV="1">
+            <a:off x="3820392" y="1901001"/>
+            <a:ext cx="2982190" cy="1062360"/>
+          </a:xfrm>
+          <a:prstGeom prst="straightConnector1">
+            <a:avLst/>
+          </a:prstGeom>
+          <a:ln>
+            <a:headEnd type="triangle"/>
+            <a:tailEnd type="triangle"/>
+          </a:ln>
+        </p:spPr>
+        <p:style>
+          <a:lnRef idx="1">
+            <a:schemeClr val="accent1"/>
+          </a:lnRef>
+          <a:fillRef idx="0">
+            <a:schemeClr val="accent1"/>
+          </a:fillRef>
+          <a:effectRef idx="0">
+            <a:schemeClr val="accent1"/>
+          </a:effectRef>
+          <a:fontRef idx="minor">
+            <a:schemeClr val="tx1"/>
+          </a:fontRef>
+        </p:style>
+      </p:cxnSp>
+      <p:cxnSp>
+        <p:nvCxnSpPr>
+          <p:cNvPr id="38" name="Straight Arrow Connector 37"/>
+          <p:cNvCxnSpPr/>
+          <p:nvPr/>
+        </p:nvCxnSpPr>
+        <p:spPr>
+          <a:xfrm>
+            <a:off x="3851565" y="3348428"/>
+            <a:ext cx="2951017" cy="0"/>
+          </a:xfrm>
+          <a:prstGeom prst="straightConnector1">
+            <a:avLst/>
+          </a:prstGeom>
+          <a:ln>
+            <a:headEnd type="triangle"/>
+            <a:tailEnd type="triangle"/>
+          </a:ln>
+        </p:spPr>
+        <p:style>
+          <a:lnRef idx="1">
+            <a:schemeClr val="accent1"/>
+          </a:lnRef>
+          <a:fillRef idx="0">
+            <a:schemeClr val="accent1"/>
+          </a:fillRef>
+          <a:effectRef idx="0">
+            <a:schemeClr val="accent1"/>
+          </a:effectRef>
+          <a:fontRef idx="minor">
+            <a:schemeClr val="tx1"/>
+          </a:fontRef>
+        </p:style>
+      </p:cxnSp>
+      <p:cxnSp>
+        <p:nvCxnSpPr>
+          <p:cNvPr id="39" name="Straight Arrow Connector 38"/>
+          <p:cNvCxnSpPr>
+            <a:endCxn id="8" idx="1"/>
+          </p:cNvCxnSpPr>
+          <p:nvPr/>
+        </p:nvCxnSpPr>
+        <p:spPr>
+          <a:xfrm>
+            <a:off x="3851565" y="3779358"/>
+            <a:ext cx="1267689" cy="1700659"/>
+          </a:xfrm>
+          <a:prstGeom prst="straightConnector1">
+            <a:avLst/>
+          </a:prstGeom>
+          <a:ln>
+            <a:headEnd type="triangle"/>
+            <a:tailEnd type="triangle"/>
+          </a:ln>
+        </p:spPr>
+        <p:style>
+          <a:lnRef idx="1">
+            <a:schemeClr val="accent1"/>
+          </a:lnRef>
+          <a:fillRef idx="0">
+            <a:schemeClr val="accent1"/>
+          </a:fillRef>
+          <a:effectRef idx="0">
+            <a:schemeClr val="accent1"/>
+          </a:effectRef>
+          <a:fontRef idx="minor">
+            <a:schemeClr val="tx1"/>
+          </a:fontRef>
+        </p:style>
+      </p:cxnSp>
+      <p:graphicFrame>
+        <p:nvGraphicFramePr>
+          <p:cNvPr id="40" name="Table 39"/>
+          <p:cNvGraphicFramePr>
+            <a:graphicFrameLocks noGrp="1"/>
+          </p:cNvGraphicFramePr>
+          <p:nvPr>
+            <p:extLst>
+              <p:ext uri="{D42A27DB-BD31-4B8C-83A1-F6EECF244321}">
+                <p14:modId xmlns:p14="http://schemas.microsoft.com/office/powerpoint/2010/main" val="17230388"/>
+              </p:ext>
+            </p:extLst>
+          </p:nvPr>
+        </p:nvGraphicFramePr>
+        <p:xfrm>
+          <a:off x="3851565" y="731236"/>
+          <a:ext cx="1701802" cy="1112520"/>
+        </p:xfrm>
+        <a:graphic>
+          <a:graphicData uri="http://schemas.openxmlformats.org/drawingml/2006/table">
+            <a:tbl>
+              <a:tblPr firstRow="1" bandRow="1">
+                <a:tableStyleId>{5C22544A-7EE6-4342-B048-85BDC9FD1C3A}</a:tableStyleId>
+              </a:tblPr>
+              <a:tblGrid>
+                <a:gridCol w="850901">
+                  <a:extLst>
+                    <a:ext uri="{9D8B030D-6E8A-4147-A177-3AD203B41FA5}">
+                      <a16:colId xmlns:a16="http://schemas.microsoft.com/office/drawing/2014/main" val="3923383567"/>
+                    </a:ext>
+                  </a:extLst>
+                </a:gridCol>
+                <a:gridCol w="850901">
+                  <a:extLst>
+                    <a:ext uri="{9D8B030D-6E8A-4147-A177-3AD203B41FA5}">
+                      <a16:colId xmlns:a16="http://schemas.microsoft.com/office/drawing/2014/main" val="1599795395"/>
+                    </a:ext>
+                  </a:extLst>
+                </a:gridCol>
+              </a:tblGrid>
+              <a:tr h="370840">
+                <a:tc>
+                  <a:txBody>
+                    <a:bodyPr/>
+                    <a:lstStyle/>
+                    <a:p>
+                      <a:r>
+                        <a:rPr lang="en-US" dirty="0" smtClean="0"/>
+                        <a:t>SID</a:t>
+                      </a:r>
+                      <a:endParaRPr lang="en-US" dirty="0"/>
+                    </a:p>
+                  </a:txBody>
+                  <a:tcPr/>
+                </a:tc>
+                <a:tc>
+                  <a:txBody>
+                    <a:bodyPr/>
+                    <a:lstStyle/>
+                    <a:p>
+                      <a:r>
+                        <a:rPr lang="en-US" dirty="0" smtClean="0"/>
+                        <a:t>URL</a:t>
+                      </a:r>
+                      <a:endParaRPr lang="en-US" dirty="0"/>
+                    </a:p>
+                  </a:txBody>
+                  <a:tcPr/>
+                </a:tc>
+                <a:extLst>
+                  <a:ext uri="{0D108BD9-81ED-4DB2-BD59-A6C34878D82A}">
+                    <a16:rowId xmlns:a16="http://schemas.microsoft.com/office/drawing/2014/main" val="2267789402"/>
+                  </a:ext>
+                </a:extLst>
+              </a:tr>
+              <a:tr h="370840">
+                <a:tc>
+                  <a:txBody>
+                    <a:bodyPr/>
+                    <a:lstStyle/>
+                    <a:p>
+                      <a:r>
+                        <a:rPr lang="en-US" dirty="0" smtClean="0"/>
+                        <a:t>ABC</a:t>
+                      </a:r>
+                      <a:endParaRPr lang="en-US" dirty="0"/>
+                    </a:p>
+                  </a:txBody>
+                  <a:tcPr/>
+                </a:tc>
+                <a:tc>
+                  <a:txBody>
+                    <a:bodyPr/>
+                    <a:lstStyle/>
+                    <a:p>
+                      <a:r>
+                        <a:rPr lang="en-US" dirty="0" smtClean="0"/>
+                        <a:t>----</a:t>
+                      </a:r>
+                      <a:endParaRPr lang="en-US" dirty="0"/>
+                    </a:p>
+                  </a:txBody>
+                  <a:tcPr/>
+                </a:tc>
+                <a:extLst>
+                  <a:ext uri="{0D108BD9-81ED-4DB2-BD59-A6C34878D82A}">
+                    <a16:rowId xmlns:a16="http://schemas.microsoft.com/office/drawing/2014/main" val="2869856735"/>
+                  </a:ext>
+                </a:extLst>
+              </a:tr>
+              <a:tr h="370840">
+                <a:tc>
+                  <a:txBody>
+                    <a:bodyPr/>
+                    <a:lstStyle/>
+                    <a:p>
+                      <a:r>
+                        <a:rPr lang="en-US" dirty="0" smtClean="0"/>
+                        <a:t>XYZ</a:t>
+                      </a:r>
+                      <a:endParaRPr lang="en-US" dirty="0"/>
+                    </a:p>
+                  </a:txBody>
+                  <a:tcPr/>
+                </a:tc>
+                <a:tc>
+                  <a:txBody>
+                    <a:bodyPr/>
+                    <a:lstStyle/>
+                    <a:p>
+                      <a:r>
+                        <a:rPr lang="en-US" dirty="0" smtClean="0"/>
+                        <a:t>----</a:t>
+                      </a:r>
+                      <a:endParaRPr lang="en-US" dirty="0"/>
+                    </a:p>
+                  </a:txBody>
+                  <a:tcPr/>
+                </a:tc>
+                <a:extLst>
+                  <a:ext uri="{0D108BD9-81ED-4DB2-BD59-A6C34878D82A}">
+                    <a16:rowId xmlns:a16="http://schemas.microsoft.com/office/drawing/2014/main" val="3059228902"/>
+                  </a:ext>
+                </a:extLst>
+              </a:tr>
+            </a:tbl>
+          </a:graphicData>
+        </a:graphic>
+      </p:graphicFrame>
+      <p:sp>
+        <p:nvSpPr>
+          <p:cNvPr id="43" name="&quot;No&quot; Symbol 42"/>
+          <p:cNvSpPr/>
+          <p:nvPr/>
+        </p:nvSpPr>
+        <p:spPr>
+          <a:xfrm>
+            <a:off x="8175916" y="3616250"/>
+            <a:ext cx="306530" cy="203387"/>
+          </a:xfrm>
+          <a:prstGeom prst="noSmoking">
+            <a:avLst/>
+          </a:prstGeom>
+          <a:solidFill>
+            <a:srgbClr val="C00000"/>
+          </a:solidFill>
+        </p:spPr>
+        <p:style>
+          <a:lnRef idx="2">
+            <a:schemeClr val="accent1">
+              <a:shade val="50000"/>
+            </a:schemeClr>
+          </a:lnRef>
+          <a:fillRef idx="1">
+            <a:schemeClr val="accent1"/>
+          </a:fillRef>
+          <a:effectRef idx="0">
+            <a:schemeClr val="accent1"/>
+          </a:effectRef>
+          <a:fontRef idx="minor">
+            <a:schemeClr val="lt1"/>
+          </a:fontRef>
+        </p:style>
+        <p:txBody>
+          <a:bodyPr rtlCol="0" anchor="ctr"/>
+          <a:lstStyle/>
+          <a:p>
+            <a:pPr algn="ctr"/>
+            <a:endParaRPr lang="en-US">
+              <a:solidFill>
+                <a:schemeClr val="tx1"/>
+              </a:solidFill>
+            </a:endParaRPr>
+          </a:p>
+        </p:txBody>
+      </p:sp>
+      <p:sp>
+        <p:nvSpPr>
+          <p:cNvPr id="44" name="TextBox 43"/>
+          <p:cNvSpPr txBox="1"/>
+          <p:nvPr/>
+        </p:nvSpPr>
+        <p:spPr>
+          <a:xfrm>
+            <a:off x="6894942" y="6578443"/>
+            <a:ext cx="4786746" cy="178683"/>
+          </a:xfrm>
+          <a:prstGeom prst="rect">
+            <a:avLst/>
+          </a:prstGeom>
+          <a:noFill/>
+        </p:spPr>
+        <p:txBody>
+          <a:bodyPr wrap="square" rtlCol="0">
+            <a:spAutoFit/>
+          </a:bodyPr>
+          <a:lstStyle/>
+          <a:p>
+            <a:pPr algn="r"/>
+            <a:r>
+              <a:rPr lang="en-US" sz="1100" dirty="0" smtClean="0">
+                <a:solidFill>
+                  <a:srgbClr val="FF0000"/>
+                </a:solidFill>
+              </a:rPr>
+              <a:t>If MS 2 gets down MS1 sending default response using </a:t>
+            </a:r>
+            <a:r>
+              <a:rPr lang="en-US" sz="1100" dirty="0" err="1" smtClean="0">
+                <a:solidFill>
+                  <a:srgbClr val="FF0000"/>
+                </a:solidFill>
+              </a:rPr>
+              <a:t>Hystrix</a:t>
+            </a:r>
+            <a:r>
+              <a:rPr lang="en-US" sz="1100" dirty="0" smtClean="0">
+                <a:solidFill>
+                  <a:srgbClr val="FF0000"/>
+                </a:solidFill>
+              </a:rPr>
+              <a:t> Circuit Breaker</a:t>
+            </a:r>
+            <a:endParaRPr lang="en-US" sz="1100" dirty="0">
+              <a:solidFill>
+                <a:srgbClr val="FF0000"/>
+              </a:solidFill>
+            </a:endParaRPr>
+          </a:p>
+        </p:txBody>
+      </p:sp>
+      <p:sp>
+        <p:nvSpPr>
+          <p:cNvPr id="45" name="TextBox 44"/>
+          <p:cNvSpPr txBox="1"/>
+          <p:nvPr/>
+        </p:nvSpPr>
+        <p:spPr>
+          <a:xfrm>
+            <a:off x="166255" y="335809"/>
+            <a:ext cx="1983812" cy="923330"/>
+          </a:xfrm>
+          <a:prstGeom prst="rect">
+            <a:avLst/>
+          </a:prstGeom>
+          <a:solidFill>
+            <a:srgbClr val="FFC000"/>
+          </a:solidFill>
+        </p:spPr>
+        <p:txBody>
+          <a:bodyPr wrap="square" rtlCol="0">
+            <a:spAutoFit/>
+          </a:bodyPr>
+          <a:lstStyle/>
+          <a:p>
+            <a:r>
+              <a:rPr lang="en-US" dirty="0" smtClean="0"/>
+              <a:t>Centralized </a:t>
+            </a:r>
+            <a:r>
+              <a:rPr lang="en-US" dirty="0" err="1" smtClean="0"/>
+              <a:t>Auth</a:t>
+            </a:r>
+            <a:r>
+              <a:rPr lang="en-US" dirty="0" smtClean="0"/>
+              <a:t> Layer Using </a:t>
+            </a:r>
+            <a:r>
+              <a:rPr lang="en-US" dirty="0" err="1" smtClean="0"/>
+              <a:t>Zull</a:t>
+            </a:r>
+            <a:r>
+              <a:rPr lang="en-US" dirty="0" smtClean="0"/>
+              <a:t> API Gateway</a:t>
+            </a:r>
+            <a:endParaRPr lang="en-US" dirty="0"/>
+          </a:p>
+        </p:txBody>
+      </p:sp>
+      <p:sp>
+        <p:nvSpPr>
+          <p:cNvPr id="46" name="TextBox 45"/>
+          <p:cNvSpPr txBox="1"/>
+          <p:nvPr/>
+        </p:nvSpPr>
+        <p:spPr>
+          <a:xfrm rot="20492259">
+            <a:off x="4242807" y="2197344"/>
+            <a:ext cx="1998518" cy="246221"/>
+          </a:xfrm>
+          <a:prstGeom prst="rect">
+            <a:avLst/>
+          </a:prstGeom>
+          <a:noFill/>
+        </p:spPr>
+        <p:txBody>
+          <a:bodyPr wrap="square" rtlCol="0">
+            <a:spAutoFit/>
+          </a:bodyPr>
+          <a:lstStyle/>
+          <a:p>
+            <a:r>
+              <a:rPr lang="en-US" sz="1000" b="1" dirty="0" smtClean="0">
+                <a:solidFill>
+                  <a:srgbClr val="FF0000"/>
+                </a:solidFill>
+              </a:rPr>
+              <a:t>Discovery +Routing</a:t>
+            </a:r>
+            <a:endParaRPr lang="en-US" sz="1000" b="1" dirty="0">
+              <a:solidFill>
+                <a:srgbClr val="FF0000"/>
+              </a:solidFill>
+            </a:endParaRPr>
+          </a:p>
+        </p:txBody>
+      </p:sp>
+      <p:sp>
+        <p:nvSpPr>
+          <p:cNvPr id="49" name="Rectangle 48"/>
+          <p:cNvSpPr/>
+          <p:nvPr/>
+        </p:nvSpPr>
+        <p:spPr>
+          <a:xfrm>
+            <a:off x="207818" y="5457219"/>
+            <a:ext cx="1537855" cy="804341"/>
+          </a:xfrm>
+          <a:prstGeom prst="rect">
+            <a:avLst/>
+          </a:prstGeom>
+        </p:spPr>
+        <p:style>
+          <a:lnRef idx="2">
+            <a:schemeClr val="accent1">
+              <a:shade val="50000"/>
+            </a:schemeClr>
+          </a:lnRef>
+          <a:fillRef idx="1">
+            <a:schemeClr val="accent1"/>
+          </a:fillRef>
+          <a:effectRef idx="0">
+            <a:schemeClr val="accent1"/>
+          </a:effectRef>
+          <a:fontRef idx="minor">
+            <a:schemeClr val="lt1"/>
+          </a:fontRef>
+        </p:style>
+        <p:txBody>
+          <a:bodyPr rtlCol="0" anchor="ctr"/>
+          <a:lstStyle/>
+          <a:p>
+            <a:pPr algn="ctr"/>
+            <a:r>
+              <a:rPr lang="en-US" dirty="0" smtClean="0"/>
+              <a:t>AUTH  SERVER</a:t>
+            </a:r>
+            <a:endParaRPr lang="en-US" dirty="0"/>
+          </a:p>
+        </p:txBody>
+      </p:sp>
+      <p:sp>
+        <p:nvSpPr>
+          <p:cNvPr id="50" name="Flowchart: Magnetic Disk 49"/>
+          <p:cNvSpPr/>
+          <p:nvPr/>
+        </p:nvSpPr>
+        <p:spPr>
+          <a:xfrm>
+            <a:off x="3072825" y="5931870"/>
+            <a:ext cx="900546" cy="486780"/>
+          </a:xfrm>
+          <a:prstGeom prst="flowChartMagneticDisk">
+            <a:avLst/>
+          </a:prstGeom>
+        </p:spPr>
+        <p:style>
+          <a:lnRef idx="2">
+            <a:schemeClr val="accent1">
+              <a:shade val="50000"/>
+            </a:schemeClr>
+          </a:lnRef>
+          <a:fillRef idx="1">
+            <a:schemeClr val="accent1"/>
+          </a:fillRef>
+          <a:effectRef idx="0">
+            <a:schemeClr val="accent1"/>
+          </a:effectRef>
+          <a:fontRef idx="minor">
+            <a:schemeClr val="lt1"/>
+          </a:fontRef>
+        </p:style>
+        <p:txBody>
+          <a:bodyPr rtlCol="0" anchor="ctr"/>
+          <a:lstStyle/>
+          <a:p>
+            <a:pPr algn="ctr"/>
+            <a:endParaRPr lang="en-US"/>
+          </a:p>
+        </p:txBody>
+      </p:sp>
+      <p:cxnSp>
+        <p:nvCxnSpPr>
+          <p:cNvPr id="51" name="Straight Arrow Connector 50"/>
+          <p:cNvCxnSpPr/>
+          <p:nvPr/>
+        </p:nvCxnSpPr>
+        <p:spPr>
+          <a:xfrm>
+            <a:off x="668483" y="4106258"/>
+            <a:ext cx="0" cy="876732"/>
+          </a:xfrm>
+          <a:prstGeom prst="straightConnector1">
+            <a:avLst/>
+          </a:prstGeom>
+          <a:ln>
+            <a:tailEnd type="triangle"/>
+          </a:ln>
+        </p:spPr>
+        <p:style>
+          <a:lnRef idx="1">
+            <a:schemeClr val="accent1"/>
+          </a:lnRef>
+          <a:fillRef idx="0">
+            <a:schemeClr val="accent1"/>
+          </a:fillRef>
+          <a:effectRef idx="0">
+            <a:schemeClr val="accent1"/>
+          </a:effectRef>
+          <a:fontRef idx="minor">
+            <a:schemeClr val="tx1"/>
+          </a:fontRef>
+        </p:style>
+      </p:cxnSp>
+      <p:cxnSp>
+        <p:nvCxnSpPr>
+          <p:cNvPr id="52" name="Straight Arrow Connector 51"/>
+          <p:cNvCxnSpPr/>
+          <p:nvPr/>
+        </p:nvCxnSpPr>
+        <p:spPr>
+          <a:xfrm>
+            <a:off x="1859889" y="6205962"/>
+            <a:ext cx="1104984" cy="16641"/>
+          </a:xfrm>
+          <a:prstGeom prst="straightConnector1">
+            <a:avLst/>
+          </a:prstGeom>
+          <a:ln>
+            <a:tailEnd type="triangle"/>
+          </a:ln>
+        </p:spPr>
+        <p:style>
+          <a:lnRef idx="1">
+            <a:schemeClr val="accent1"/>
+          </a:lnRef>
+          <a:fillRef idx="0">
+            <a:schemeClr val="accent1"/>
+          </a:fillRef>
+          <a:effectRef idx="0">
+            <a:schemeClr val="accent1"/>
+          </a:effectRef>
+          <a:fontRef idx="minor">
+            <a:schemeClr val="tx1"/>
+          </a:fontRef>
+        </p:style>
+      </p:cxnSp>
+      <p:cxnSp>
+        <p:nvCxnSpPr>
+          <p:cNvPr id="53" name="Straight Arrow Connector 52"/>
+          <p:cNvCxnSpPr/>
+          <p:nvPr/>
+        </p:nvCxnSpPr>
+        <p:spPr>
+          <a:xfrm flipH="1">
+            <a:off x="1859889" y="5948161"/>
+            <a:ext cx="1212936" cy="0"/>
+          </a:xfrm>
+          <a:prstGeom prst="straightConnector1">
+            <a:avLst/>
+          </a:prstGeom>
+          <a:ln>
+            <a:tailEnd type="triangle"/>
+          </a:ln>
+        </p:spPr>
+        <p:style>
+          <a:lnRef idx="1">
+            <a:schemeClr val="accent1"/>
+          </a:lnRef>
+          <a:fillRef idx="0">
+            <a:schemeClr val="accent1"/>
+          </a:fillRef>
+          <a:effectRef idx="0">
+            <a:schemeClr val="accent1"/>
+          </a:effectRef>
+          <a:fontRef idx="minor">
+            <a:schemeClr val="tx1"/>
+          </a:fontRef>
+        </p:style>
+      </p:cxnSp>
+      <p:cxnSp>
+        <p:nvCxnSpPr>
+          <p:cNvPr id="54" name="Straight Arrow Connector 53"/>
+          <p:cNvCxnSpPr/>
+          <p:nvPr/>
+        </p:nvCxnSpPr>
+        <p:spPr>
+          <a:xfrm flipH="1" flipV="1">
+            <a:off x="817418" y="4102199"/>
+            <a:ext cx="27709" cy="859235"/>
+          </a:xfrm>
+          <a:prstGeom prst="straightConnector1">
+            <a:avLst/>
+          </a:prstGeom>
+          <a:ln>
+            <a:tailEnd type="triangle"/>
+          </a:ln>
+        </p:spPr>
+        <p:style>
+          <a:lnRef idx="1">
+            <a:schemeClr val="accent1"/>
+          </a:lnRef>
+          <a:fillRef idx="0">
+            <a:schemeClr val="accent1"/>
+          </a:fillRef>
+          <a:effectRef idx="0">
+            <a:schemeClr val="accent1"/>
+          </a:effectRef>
+          <a:fontRef idx="minor">
+            <a:schemeClr val="tx1"/>
+          </a:fontRef>
+        </p:style>
+      </p:cxnSp>
+      <p:sp>
+        <p:nvSpPr>
+          <p:cNvPr id="55" name="TextBox 54"/>
+          <p:cNvSpPr txBox="1"/>
+          <p:nvPr/>
+        </p:nvSpPr>
+        <p:spPr>
+          <a:xfrm flipH="1">
+            <a:off x="249386" y="4134878"/>
+            <a:ext cx="519538" cy="315323"/>
+          </a:xfrm>
+          <a:prstGeom prst="rect">
+            <a:avLst/>
+          </a:prstGeom>
+          <a:noFill/>
+        </p:spPr>
+        <p:txBody>
+          <a:bodyPr wrap="square" rtlCol="0">
+            <a:spAutoFit/>
+          </a:bodyPr>
+          <a:lstStyle/>
+          <a:p>
+            <a:r>
+              <a:rPr lang="en-US" sz="1200" dirty="0" err="1" smtClean="0"/>
+              <a:t>Uid</a:t>
+            </a:r>
+            <a:r>
+              <a:rPr lang="en-US" sz="1200" dirty="0" smtClean="0"/>
+              <a:t>/PWD</a:t>
+            </a:r>
+            <a:endParaRPr lang="en-US" sz="1200" dirty="0"/>
+          </a:p>
+        </p:txBody>
+      </p:sp>
+      <p:sp>
+        <p:nvSpPr>
+          <p:cNvPr id="56" name="TextBox 55"/>
+          <p:cNvSpPr txBox="1"/>
+          <p:nvPr/>
+        </p:nvSpPr>
+        <p:spPr>
+          <a:xfrm flipH="1">
+            <a:off x="1757222" y="6213569"/>
+            <a:ext cx="1219198" cy="190445"/>
+          </a:xfrm>
+          <a:prstGeom prst="rect">
+            <a:avLst/>
+          </a:prstGeom>
+          <a:noFill/>
+        </p:spPr>
+        <p:txBody>
+          <a:bodyPr wrap="square" rtlCol="0">
+            <a:spAutoFit/>
+          </a:bodyPr>
+          <a:lstStyle/>
+          <a:p>
+            <a:r>
+              <a:rPr lang="en-US" sz="1200" dirty="0" smtClean="0"/>
+              <a:t>Authentication</a:t>
+            </a:r>
+            <a:endParaRPr lang="en-US" sz="1200" dirty="0"/>
+          </a:p>
+        </p:txBody>
+      </p:sp>
+      <p:sp>
+        <p:nvSpPr>
+          <p:cNvPr id="57" name="TextBox 56"/>
+          <p:cNvSpPr txBox="1"/>
+          <p:nvPr/>
+        </p:nvSpPr>
+        <p:spPr>
+          <a:xfrm flipH="1">
+            <a:off x="803563" y="4233691"/>
+            <a:ext cx="1244602" cy="195916"/>
+          </a:xfrm>
+          <a:prstGeom prst="rect">
+            <a:avLst/>
+          </a:prstGeom>
+          <a:noFill/>
+        </p:spPr>
+        <p:txBody>
+          <a:bodyPr wrap="square" rtlCol="0">
+            <a:spAutoFit/>
+          </a:bodyPr>
+          <a:lstStyle/>
+          <a:p>
+            <a:r>
+              <a:rPr lang="en-US" sz="1200" dirty="0" smtClean="0"/>
+              <a:t>Generate JWT</a:t>
+            </a:r>
+            <a:endParaRPr lang="en-US" sz="1200" dirty="0"/>
+          </a:p>
+        </p:txBody>
+      </p:sp>
+      <p:sp>
+        <p:nvSpPr>
+          <p:cNvPr id="58" name="TextBox 57"/>
+          <p:cNvSpPr txBox="1"/>
+          <p:nvPr/>
+        </p:nvSpPr>
+        <p:spPr>
+          <a:xfrm flipH="1">
+            <a:off x="1084111" y="3194414"/>
+            <a:ext cx="1244602" cy="195916"/>
+          </a:xfrm>
+          <a:prstGeom prst="rect">
+            <a:avLst/>
+          </a:prstGeom>
+          <a:noFill/>
+        </p:spPr>
+        <p:txBody>
+          <a:bodyPr wrap="square" rtlCol="0">
+            <a:spAutoFit/>
+          </a:bodyPr>
+          <a:lstStyle/>
+          <a:p>
+            <a:r>
+              <a:rPr lang="en-US" sz="1200" dirty="0" smtClean="0"/>
+              <a:t>JWT</a:t>
+            </a:r>
+            <a:endParaRPr lang="en-US" sz="1200" dirty="0"/>
+          </a:p>
+        </p:txBody>
+      </p:sp>
+      <p:sp>
+        <p:nvSpPr>
+          <p:cNvPr id="59" name="TextBox 58"/>
+          <p:cNvSpPr txBox="1"/>
+          <p:nvPr/>
+        </p:nvSpPr>
+        <p:spPr>
+          <a:xfrm flipH="1">
+            <a:off x="3269673" y="6086090"/>
+            <a:ext cx="881250" cy="276999"/>
+          </a:xfrm>
+          <a:prstGeom prst="rect">
+            <a:avLst/>
+          </a:prstGeom>
+          <a:noFill/>
+        </p:spPr>
+        <p:txBody>
+          <a:bodyPr wrap="square" rtlCol="0">
+            <a:spAutoFit/>
+          </a:bodyPr>
+          <a:lstStyle/>
+          <a:p>
+            <a:r>
+              <a:rPr lang="en-US" sz="1200" dirty="0" err="1" smtClean="0"/>
+              <a:t>Auth</a:t>
+            </a:r>
+            <a:r>
+              <a:rPr lang="en-US" sz="1200" dirty="0" smtClean="0"/>
+              <a:t> DB</a:t>
+            </a:r>
+            <a:endParaRPr lang="en-US" sz="1200" dirty="0"/>
+          </a:p>
+        </p:txBody>
+      </p:sp>
+      <p:sp>
+        <p:nvSpPr>
+          <p:cNvPr id="77" name="TextBox 76"/>
+          <p:cNvSpPr txBox="1"/>
+          <p:nvPr/>
+        </p:nvSpPr>
+        <p:spPr>
+          <a:xfrm flipH="1">
+            <a:off x="2150067" y="5936570"/>
+            <a:ext cx="1201580" cy="276999"/>
+          </a:xfrm>
+          <a:prstGeom prst="rect">
+            <a:avLst/>
+          </a:prstGeom>
+          <a:noFill/>
+        </p:spPr>
+        <p:txBody>
+          <a:bodyPr wrap="square" rtlCol="0">
+            <a:spAutoFit/>
+          </a:bodyPr>
+          <a:lstStyle/>
+          <a:p>
+            <a:r>
+              <a:rPr lang="en-US" sz="1200" dirty="0" smtClean="0"/>
+              <a:t>JPA</a:t>
+            </a:r>
+            <a:endParaRPr lang="en-US" sz="1200" dirty="0"/>
+          </a:p>
+        </p:txBody>
+      </p:sp>
+      <p:sp>
+        <p:nvSpPr>
+          <p:cNvPr id="78" name="TextBox 77"/>
+          <p:cNvSpPr txBox="1"/>
+          <p:nvPr/>
+        </p:nvSpPr>
+        <p:spPr>
+          <a:xfrm>
+            <a:off x="8447804" y="306727"/>
+            <a:ext cx="3515597" cy="923330"/>
+          </a:xfrm>
+          <a:prstGeom prst="rect">
+            <a:avLst/>
+          </a:prstGeom>
+          <a:noFill/>
+        </p:spPr>
+        <p:txBody>
+          <a:bodyPr wrap="square" rtlCol="0">
+            <a:spAutoFit/>
+          </a:bodyPr>
+          <a:lstStyle/>
+          <a:p>
+            <a:r>
+              <a:rPr lang="en-US" b="1" dirty="0" smtClean="0">
+                <a:solidFill>
+                  <a:schemeClr val="accent2">
+                    <a:lumMod val="50000"/>
+                  </a:schemeClr>
+                </a:solidFill>
+              </a:rPr>
+              <a:t>Target Architecture+ </a:t>
+            </a:r>
+            <a:r>
+              <a:rPr lang="en-US" b="1" dirty="0" smtClean="0">
+                <a:solidFill>
+                  <a:schemeClr val="accent2">
+                    <a:lumMod val="50000"/>
+                  </a:schemeClr>
+                </a:solidFill>
+              </a:rPr>
+              <a:t>Centralized Security + API Routing using </a:t>
+            </a:r>
+            <a:r>
+              <a:rPr lang="en-US" b="1" dirty="0" err="1" smtClean="0">
+                <a:solidFill>
+                  <a:schemeClr val="accent2">
+                    <a:lumMod val="50000"/>
+                  </a:schemeClr>
+                </a:solidFill>
+              </a:rPr>
+              <a:t>Zull</a:t>
+            </a:r>
+            <a:r>
+              <a:rPr lang="en-US" b="1" dirty="0" smtClean="0">
+                <a:solidFill>
+                  <a:schemeClr val="accent2">
+                    <a:lumMod val="50000"/>
+                  </a:schemeClr>
+                </a:solidFill>
+              </a:rPr>
+              <a:t>+ Load balancing using Ribbon.</a:t>
+            </a:r>
+            <a:endParaRPr lang="en-US" b="1" dirty="0">
+              <a:solidFill>
+                <a:schemeClr val="accent2">
+                  <a:lumMod val="50000"/>
+                </a:schemeClr>
+              </a:solidFill>
+            </a:endParaRPr>
+          </a:p>
+        </p:txBody>
+      </p:sp>
+      <p:cxnSp>
+        <p:nvCxnSpPr>
+          <p:cNvPr id="80" name="Straight Arrow Connector 79"/>
+          <p:cNvCxnSpPr>
+            <a:stCxn id="49" idx="0"/>
+          </p:cNvCxnSpPr>
+          <p:nvPr/>
+        </p:nvCxnSpPr>
+        <p:spPr>
+          <a:xfrm flipV="1">
+            <a:off x="976746" y="3847459"/>
+            <a:ext cx="1219200" cy="1609760"/>
+          </a:xfrm>
+          <a:prstGeom prst="straightConnector1">
+            <a:avLst/>
+          </a:prstGeom>
+          <a:noFill/>
+          <a:ln w="57150">
+            <a:solidFill>
+              <a:srgbClr val="FF0000"/>
+            </a:solidFill>
+            <a:prstDash val="lgDashDotDot"/>
+          </a:ln>
+        </p:spPr>
+        <p:style>
+          <a:lnRef idx="2">
+            <a:schemeClr val="accent1">
+              <a:shade val="50000"/>
+            </a:schemeClr>
+          </a:lnRef>
+          <a:fillRef idx="1">
+            <a:schemeClr val="accent1"/>
+          </a:fillRef>
+          <a:effectRef idx="0">
+            <a:schemeClr val="accent1"/>
+          </a:effectRef>
+          <a:fontRef idx="minor">
+            <a:schemeClr val="lt1"/>
+          </a:fontRef>
+        </p:style>
+      </p:cxnSp>
+      <p:sp>
+        <p:nvSpPr>
+          <p:cNvPr id="82" name="TextBox 81"/>
+          <p:cNvSpPr txBox="1"/>
+          <p:nvPr/>
+        </p:nvSpPr>
+        <p:spPr>
+          <a:xfrm>
+            <a:off x="330195" y="5034437"/>
+            <a:ext cx="1998518" cy="246221"/>
+          </a:xfrm>
+          <a:prstGeom prst="rect">
+            <a:avLst/>
+          </a:prstGeom>
+          <a:noFill/>
+        </p:spPr>
+        <p:txBody>
+          <a:bodyPr wrap="square" rtlCol="0">
+            <a:spAutoFit/>
+          </a:bodyPr>
+          <a:lstStyle/>
+          <a:p>
+            <a:r>
+              <a:rPr lang="en-US" sz="1000" b="1" dirty="0" smtClean="0">
+                <a:solidFill>
+                  <a:srgbClr val="FF0000"/>
+                </a:solidFill>
+              </a:rPr>
+              <a:t>Centralized Auth</a:t>
+            </a:r>
+            <a:r>
+              <a:rPr lang="en-US" sz="1000" b="1" dirty="0" smtClean="0">
+                <a:solidFill>
+                  <a:srgbClr val="FF0000"/>
+                </a:solidFill>
+              </a:rPr>
+              <a:t>entication</a:t>
+            </a:r>
+            <a:endParaRPr lang="en-US" sz="1000" b="1" dirty="0">
+              <a:solidFill>
+                <a:srgbClr val="FF0000"/>
+              </a:solidFill>
+            </a:endParaRPr>
+          </a:p>
+        </p:txBody>
+      </p:sp>
+      <p:sp>
+        <p:nvSpPr>
+          <p:cNvPr id="83" name="Rounded Rectangle 82"/>
+          <p:cNvSpPr/>
+          <p:nvPr/>
+        </p:nvSpPr>
+        <p:spPr>
+          <a:xfrm>
+            <a:off x="472130" y="6086090"/>
+            <a:ext cx="766035" cy="390097"/>
+          </a:xfrm>
+          <a:prstGeom prst="roundRect">
+            <a:avLst/>
+          </a:prstGeom>
+          <a:solidFill>
+            <a:srgbClr val="FFC000"/>
+          </a:solidFill>
+        </p:spPr>
+        <p:style>
+          <a:lnRef idx="2">
+            <a:schemeClr val="accent1">
+              <a:shade val="50000"/>
+            </a:schemeClr>
+          </a:lnRef>
+          <a:fillRef idx="1">
+            <a:schemeClr val="accent1"/>
+          </a:fillRef>
+          <a:effectRef idx="0">
+            <a:schemeClr val="accent1"/>
+          </a:effectRef>
+          <a:fontRef idx="minor">
+            <a:schemeClr val="lt1"/>
+          </a:fontRef>
+        </p:style>
+        <p:txBody>
+          <a:bodyPr rtlCol="0" anchor="ctr"/>
+          <a:lstStyle/>
+          <a:p>
+            <a:pPr algn="ctr"/>
+            <a:r>
+              <a:rPr lang="en-US" dirty="0" smtClean="0">
+                <a:solidFill>
+                  <a:schemeClr val="tx1"/>
+                </a:solidFill>
+              </a:rPr>
+              <a:t>Filter</a:t>
+            </a:r>
+            <a:endParaRPr lang="en-US" dirty="0">
+              <a:solidFill>
+                <a:schemeClr val="tx1"/>
+              </a:solidFill>
+            </a:endParaRPr>
+          </a:p>
+        </p:txBody>
+      </p:sp>
+      <p:sp>
+        <p:nvSpPr>
+          <p:cNvPr id="85" name="TextBox 84"/>
+          <p:cNvSpPr txBox="1"/>
+          <p:nvPr/>
+        </p:nvSpPr>
+        <p:spPr>
+          <a:xfrm>
+            <a:off x="4606636" y="3374885"/>
+            <a:ext cx="1998518" cy="400110"/>
+          </a:xfrm>
+          <a:prstGeom prst="rect">
+            <a:avLst/>
+          </a:prstGeom>
+          <a:noFill/>
+        </p:spPr>
+        <p:txBody>
+          <a:bodyPr wrap="square" rtlCol="0">
+            <a:spAutoFit/>
+          </a:bodyPr>
+          <a:lstStyle/>
+          <a:p>
+            <a:r>
+              <a:rPr lang="en-US" sz="1000" b="1" dirty="0" smtClean="0">
+                <a:solidFill>
+                  <a:srgbClr val="FF0000"/>
+                </a:solidFill>
+              </a:rPr>
+              <a:t>Discovery +</a:t>
+            </a:r>
+            <a:r>
+              <a:rPr lang="en-US" sz="1000" b="1" dirty="0" err="1" smtClean="0">
+                <a:solidFill>
+                  <a:srgbClr val="FF0000"/>
+                </a:solidFill>
+              </a:rPr>
+              <a:t>Routing+Load</a:t>
+            </a:r>
+            <a:r>
+              <a:rPr lang="en-US" sz="1000" b="1" dirty="0" smtClean="0">
+                <a:solidFill>
+                  <a:srgbClr val="FF0000"/>
+                </a:solidFill>
+              </a:rPr>
+              <a:t> Balancing</a:t>
+            </a:r>
+            <a:endParaRPr lang="en-US" sz="1000" b="1" dirty="0">
+              <a:solidFill>
+                <a:srgbClr val="FF0000"/>
+              </a:solidFill>
+            </a:endParaRPr>
+          </a:p>
+        </p:txBody>
+      </p:sp>
+      <p:sp>
+        <p:nvSpPr>
+          <p:cNvPr id="86" name="TextBox 85"/>
+          <p:cNvSpPr txBox="1"/>
+          <p:nvPr/>
+        </p:nvSpPr>
+        <p:spPr>
+          <a:xfrm rot="3148097">
+            <a:off x="3740351" y="4499161"/>
+            <a:ext cx="1998518" cy="246221"/>
+          </a:xfrm>
+          <a:prstGeom prst="rect">
+            <a:avLst/>
+          </a:prstGeom>
+          <a:noFill/>
+        </p:spPr>
+        <p:txBody>
+          <a:bodyPr wrap="square" rtlCol="0">
+            <a:spAutoFit/>
+          </a:bodyPr>
+          <a:lstStyle/>
+          <a:p>
+            <a:r>
+              <a:rPr lang="en-US" sz="1000" b="1" dirty="0" smtClean="0">
+                <a:solidFill>
+                  <a:srgbClr val="FF0000"/>
+                </a:solidFill>
+              </a:rPr>
+              <a:t>Discovery +Routing</a:t>
+            </a:r>
+            <a:endParaRPr lang="en-US" sz="1000" b="1" dirty="0">
+              <a:solidFill>
+                <a:srgbClr val="FF0000"/>
+              </a:solidFill>
+            </a:endParaRPr>
+          </a:p>
+        </p:txBody>
+      </p:sp>
+      <p:sp>
+        <p:nvSpPr>
+          <p:cNvPr id="87" name="Oval 86"/>
+          <p:cNvSpPr/>
+          <p:nvPr/>
+        </p:nvSpPr>
+        <p:spPr>
+          <a:xfrm rot="2118651">
+            <a:off x="1000371" y="3164859"/>
+            <a:ext cx="947637" cy="3562712"/>
+          </a:xfrm>
+          <a:prstGeom prst="ellipse">
+            <a:avLst/>
+          </a:prstGeom>
+          <a:noFill/>
+          <a:ln w="57150">
+            <a:solidFill>
+              <a:srgbClr val="FF0000"/>
+            </a:solidFill>
+            <a:prstDash val="lgDashDotDot"/>
+          </a:ln>
+        </p:spPr>
+        <p:style>
+          <a:lnRef idx="2">
+            <a:schemeClr val="accent1">
+              <a:shade val="50000"/>
+            </a:schemeClr>
+          </a:lnRef>
+          <a:fillRef idx="1">
+            <a:schemeClr val="accent1"/>
+          </a:fillRef>
+          <a:effectRef idx="0">
+            <a:schemeClr val="accent1"/>
+          </a:effectRef>
+          <a:fontRef idx="minor">
+            <a:schemeClr val="lt1"/>
+          </a:fontRef>
+        </p:style>
+        <p:txBody>
+          <a:bodyPr rtlCol="0" anchor="ctr"/>
+          <a:lstStyle/>
+          <a:p>
+            <a:pPr algn="ctr"/>
+            <a:endParaRPr lang="en-US">
+              <a:solidFill>
+                <a:srgbClr val="FF0000"/>
+              </a:solidFill>
+            </a:endParaRPr>
+          </a:p>
+        </p:txBody>
+      </p:sp>
+      <p:sp>
+        <p:nvSpPr>
+          <p:cNvPr id="89" name="Rectangle 88"/>
+          <p:cNvSpPr/>
+          <p:nvPr/>
+        </p:nvSpPr>
+        <p:spPr>
+          <a:xfrm>
+            <a:off x="7003475" y="3097208"/>
+            <a:ext cx="1683328" cy="804341"/>
+          </a:xfrm>
+          <a:prstGeom prst="rect">
+            <a:avLst/>
+          </a:prstGeom>
+        </p:spPr>
+        <p:style>
+          <a:lnRef idx="2">
+            <a:schemeClr val="accent1">
+              <a:shade val="50000"/>
+            </a:schemeClr>
+          </a:lnRef>
+          <a:fillRef idx="1">
+            <a:schemeClr val="accent1"/>
+          </a:fillRef>
+          <a:effectRef idx="0">
+            <a:schemeClr val="accent1"/>
+          </a:effectRef>
+          <a:fontRef idx="minor">
+            <a:schemeClr val="lt1"/>
+          </a:fontRef>
+        </p:style>
+        <p:txBody>
+          <a:bodyPr rtlCol="0" anchor="ctr"/>
+          <a:lstStyle/>
+          <a:p>
+            <a:pPr algn="ctr"/>
+            <a:r>
+              <a:rPr lang="en-US" dirty="0" smtClean="0"/>
+              <a:t>Create Service</a:t>
+            </a:r>
+            <a:endParaRPr lang="en-US" dirty="0"/>
+          </a:p>
+        </p:txBody>
+      </p:sp>
+      <p:sp>
+        <p:nvSpPr>
+          <p:cNvPr id="91" name="TextBox 90"/>
+          <p:cNvSpPr txBox="1"/>
+          <p:nvPr/>
+        </p:nvSpPr>
+        <p:spPr>
+          <a:xfrm>
+            <a:off x="6893213" y="2904022"/>
+            <a:ext cx="1998518" cy="246221"/>
+          </a:xfrm>
+          <a:prstGeom prst="rect">
+            <a:avLst/>
+          </a:prstGeom>
+          <a:noFill/>
+        </p:spPr>
+        <p:txBody>
+          <a:bodyPr wrap="square" rtlCol="0">
+            <a:spAutoFit/>
+          </a:bodyPr>
+          <a:lstStyle/>
+          <a:p>
+            <a:r>
+              <a:rPr lang="en-US" sz="1000" dirty="0" smtClean="0"/>
+              <a:t>Instance 1</a:t>
+            </a:r>
+            <a:endParaRPr lang="en-US" sz="1000" dirty="0"/>
+          </a:p>
+        </p:txBody>
+      </p:sp>
+      <p:sp>
+        <p:nvSpPr>
+          <p:cNvPr id="92" name="TextBox 91"/>
+          <p:cNvSpPr txBox="1"/>
+          <p:nvPr/>
+        </p:nvSpPr>
+        <p:spPr>
+          <a:xfrm>
+            <a:off x="7045613" y="3056422"/>
+            <a:ext cx="1998518" cy="246221"/>
+          </a:xfrm>
+          <a:prstGeom prst="rect">
+            <a:avLst/>
+          </a:prstGeom>
+          <a:noFill/>
+        </p:spPr>
+        <p:txBody>
+          <a:bodyPr wrap="square" rtlCol="0">
+            <a:spAutoFit/>
+          </a:bodyPr>
+          <a:lstStyle/>
+          <a:p>
+            <a:r>
+              <a:rPr lang="en-US" sz="1000" dirty="0" smtClean="0"/>
+              <a:t>Instance 2</a:t>
+            </a:r>
+            <a:endParaRPr lang="en-US" sz="1000" dirty="0"/>
+          </a:p>
+        </p:txBody>
+      </p:sp>
+      <p:sp>
+        <p:nvSpPr>
+          <p:cNvPr id="93" name="Rectangle 92"/>
+          <p:cNvSpPr/>
+          <p:nvPr/>
+        </p:nvSpPr>
+        <p:spPr>
+          <a:xfrm>
+            <a:off x="9706844" y="3092284"/>
+            <a:ext cx="1683328" cy="804341"/>
+          </a:xfrm>
+          <a:prstGeom prst="rect">
+            <a:avLst/>
+          </a:prstGeom>
+        </p:spPr>
+        <p:style>
+          <a:lnRef idx="2">
+            <a:schemeClr val="accent1">
+              <a:shade val="50000"/>
+            </a:schemeClr>
+          </a:lnRef>
+          <a:fillRef idx="1">
+            <a:schemeClr val="accent1"/>
+          </a:fillRef>
+          <a:effectRef idx="0">
+            <a:schemeClr val="accent1"/>
+          </a:effectRef>
+          <a:fontRef idx="minor">
+            <a:schemeClr val="lt1"/>
+          </a:fontRef>
+        </p:style>
+        <p:txBody>
+          <a:bodyPr rtlCol="0" anchor="ctr"/>
+          <a:lstStyle/>
+          <a:p>
+            <a:pPr algn="ctr"/>
+            <a:r>
+              <a:rPr lang="en-US" dirty="0" smtClean="0"/>
+              <a:t>Credit Score </a:t>
+            </a:r>
+            <a:r>
+              <a:rPr lang="en-US" dirty="0" smtClean="0"/>
+              <a:t>Service</a:t>
+            </a:r>
+            <a:endParaRPr lang="en-US" dirty="0"/>
+          </a:p>
+        </p:txBody>
+      </p:sp>
+      <p:cxnSp>
+        <p:nvCxnSpPr>
+          <p:cNvPr id="95" name="Straight Arrow Connector 94"/>
+          <p:cNvCxnSpPr>
+            <a:stCxn id="89" idx="3"/>
+            <a:endCxn id="93" idx="1"/>
+          </p:cNvCxnSpPr>
+          <p:nvPr/>
+        </p:nvCxnSpPr>
+        <p:spPr>
+          <a:xfrm flipV="1">
+            <a:off x="8686803" y="3494455"/>
+            <a:ext cx="1020041" cy="4924"/>
+          </a:xfrm>
+          <a:prstGeom prst="straightConnector1">
+            <a:avLst/>
+          </a:prstGeom>
+          <a:ln>
+            <a:headEnd type="triangle"/>
+            <a:tailEnd type="triangle"/>
+          </a:ln>
+        </p:spPr>
+        <p:style>
+          <a:lnRef idx="1">
+            <a:schemeClr val="accent1"/>
+          </a:lnRef>
+          <a:fillRef idx="0">
+            <a:schemeClr val="accent1"/>
+          </a:fillRef>
+          <a:effectRef idx="0">
+            <a:schemeClr val="accent1"/>
+          </a:effectRef>
+          <a:fontRef idx="minor">
+            <a:schemeClr val="tx1"/>
+          </a:fontRef>
+        </p:style>
+      </p:cxnSp>
+      <p:sp>
+        <p:nvSpPr>
+          <p:cNvPr id="98" name="TextBox 97"/>
+          <p:cNvSpPr txBox="1"/>
+          <p:nvPr/>
+        </p:nvSpPr>
+        <p:spPr>
+          <a:xfrm>
+            <a:off x="5133108" y="5959960"/>
+            <a:ext cx="1655619" cy="252259"/>
+          </a:xfrm>
+          <a:prstGeom prst="rect">
+            <a:avLst/>
+          </a:prstGeom>
+          <a:noFill/>
+        </p:spPr>
+        <p:txBody>
+          <a:bodyPr wrap="square" rtlCol="0">
+            <a:spAutoFit/>
+          </a:bodyPr>
+          <a:lstStyle/>
+          <a:p>
+            <a:r>
+              <a:rPr lang="en-US" dirty="0" smtClean="0"/>
+              <a:t>EUREKA CLIENT</a:t>
+            </a:r>
+            <a:endParaRPr lang="en-US" dirty="0"/>
+          </a:p>
+        </p:txBody>
+      </p:sp>
+      <p:sp>
+        <p:nvSpPr>
+          <p:cNvPr id="99" name="Flowchart: Magnetic Disk 98"/>
+          <p:cNvSpPr/>
+          <p:nvPr/>
+        </p:nvSpPr>
+        <p:spPr>
+          <a:xfrm>
+            <a:off x="9299864" y="4586117"/>
+            <a:ext cx="490105" cy="1155359"/>
+          </a:xfrm>
+          <a:prstGeom prst="flowChartMagneticDisk">
+            <a:avLst/>
+          </a:prstGeom>
+          <a:solidFill>
+            <a:srgbClr val="FFFF00"/>
+          </a:solidFill>
+        </p:spPr>
+        <p:style>
+          <a:lnRef idx="2">
+            <a:schemeClr val="accent1">
+              <a:shade val="50000"/>
+            </a:schemeClr>
+          </a:lnRef>
+          <a:fillRef idx="1">
+            <a:schemeClr val="accent1"/>
+          </a:fillRef>
+          <a:effectRef idx="0">
+            <a:schemeClr val="accent1"/>
+          </a:effectRef>
+          <a:fontRef idx="minor">
+            <a:schemeClr val="lt1"/>
+          </a:fontRef>
+        </p:style>
+        <p:txBody>
+          <a:bodyPr rtlCol="0" anchor="ctr"/>
+          <a:lstStyle/>
+          <a:p>
+            <a:pPr algn="ctr"/>
+            <a:endParaRPr lang="en-US"/>
+          </a:p>
+        </p:txBody>
+      </p:sp>
+      <p:cxnSp>
+        <p:nvCxnSpPr>
+          <p:cNvPr id="101" name="Elbow Connector 100"/>
+          <p:cNvCxnSpPr>
+            <a:stCxn id="89" idx="2"/>
+            <a:endCxn id="99" idx="2"/>
+          </p:cNvCxnSpPr>
+          <p:nvPr/>
+        </p:nvCxnSpPr>
+        <p:spPr>
+          <a:xfrm rot="16200000" flipH="1">
+            <a:off x="7941377" y="3805310"/>
+            <a:ext cx="1262248" cy="1454725"/>
+          </a:xfrm>
+          <a:prstGeom prst="bentConnector2">
+            <a:avLst/>
+          </a:prstGeom>
+          <a:ln>
+            <a:tailEnd type="triangle"/>
+          </a:ln>
+        </p:spPr>
+        <p:style>
+          <a:lnRef idx="1">
+            <a:schemeClr val="accent1"/>
+          </a:lnRef>
+          <a:fillRef idx="0">
+            <a:schemeClr val="accent1"/>
+          </a:fillRef>
+          <a:effectRef idx="0">
+            <a:schemeClr val="accent1"/>
+          </a:effectRef>
+          <a:fontRef idx="minor">
+            <a:schemeClr val="tx1"/>
+          </a:fontRef>
+        </p:style>
+      </p:cxnSp>
+      <p:sp>
+        <p:nvSpPr>
+          <p:cNvPr id="103" name="TextBox 102"/>
+          <p:cNvSpPr txBox="1"/>
+          <p:nvPr/>
+        </p:nvSpPr>
+        <p:spPr>
+          <a:xfrm rot="16200000">
+            <a:off x="8779345" y="4793958"/>
+            <a:ext cx="1532577" cy="246221"/>
+          </a:xfrm>
+          <a:prstGeom prst="rect">
+            <a:avLst/>
+          </a:prstGeom>
+          <a:noFill/>
+        </p:spPr>
+        <p:txBody>
+          <a:bodyPr wrap="square" rtlCol="0">
+            <a:spAutoFit/>
+          </a:bodyPr>
+          <a:lstStyle/>
+          <a:p>
+            <a:r>
+              <a:rPr lang="en-US" sz="1000" b="1" dirty="0" smtClean="0">
+                <a:solidFill>
+                  <a:srgbClr val="FF0000"/>
+                </a:solidFill>
+              </a:rPr>
+              <a:t>Active MQ </a:t>
+            </a:r>
+            <a:endParaRPr lang="en-US" sz="1000" b="1" dirty="0">
+              <a:solidFill>
+                <a:srgbClr val="FF0000"/>
+              </a:solidFill>
+            </a:endParaRPr>
+          </a:p>
+        </p:txBody>
+      </p:sp>
+      <p:sp>
+        <p:nvSpPr>
+          <p:cNvPr id="104" name="Rectangle 103"/>
+          <p:cNvSpPr/>
+          <p:nvPr/>
+        </p:nvSpPr>
+        <p:spPr>
+          <a:xfrm>
+            <a:off x="10280074" y="4755376"/>
+            <a:ext cx="1683328" cy="804341"/>
+          </a:xfrm>
+          <a:prstGeom prst="rect">
+            <a:avLst/>
+          </a:prstGeom>
+        </p:spPr>
+        <p:style>
+          <a:lnRef idx="2">
+            <a:schemeClr val="accent1">
+              <a:shade val="50000"/>
+            </a:schemeClr>
+          </a:lnRef>
+          <a:fillRef idx="1">
+            <a:schemeClr val="accent1"/>
+          </a:fillRef>
+          <a:effectRef idx="0">
+            <a:schemeClr val="accent1"/>
+          </a:effectRef>
+          <a:fontRef idx="minor">
+            <a:schemeClr val="lt1"/>
+          </a:fontRef>
+        </p:style>
+        <p:txBody>
+          <a:bodyPr rtlCol="0" anchor="ctr"/>
+          <a:lstStyle/>
+          <a:p>
+            <a:pPr algn="ctr"/>
+            <a:r>
+              <a:rPr lang="en-US" dirty="0" smtClean="0"/>
+              <a:t>Notification Service</a:t>
+            </a:r>
+            <a:endParaRPr lang="en-US" dirty="0"/>
+          </a:p>
+        </p:txBody>
+      </p:sp>
+      <p:cxnSp>
+        <p:nvCxnSpPr>
+          <p:cNvPr id="106" name="Straight Arrow Connector 105"/>
+          <p:cNvCxnSpPr>
+            <a:stCxn id="99" idx="4"/>
+            <a:endCxn id="104" idx="1"/>
+          </p:cNvCxnSpPr>
+          <p:nvPr/>
+        </p:nvCxnSpPr>
+        <p:spPr>
+          <a:xfrm flipV="1">
+            <a:off x="9789969" y="5157547"/>
+            <a:ext cx="490105" cy="6250"/>
+          </a:xfrm>
+          <a:prstGeom prst="straightConnector1">
+            <a:avLst/>
+          </a:prstGeom>
+          <a:ln>
+            <a:tailEnd type="triangle"/>
+          </a:ln>
+        </p:spPr>
+        <p:style>
+          <a:lnRef idx="1">
+            <a:schemeClr val="accent1"/>
+          </a:lnRef>
+          <a:fillRef idx="0">
+            <a:schemeClr val="accent1"/>
+          </a:fillRef>
+          <a:effectRef idx="0">
+            <a:schemeClr val="accent1"/>
+          </a:effectRef>
+          <a:fontRef idx="minor">
+            <a:schemeClr val="tx1"/>
+          </a:fontRef>
+        </p:style>
+      </p:cxnSp>
+      <p:pic>
+        <p:nvPicPr>
+          <p:cNvPr id="108" name="Picture 107"/>
+          <p:cNvPicPr>
+            <a:picLocks noChangeAspect="1"/>
+          </p:cNvPicPr>
+          <p:nvPr/>
+        </p:nvPicPr>
+        <p:blipFill>
+          <a:blip r:embed="rId3">
+            <a:extLst>
+              <a:ext uri="{28A0092B-C50C-407E-A947-70E740481C1C}">
+                <a14:useLocalDpi xmlns:a14="http://schemas.microsoft.com/office/drawing/2010/main" val="0"/>
+              </a:ext>
+            </a:extLst>
+          </a:blip>
+          <a:stretch>
+            <a:fillRect/>
+          </a:stretch>
+        </p:blipFill>
+        <p:spPr>
+          <a:xfrm>
+            <a:off x="10666267" y="5822030"/>
+            <a:ext cx="841664" cy="693884"/>
+          </a:xfrm>
+          <a:prstGeom prst="rect">
+            <a:avLst/>
+          </a:prstGeom>
+        </p:spPr>
+      </p:pic>
+      <p:cxnSp>
+        <p:nvCxnSpPr>
+          <p:cNvPr id="110" name="Straight Arrow Connector 109"/>
+          <p:cNvCxnSpPr>
+            <a:stCxn id="104" idx="2"/>
+          </p:cNvCxnSpPr>
+          <p:nvPr/>
+        </p:nvCxnSpPr>
+        <p:spPr>
+          <a:xfrm>
+            <a:off x="11121738" y="5559717"/>
+            <a:ext cx="0" cy="431478"/>
+          </a:xfrm>
+          <a:prstGeom prst="straightConnector1">
+            <a:avLst/>
+          </a:prstGeom>
+          <a:ln>
+            <a:tailEnd type="triangle"/>
+          </a:ln>
+        </p:spPr>
+        <p:style>
+          <a:lnRef idx="1">
+            <a:schemeClr val="accent1"/>
+          </a:lnRef>
+          <a:fillRef idx="0">
+            <a:schemeClr val="accent1"/>
+          </a:fillRef>
+          <a:effectRef idx="0">
+            <a:schemeClr val="accent1"/>
+          </a:effectRef>
+          <a:fontRef idx="minor">
+            <a:schemeClr val="tx1"/>
+          </a:fontRef>
+        </p:style>
+      </p:cxnSp>
+      <p:sp>
+        <p:nvSpPr>
+          <p:cNvPr id="113" name="TextBox 112"/>
+          <p:cNvSpPr txBox="1"/>
+          <p:nvPr/>
+        </p:nvSpPr>
+        <p:spPr>
+          <a:xfrm>
+            <a:off x="4729597" y="3086129"/>
+            <a:ext cx="1998518" cy="246221"/>
+          </a:xfrm>
+          <a:prstGeom prst="rect">
+            <a:avLst/>
+          </a:prstGeom>
+          <a:noFill/>
+        </p:spPr>
+        <p:txBody>
+          <a:bodyPr wrap="square" rtlCol="0">
+            <a:spAutoFit/>
+          </a:bodyPr>
+          <a:lstStyle/>
+          <a:p>
+            <a:r>
+              <a:rPr lang="en-US" sz="1000" b="1" dirty="0" smtClean="0">
+                <a:solidFill>
+                  <a:srgbClr val="00B050"/>
+                </a:solidFill>
+              </a:rPr>
+              <a:t>Internal Ribbon </a:t>
+            </a:r>
+            <a:endParaRPr lang="en-US" sz="1000" b="1" dirty="0">
+              <a:solidFill>
+                <a:srgbClr val="00B050"/>
+              </a:solidFill>
+            </a:endParaRPr>
+          </a:p>
+        </p:txBody>
+      </p:sp>
+      <p:cxnSp>
+        <p:nvCxnSpPr>
+          <p:cNvPr id="115" name="Elbow Connector 114"/>
+          <p:cNvCxnSpPr>
+            <a:stCxn id="8" idx="3"/>
+          </p:cNvCxnSpPr>
+          <p:nvPr/>
+        </p:nvCxnSpPr>
+        <p:spPr>
+          <a:xfrm flipV="1">
+            <a:off x="6802582" y="5332885"/>
+            <a:ext cx="2485733" cy="147132"/>
+          </a:xfrm>
+          <a:prstGeom prst="bentConnector3">
+            <a:avLst/>
+          </a:prstGeom>
+          <a:ln>
+            <a:tailEnd type="triangle"/>
+          </a:ln>
+        </p:spPr>
+        <p:style>
+          <a:lnRef idx="1">
+            <a:schemeClr val="accent1"/>
+          </a:lnRef>
+          <a:fillRef idx="0">
+            <a:schemeClr val="accent1"/>
+          </a:fillRef>
+          <a:effectRef idx="0">
+            <a:schemeClr val="accent1"/>
+          </a:effectRef>
+          <a:fontRef idx="minor">
+            <a:schemeClr val="tx1"/>
+          </a:fontRef>
+        </p:style>
+      </p:cxnSp>
+      <p:sp>
+        <p:nvSpPr>
+          <p:cNvPr id="117" name="Rounded Rectangle 116"/>
+          <p:cNvSpPr/>
+          <p:nvPr/>
+        </p:nvSpPr>
+        <p:spPr>
+          <a:xfrm>
+            <a:off x="4281055" y="2848963"/>
+            <a:ext cx="4763076" cy="1158120"/>
+          </a:xfrm>
+          <a:prstGeom prst="roundRect">
+            <a:avLst/>
+          </a:prstGeom>
+          <a:noFill/>
+          <a:ln w="38100">
+            <a:solidFill>
+              <a:srgbClr val="00B050"/>
+            </a:solidFill>
+            <a:prstDash val="lgDashDot"/>
+          </a:ln>
+        </p:spPr>
+        <p:style>
+          <a:lnRef idx="2">
+            <a:schemeClr val="accent1">
+              <a:shade val="50000"/>
+            </a:schemeClr>
+          </a:lnRef>
+          <a:fillRef idx="1">
+            <a:schemeClr val="accent1"/>
+          </a:fillRef>
+          <a:effectRef idx="0">
+            <a:schemeClr val="accent1"/>
+          </a:effectRef>
+          <a:fontRef idx="minor">
+            <a:schemeClr val="lt1"/>
+          </a:fontRef>
+        </p:style>
+        <p:txBody>
+          <a:bodyPr rtlCol="0" anchor="ctr"/>
+          <a:lstStyle/>
+          <a:p>
+            <a:pPr algn="ctr"/>
+            <a:endParaRPr lang="en-US"/>
+          </a:p>
+        </p:txBody>
+      </p:sp>
+      <p:sp>
+        <p:nvSpPr>
+          <p:cNvPr id="118" name="TextBox 117"/>
+          <p:cNvSpPr txBox="1"/>
+          <p:nvPr/>
+        </p:nvSpPr>
+        <p:spPr>
+          <a:xfrm>
+            <a:off x="5119254" y="2615220"/>
+            <a:ext cx="1998518" cy="246221"/>
+          </a:xfrm>
+          <a:prstGeom prst="rect">
+            <a:avLst/>
+          </a:prstGeom>
+          <a:noFill/>
+        </p:spPr>
+        <p:txBody>
+          <a:bodyPr wrap="square" rtlCol="0">
+            <a:spAutoFit/>
+          </a:bodyPr>
+          <a:lstStyle/>
+          <a:p>
+            <a:r>
+              <a:rPr lang="en-US" sz="1000" b="1" dirty="0" smtClean="0">
+                <a:solidFill>
+                  <a:srgbClr val="00B050"/>
+                </a:solidFill>
+              </a:rPr>
+              <a:t>Round Robin Client Side LB</a:t>
+            </a:r>
+            <a:endParaRPr lang="en-US" sz="1000" b="1" dirty="0">
+              <a:solidFill>
+                <a:srgbClr val="00B050"/>
+              </a:solidFill>
+            </a:endParaRPr>
+          </a:p>
+        </p:txBody>
+      </p:sp>
     </p:spTree>
     <p:extLst>
       <p:ext uri="{BB962C8B-B14F-4D97-AF65-F5344CB8AC3E}">

--- a/Microservice_Architecture_Defined.pptx
+++ b/Microservice_Architecture_Defined.pptx
@@ -7172,11 +7172,7 @@
                     <a:p>
                       <a:r>
                         <a:rPr lang="en-US" dirty="0" smtClean="0"/>
-                        <a:t>Putting filter to incorporate </a:t>
-                      </a:r>
-                      <a:r>
-                        <a:rPr lang="en-US" dirty="0" smtClean="0"/>
-                        <a:t>security ( JWT</a:t>
+                        <a:t>Putting filter to incorporate security ( JWT</a:t>
                       </a:r>
                       <a:r>
                         <a:rPr lang="en-US" baseline="0" dirty="0" smtClean="0"/>
@@ -7389,11 +7385,7 @@
           <a:p>
             <a:r>
               <a:rPr lang="en-US" dirty="0" smtClean="0"/>
-              <a:t>Learning Plan– </a:t>
-            </a:r>
-            <a:r>
-              <a:rPr lang="en-US" dirty="0" smtClean="0"/>
-              <a:t>Part 1</a:t>
+              <a:t>Learning Plan– Part 1</a:t>
             </a:r>
             <a:endParaRPr lang="en-US" dirty="0"/>
           </a:p>
@@ -16107,7 +16099,6 @@
               <a:rPr lang="en-US" dirty="0"/>
               <a:t>View User Service</a:t>
             </a:r>
-            <a:endParaRPr lang="en-US" dirty="0"/>
           </a:p>
         </p:txBody>
       </p:sp>
@@ -16237,7 +16228,7 @@
         </p:nvSpPr>
         <p:spPr>
           <a:xfrm>
-            <a:off x="6934199" y="2330683"/>
+            <a:off x="6906490" y="2150198"/>
             <a:ext cx="1655619" cy="252259"/>
           </a:xfrm>
           <a:prstGeom prst="rect">
@@ -16537,8 +16528,8 @@
         </p:nvSpPr>
         <p:spPr>
           <a:xfrm>
-            <a:off x="7024254" y="2561286"/>
-            <a:ext cx="1600202" cy="252259"/>
+            <a:off x="7024253" y="2561286"/>
+            <a:ext cx="1977739" cy="369332"/>
           </a:xfrm>
           <a:prstGeom prst="rect">
             <a:avLst/>
@@ -16553,41 +16544,11 @@
           <a:p>
             <a:r>
               <a:rPr lang="en-US" dirty="0" smtClean="0"/>
-              <a:t>PORT : 8082</a:t>
-            </a:r>
-            <a:endParaRPr lang="en-US" dirty="0"/>
-          </a:p>
-        </p:txBody>
-      </p:sp>
-      <p:sp>
-        <p:nvSpPr>
-          <p:cNvPr id="24" name="TextBox 23"/>
-          <p:cNvSpPr txBox="1"/>
-          <p:nvPr/>
-        </p:nvSpPr>
-        <p:spPr>
-          <a:xfrm>
-            <a:off x="7024254" y="4305233"/>
-            <a:ext cx="1600202" cy="646331"/>
-          </a:xfrm>
-          <a:prstGeom prst="rect">
-            <a:avLst/>
-          </a:prstGeom>
-          <a:noFill/>
-        </p:spPr>
-        <p:txBody>
-          <a:bodyPr wrap="square" rtlCol="0">
-            <a:spAutoFit/>
-          </a:bodyPr>
-          <a:lstStyle/>
-          <a:p>
+              <a:t>PORT : </a:t>
+            </a:r>
             <a:r>
               <a:rPr lang="en-US" dirty="0" smtClean="0"/>
-              <a:t>PORT : </a:t>
-            </a:r>
-            <a:r>
-              <a:rPr lang="en-US" dirty="0" smtClean="0"/>
-              <a:t>8087/8088</a:t>
+              <a:t>8082/83</a:t>
             </a:r>
             <a:endParaRPr lang="en-US" dirty="0"/>
           </a:p>
@@ -17698,17 +17659,7 @@
                   </a:schemeClr>
                 </a:solidFill>
               </a:rPr>
-              <a:t>Target Architecture+ </a:t>
-            </a:r>
-            <a:r>
-              <a:rPr lang="en-US" b="1" dirty="0" smtClean="0">
-                <a:solidFill>
-                  <a:schemeClr val="accent2">
-                    <a:lumMod val="50000"/>
-                  </a:schemeClr>
-                </a:solidFill>
-              </a:rPr>
-              <a:t>Centralized Security + API Routing using </a:t>
+              <a:t>Target Architecture+ Centralized Security + API Routing using </a:t>
             </a:r>
             <a:r>
               <a:rPr lang="en-US" b="1" dirty="0" err="1" smtClean="0">
@@ -17809,15 +17760,7 @@
                   <a:srgbClr val="FF0000"/>
                 </a:solidFill>
               </a:rPr>
-              <a:t>Centralized Auth</a:t>
-            </a:r>
-            <a:r>
-              <a:rPr lang="en-US" sz="1000" b="1" dirty="0" smtClean="0">
-                <a:solidFill>
-                  <a:srgbClr val="FF0000"/>
-                </a:solidFill>
-              </a:rPr>
-              <a:t>entication</a:t>
+              <a:t>Centralized Authentication</a:t>
             </a:r>
             <a:endParaRPr lang="en-US" sz="1000" b="1" dirty="0">
               <a:solidFill>
@@ -18167,11 +18110,7 @@
             <a:pPr algn="ctr"/>
             <a:r>
               <a:rPr lang="en-US" dirty="0" smtClean="0"/>
-              <a:t>Credit Score </a:t>
-            </a:r>
-            <a:r>
-              <a:rPr lang="en-US" dirty="0" smtClean="0"/>
-              <a:t>Service</a:t>
+              <a:t>Credit Score Service</a:t>
             </a:r>
             <a:endParaRPr lang="en-US" dirty="0"/>
           </a:p>
@@ -18661,6 +18600,142 @@
                 <a:srgbClr val="00B050"/>
               </a:solidFill>
             </a:endParaRPr>
+          </a:p>
+        </p:txBody>
+      </p:sp>
+      <p:sp>
+        <p:nvSpPr>
+          <p:cNvPr id="70" name="TextBox 69"/>
+          <p:cNvSpPr txBox="1"/>
+          <p:nvPr/>
+        </p:nvSpPr>
+        <p:spPr>
+          <a:xfrm>
+            <a:off x="5091464" y="4735234"/>
+            <a:ext cx="1977739" cy="369332"/>
+          </a:xfrm>
+          <a:prstGeom prst="rect">
+            <a:avLst/>
+          </a:prstGeom>
+          <a:noFill/>
+        </p:spPr>
+        <p:txBody>
+          <a:bodyPr wrap="square" rtlCol="0">
+            <a:spAutoFit/>
+          </a:bodyPr>
+          <a:lstStyle/>
+          <a:p>
+            <a:r>
+              <a:rPr lang="en-US" dirty="0" smtClean="0"/>
+              <a:t>PORT : </a:t>
+            </a:r>
+            <a:r>
+              <a:rPr lang="en-US" dirty="0" smtClean="0"/>
+              <a:t>8084</a:t>
+            </a:r>
+            <a:endParaRPr lang="en-US" dirty="0"/>
+          </a:p>
+        </p:txBody>
+      </p:sp>
+      <p:sp>
+        <p:nvSpPr>
+          <p:cNvPr id="71" name="TextBox 70"/>
+          <p:cNvSpPr txBox="1"/>
+          <p:nvPr/>
+        </p:nvSpPr>
+        <p:spPr>
+          <a:xfrm>
+            <a:off x="9852927" y="2769974"/>
+            <a:ext cx="1977739" cy="369332"/>
+          </a:xfrm>
+          <a:prstGeom prst="rect">
+            <a:avLst/>
+          </a:prstGeom>
+          <a:noFill/>
+        </p:spPr>
+        <p:txBody>
+          <a:bodyPr wrap="square" rtlCol="0">
+            <a:spAutoFit/>
+          </a:bodyPr>
+          <a:lstStyle/>
+          <a:p>
+            <a:r>
+              <a:rPr lang="en-US" dirty="0" smtClean="0"/>
+              <a:t>PORT : </a:t>
+            </a:r>
+            <a:r>
+              <a:rPr lang="en-US" dirty="0" smtClean="0"/>
+              <a:t>8085</a:t>
+            </a:r>
+            <a:endParaRPr lang="en-US" dirty="0"/>
+          </a:p>
+        </p:txBody>
+      </p:sp>
+      <p:sp>
+        <p:nvSpPr>
+          <p:cNvPr id="72" name="TextBox 71"/>
+          <p:cNvSpPr txBox="1"/>
+          <p:nvPr/>
+        </p:nvSpPr>
+        <p:spPr>
+          <a:xfrm>
+            <a:off x="10401302" y="4374645"/>
+            <a:ext cx="1977739" cy="369332"/>
+          </a:xfrm>
+          <a:prstGeom prst="rect">
+            <a:avLst/>
+          </a:prstGeom>
+          <a:noFill/>
+        </p:spPr>
+        <p:txBody>
+          <a:bodyPr wrap="square" rtlCol="0">
+            <a:spAutoFit/>
+          </a:bodyPr>
+          <a:lstStyle/>
+          <a:p>
+            <a:r>
+              <a:rPr lang="en-US" dirty="0" smtClean="0"/>
+              <a:t>PORT : </a:t>
+            </a:r>
+            <a:r>
+              <a:rPr lang="en-US" dirty="0" smtClean="0"/>
+              <a:t>8086</a:t>
+            </a:r>
+            <a:endParaRPr lang="en-US" dirty="0"/>
+          </a:p>
+        </p:txBody>
+      </p:sp>
+      <p:sp>
+        <p:nvSpPr>
+          <p:cNvPr id="73" name="TextBox 72"/>
+          <p:cNvSpPr txBox="1"/>
+          <p:nvPr/>
+        </p:nvSpPr>
+        <p:spPr>
+          <a:xfrm>
+            <a:off x="227727" y="6456614"/>
+            <a:ext cx="1977739" cy="369332"/>
+          </a:xfrm>
+          <a:prstGeom prst="rect">
+            <a:avLst/>
+          </a:prstGeom>
+          <a:noFill/>
+        </p:spPr>
+        <p:txBody>
+          <a:bodyPr wrap="square" rtlCol="0">
+            <a:spAutoFit/>
+          </a:bodyPr>
+          <a:lstStyle/>
+          <a:p>
+            <a:r>
+              <a:rPr lang="en-US" dirty="0" smtClean="0"/>
+              <a:t>PORT : </a:t>
+            </a:r>
+            <a:r>
+              <a:rPr lang="en-US" dirty="0" smtClean="0"/>
+              <a:t>8087</a:t>
+            </a:r>
+            <a:endParaRPr lang="en-US" dirty="0"/>
           </a:p>
         </p:txBody>
       </p:sp>
